--- a/Lesson8/8_MC_RL.pptx
+++ b/Lesson8/8_MC_RL.pptx
@@ -5,7 +5,7 @@
     <p:sldMasterId id="2147483648" r:id="rId1"/>
   </p:sldMasterIdLst>
   <p:notesMasterIdLst>
-    <p:notesMasterId r:id="rId31"/>
+    <p:notesMasterId r:id="rId33"/>
   </p:notesMasterIdLst>
   <p:sldIdLst>
     <p:sldId id="357" r:id="rId2"/>
@@ -26,17 +26,19 @@
     <p:sldId id="270" r:id="rId17"/>
     <p:sldId id="266" r:id="rId18"/>
     <p:sldId id="268" r:id="rId19"/>
-    <p:sldId id="363" r:id="rId20"/>
-    <p:sldId id="359" r:id="rId21"/>
-    <p:sldId id="358" r:id="rId22"/>
-    <p:sldId id="360" r:id="rId23"/>
-    <p:sldId id="262" r:id="rId24"/>
-    <p:sldId id="271" r:id="rId25"/>
-    <p:sldId id="290" r:id="rId26"/>
-    <p:sldId id="264" r:id="rId27"/>
-    <p:sldId id="364" r:id="rId28"/>
-    <p:sldId id="292" r:id="rId29"/>
-    <p:sldId id="291" r:id="rId30"/>
+    <p:sldId id="369" r:id="rId20"/>
+    <p:sldId id="370" r:id="rId21"/>
+    <p:sldId id="371" r:id="rId22"/>
+    <p:sldId id="363" r:id="rId23"/>
+    <p:sldId id="359" r:id="rId24"/>
+    <p:sldId id="358" r:id="rId25"/>
+    <p:sldId id="271" r:id="rId26"/>
+    <p:sldId id="290" r:id="rId27"/>
+    <p:sldId id="264" r:id="rId28"/>
+    <p:sldId id="364" r:id="rId29"/>
+    <p:sldId id="292" r:id="rId30"/>
+    <p:sldId id="262" r:id="rId31"/>
+    <p:sldId id="291" r:id="rId32"/>
   </p:sldIdLst>
   <p:sldSz cx="12192000" cy="6858000"/>
   <p:notesSz cx="7315200" cy="9601200"/>
@@ -5619,7 +5621,7 @@
           <a:p>
             <a:r>
               <a:rPr lang="en-US" dirty="0"/>
-              <a:t>MC algorithms </a:t>
+              <a:t>MC algorithm </a:t>
             </a:r>
             <a:r>
               <a:rPr lang="en-US" b="1" dirty="0"/>
@@ -17545,7 +17547,7 @@
             <a:pPr lvl="1"/>
             <a:r>
               <a:rPr lang="en-US" sz="2800" dirty="0"/>
-              <a:t>We primarily use random start</a:t>
+              <a:t>Typically use random start</a:t>
             </a:r>
           </a:p>
           <a:p>
@@ -27966,7 +27968,7 @@
               <a:rPr lang="en-US" dirty="0">
                 <a:latin typeface="+mn-lt"/>
               </a:rPr>
-              <a:t>Policy Improvement </a:t>
+              <a:t>Policy Evaluation</a:t>
             </a:r>
           </a:p>
         </p:txBody>
@@ -27974,7 +27976,7 @@
     </p:spTree>
     <p:extLst>
       <p:ext uri="{BB962C8B-B14F-4D97-AF65-F5344CB8AC3E}">
-        <p14:creationId xmlns:p14="http://schemas.microsoft.com/office/powerpoint/2010/main" val="1628896862"/>
+        <p14:creationId xmlns:p14="http://schemas.microsoft.com/office/powerpoint/2010/main" val="2398002357"/>
       </p:ext>
     </p:extLst>
   </p:cSld>
@@ -28409,10 +28411,45 @@
       </p:grpSpPr>
       <p:sp>
         <p:nvSpPr>
+          <p:cNvPr id="2" name="Title 1">
+            <a:extLst>
+              <a:ext uri="{FF2B5EF4-FFF2-40B4-BE49-F238E27FC236}">
+                <a16:creationId xmlns:a16="http://schemas.microsoft.com/office/drawing/2014/main" id="{B889B93B-7036-425E-A49B-9916EB3D73FA}"/>
+              </a:ext>
+            </a:extLst>
+          </p:cNvPr>
+          <p:cNvSpPr>
+            <a:spLocks noGrp="1"/>
+          </p:cNvSpPr>
+          <p:nvPr>
+            <p:ph type="title"/>
+          </p:nvPr>
+        </p:nvSpPr>
+        <p:spPr>
+          <a:xfrm>
+            <a:off x="838200" y="225166"/>
+            <a:ext cx="10515600" cy="721891"/>
+          </a:xfrm>
+        </p:spPr>
+        <p:txBody>
+          <a:bodyPr/>
+          <a:lstStyle/>
+          <a:p>
+            <a:r>
+              <a:rPr lang="en-US" dirty="0">
+                <a:latin typeface="+mn-lt"/>
+              </a:rPr>
+              <a:t>Policy Evaluation</a:t>
+            </a:r>
+          </a:p>
+        </p:txBody>
+      </p:sp>
+      <p:sp>
+        <p:nvSpPr>
           <p:cNvPr id="3" name="Content Placeholder 2">
             <a:extLst>
               <a:ext uri="{FF2B5EF4-FFF2-40B4-BE49-F238E27FC236}">
-                <a16:creationId xmlns:a16="http://schemas.microsoft.com/office/drawing/2014/main" id="{3F7FB8CA-4389-4599-91A4-A888EB8C028C}"/>
+                <a16:creationId xmlns:a16="http://schemas.microsoft.com/office/drawing/2014/main" id="{9794B700-D789-41A3-A534-0A77F6C4DEE8}"/>
               </a:ext>
             </a:extLst>
           </p:cNvPr>
@@ -28426,7 +28463,389 @@
         <p:spPr>
           <a:xfrm>
             <a:off x="838200" y="1126210"/>
-            <a:ext cx="10515600" cy="5050753"/>
+            <a:ext cx="10515600" cy="5336583"/>
+          </a:xfrm>
+        </p:spPr>
+        <p:txBody>
+          <a:bodyPr>
+            <a:normAutofit/>
+          </a:bodyPr>
+          <a:lstStyle/>
+          <a:p>
+            <a:r>
+              <a:rPr lang="en-US" dirty="0"/>
+              <a:t>We want our intelligent agent to follow an </a:t>
+            </a:r>
+            <a:r>
+              <a:rPr lang="en-US" b="1" dirty="0"/>
+              <a:t>optimal policy</a:t>
+            </a:r>
+          </a:p>
+          <a:p>
+            <a:r>
+              <a:rPr lang="en-US" b="1" dirty="0"/>
+              <a:t>Policy evaluation </a:t>
+            </a:r>
+            <a:r>
+              <a:rPr lang="en-US" dirty="0"/>
+              <a:t>is needed to compare policies</a:t>
+            </a:r>
+          </a:p>
+          <a:p>
+            <a:r>
+              <a:rPr lang="en-US" dirty="0"/>
+              <a:t>Can evaluate policy by value:</a:t>
+            </a:r>
+          </a:p>
+          <a:p>
+            <a:pPr lvl="1"/>
+            <a:r>
+              <a:rPr lang="en-US" sz="2800" b="1" dirty="0"/>
+              <a:t>State value</a:t>
+            </a:r>
+            <a:r>
+              <a:rPr lang="en-US" sz="2800" dirty="0"/>
+              <a:t>: expected value of being in a state</a:t>
+            </a:r>
+          </a:p>
+          <a:p>
+            <a:pPr lvl="1"/>
+            <a:r>
+              <a:rPr lang="en-US" sz="2800" b="1" dirty="0"/>
+              <a:t>Action value</a:t>
+            </a:r>
+            <a:r>
+              <a:rPr lang="en-US" sz="2800" dirty="0"/>
+              <a:t>: expected value of taking an action in a given state</a:t>
+            </a:r>
+          </a:p>
+        </p:txBody>
+      </p:sp>
+    </p:spTree>
+    <p:extLst>
+      <p:ext uri="{BB962C8B-B14F-4D97-AF65-F5344CB8AC3E}">
+        <p14:creationId xmlns:p14="http://schemas.microsoft.com/office/powerpoint/2010/main" val="3875172471"/>
+      </p:ext>
+    </p:extLst>
+  </p:cSld>
+  <p:clrMapOvr>
+    <a:masterClrMapping/>
+  </p:clrMapOvr>
+  <p:timing>
+    <p:tnLst>
+      <p:par>
+        <p:cTn id="1" dur="indefinite" restart="never" nodeType="tmRoot">
+          <p:childTnLst>
+            <p:seq concurrent="1" nextAc="seek">
+              <p:cTn id="2" dur="indefinite" nodeType="mainSeq">
+                <p:childTnLst>
+                  <p:par>
+                    <p:cTn id="3" fill="hold">
+                      <p:stCondLst>
+                        <p:cond delay="indefinite"/>
+                      </p:stCondLst>
+                      <p:childTnLst>
+                        <p:par>
+                          <p:cTn id="4" fill="hold">
+                            <p:stCondLst>
+                              <p:cond delay="0"/>
+                            </p:stCondLst>
+                            <p:childTnLst>
+                              <p:par>
+                                <p:cTn id="5" presetID="1" presetClass="entr" presetSubtype="0" fill="hold" nodeType="clickEffect">
+                                  <p:stCondLst>
+                                    <p:cond delay="0"/>
+                                  </p:stCondLst>
+                                  <p:childTnLst>
+                                    <p:set>
+                                      <p:cBhvr>
+                                        <p:cTn id="6" dur="1" fill="hold">
+                                          <p:stCondLst>
+                                            <p:cond delay="0"/>
+                                          </p:stCondLst>
+                                        </p:cTn>
+                                        <p:tgtEl>
+                                          <p:spTgt spid="3">
+                                            <p:txEl>
+                                              <p:pRg st="0" end="0"/>
+                                            </p:txEl>
+                                          </p:spTgt>
+                                        </p:tgtEl>
+                                        <p:attrNameLst>
+                                          <p:attrName>style.visibility</p:attrName>
+                                        </p:attrNameLst>
+                                      </p:cBhvr>
+                                      <p:to>
+                                        <p:strVal val="visible"/>
+                                      </p:to>
+                                    </p:set>
+                                  </p:childTnLst>
+                                </p:cTn>
+                              </p:par>
+                            </p:childTnLst>
+                          </p:cTn>
+                        </p:par>
+                      </p:childTnLst>
+                    </p:cTn>
+                  </p:par>
+                  <p:par>
+                    <p:cTn id="7" fill="hold">
+                      <p:stCondLst>
+                        <p:cond delay="indefinite"/>
+                      </p:stCondLst>
+                      <p:childTnLst>
+                        <p:par>
+                          <p:cTn id="8" fill="hold">
+                            <p:stCondLst>
+                              <p:cond delay="0"/>
+                            </p:stCondLst>
+                            <p:childTnLst>
+                              <p:par>
+                                <p:cTn id="9" presetID="1" presetClass="entr" presetSubtype="0" fill="hold" nodeType="clickEffect">
+                                  <p:stCondLst>
+                                    <p:cond delay="0"/>
+                                  </p:stCondLst>
+                                  <p:childTnLst>
+                                    <p:set>
+                                      <p:cBhvr>
+                                        <p:cTn id="10" dur="1" fill="hold">
+                                          <p:stCondLst>
+                                            <p:cond delay="0"/>
+                                          </p:stCondLst>
+                                        </p:cTn>
+                                        <p:tgtEl>
+                                          <p:spTgt spid="3">
+                                            <p:txEl>
+                                              <p:pRg st="1" end="1"/>
+                                            </p:txEl>
+                                          </p:spTgt>
+                                        </p:tgtEl>
+                                        <p:attrNameLst>
+                                          <p:attrName>style.visibility</p:attrName>
+                                        </p:attrNameLst>
+                                      </p:cBhvr>
+                                      <p:to>
+                                        <p:strVal val="visible"/>
+                                      </p:to>
+                                    </p:set>
+                                  </p:childTnLst>
+                                </p:cTn>
+                              </p:par>
+                            </p:childTnLst>
+                          </p:cTn>
+                        </p:par>
+                      </p:childTnLst>
+                    </p:cTn>
+                  </p:par>
+                  <p:par>
+                    <p:cTn id="11" fill="hold">
+                      <p:stCondLst>
+                        <p:cond delay="indefinite"/>
+                      </p:stCondLst>
+                      <p:childTnLst>
+                        <p:par>
+                          <p:cTn id="12" fill="hold">
+                            <p:stCondLst>
+                              <p:cond delay="0"/>
+                            </p:stCondLst>
+                            <p:childTnLst>
+                              <p:par>
+                                <p:cTn id="13" presetID="1" presetClass="entr" presetSubtype="0" fill="hold" nodeType="clickEffect">
+                                  <p:stCondLst>
+                                    <p:cond delay="0"/>
+                                  </p:stCondLst>
+                                  <p:childTnLst>
+                                    <p:set>
+                                      <p:cBhvr>
+                                        <p:cTn id="14" dur="1" fill="hold">
+                                          <p:stCondLst>
+                                            <p:cond delay="0"/>
+                                          </p:stCondLst>
+                                        </p:cTn>
+                                        <p:tgtEl>
+                                          <p:spTgt spid="3">
+                                            <p:txEl>
+                                              <p:pRg st="2" end="2"/>
+                                            </p:txEl>
+                                          </p:spTgt>
+                                        </p:tgtEl>
+                                        <p:attrNameLst>
+                                          <p:attrName>style.visibility</p:attrName>
+                                        </p:attrNameLst>
+                                      </p:cBhvr>
+                                      <p:to>
+                                        <p:strVal val="visible"/>
+                                      </p:to>
+                                    </p:set>
+                                  </p:childTnLst>
+                                </p:cTn>
+                              </p:par>
+                            </p:childTnLst>
+                          </p:cTn>
+                        </p:par>
+                      </p:childTnLst>
+                    </p:cTn>
+                  </p:par>
+                  <p:par>
+                    <p:cTn id="15" fill="hold">
+                      <p:stCondLst>
+                        <p:cond delay="indefinite"/>
+                      </p:stCondLst>
+                      <p:childTnLst>
+                        <p:par>
+                          <p:cTn id="16" fill="hold">
+                            <p:stCondLst>
+                              <p:cond delay="0"/>
+                            </p:stCondLst>
+                            <p:childTnLst>
+                              <p:par>
+                                <p:cTn id="17" presetID="1" presetClass="entr" presetSubtype="0" fill="hold" nodeType="clickEffect">
+                                  <p:stCondLst>
+                                    <p:cond delay="0"/>
+                                  </p:stCondLst>
+                                  <p:childTnLst>
+                                    <p:set>
+                                      <p:cBhvr>
+                                        <p:cTn id="18" dur="1" fill="hold">
+                                          <p:stCondLst>
+                                            <p:cond delay="0"/>
+                                          </p:stCondLst>
+                                        </p:cTn>
+                                        <p:tgtEl>
+                                          <p:spTgt spid="3">
+                                            <p:txEl>
+                                              <p:pRg st="3" end="3"/>
+                                            </p:txEl>
+                                          </p:spTgt>
+                                        </p:tgtEl>
+                                        <p:attrNameLst>
+                                          <p:attrName>style.visibility</p:attrName>
+                                        </p:attrNameLst>
+                                      </p:cBhvr>
+                                      <p:to>
+                                        <p:strVal val="visible"/>
+                                      </p:to>
+                                    </p:set>
+                                  </p:childTnLst>
+                                </p:cTn>
+                              </p:par>
+                            </p:childTnLst>
+                          </p:cTn>
+                        </p:par>
+                      </p:childTnLst>
+                    </p:cTn>
+                  </p:par>
+                  <p:par>
+                    <p:cTn id="19" fill="hold">
+                      <p:stCondLst>
+                        <p:cond delay="indefinite"/>
+                      </p:stCondLst>
+                      <p:childTnLst>
+                        <p:par>
+                          <p:cTn id="20" fill="hold">
+                            <p:stCondLst>
+                              <p:cond delay="0"/>
+                            </p:stCondLst>
+                            <p:childTnLst>
+                              <p:par>
+                                <p:cTn id="21" presetID="1" presetClass="entr" presetSubtype="0" fill="hold" nodeType="clickEffect">
+                                  <p:stCondLst>
+                                    <p:cond delay="0"/>
+                                  </p:stCondLst>
+                                  <p:childTnLst>
+                                    <p:set>
+                                      <p:cBhvr>
+                                        <p:cTn id="22" dur="1" fill="hold">
+                                          <p:stCondLst>
+                                            <p:cond delay="0"/>
+                                          </p:stCondLst>
+                                        </p:cTn>
+                                        <p:tgtEl>
+                                          <p:spTgt spid="3">
+                                            <p:txEl>
+                                              <p:pRg st="4" end="4"/>
+                                            </p:txEl>
+                                          </p:spTgt>
+                                        </p:tgtEl>
+                                        <p:attrNameLst>
+                                          <p:attrName>style.visibility</p:attrName>
+                                        </p:attrNameLst>
+                                      </p:cBhvr>
+                                      <p:to>
+                                        <p:strVal val="visible"/>
+                                      </p:to>
+                                    </p:set>
+                                  </p:childTnLst>
+                                </p:cTn>
+                              </p:par>
+                            </p:childTnLst>
+                          </p:cTn>
+                        </p:par>
+                      </p:childTnLst>
+                    </p:cTn>
+                  </p:par>
+                </p:childTnLst>
+              </p:cTn>
+              <p:prevCondLst>
+                <p:cond evt="onPrev" delay="0">
+                  <p:tgtEl>
+                    <p:sldTgt/>
+                  </p:tgtEl>
+                </p:cond>
+              </p:prevCondLst>
+              <p:nextCondLst>
+                <p:cond evt="onNext" delay="0">
+                  <p:tgtEl>
+                    <p:sldTgt/>
+                  </p:tgtEl>
+                </p:cond>
+              </p:nextCondLst>
+            </p:seq>
+          </p:childTnLst>
+        </p:cTn>
+      </p:par>
+    </p:tnLst>
+  </p:timing>
+</p:sld>
+</file>
+
+<file path=ppt/slides/slide21.xml><?xml version="1.0" encoding="utf-8"?>
+<p:sld xmlns:a="http://schemas.openxmlformats.org/drawingml/2006/main" xmlns:r="http://schemas.openxmlformats.org/officeDocument/2006/relationships" xmlns:p="http://schemas.openxmlformats.org/presentationml/2006/main">
+  <p:cSld>
+    <p:spTree>
+      <p:nvGrpSpPr>
+        <p:cNvPr id="1" name=""/>
+        <p:cNvGrpSpPr/>
+        <p:nvPr/>
+      </p:nvGrpSpPr>
+      <p:grpSpPr>
+        <a:xfrm>
+          <a:off x="0" y="0"/>
+          <a:ext cx="0" cy="0"/>
+          <a:chOff x="0" y="0"/>
+          <a:chExt cx="0" cy="0"/>
+        </a:xfrm>
+      </p:grpSpPr>
+      <p:sp>
+        <p:nvSpPr>
+          <p:cNvPr id="2" name="Title 1">
+            <a:extLst>
+              <a:ext uri="{FF2B5EF4-FFF2-40B4-BE49-F238E27FC236}">
+                <a16:creationId xmlns:a16="http://schemas.microsoft.com/office/drawing/2014/main" id="{B889B93B-7036-425E-A49B-9916EB3D73FA}"/>
+              </a:ext>
+            </a:extLst>
+          </p:cNvPr>
+          <p:cNvSpPr>
+            <a:spLocks noGrp="1"/>
+          </p:cNvSpPr>
+          <p:nvPr>
+            <p:ph type="title"/>
+          </p:nvPr>
+        </p:nvSpPr>
+        <p:spPr>
+          <a:xfrm>
+            <a:off x="838200" y="225166"/>
+            <a:ext cx="10515600" cy="721891"/>
           </a:xfrm>
         </p:spPr>
         <p:txBody>
@@ -28434,162 +28853,967 @@
           <a:lstStyle/>
           <a:p>
             <a:r>
-              <a:rPr lang="en-US" sz="3200" dirty="0"/>
-              <a:t>Agent learns a </a:t>
-            </a:r>
-            <a:r>
-              <a:rPr lang="en-US" sz="3200" b="1" dirty="0"/>
+              <a:rPr lang="en-US" dirty="0">
+                <a:latin typeface="+mn-lt"/>
+              </a:rPr>
+              <a:t>State Value Policy Evaluation</a:t>
+            </a:r>
+          </a:p>
+        </p:txBody>
+      </p:sp>
+      <p:sp>
+        <p:nvSpPr>
+          <p:cNvPr id="3" name="Content Placeholder 2">
+            <a:extLst>
+              <a:ext uri="{FF2B5EF4-FFF2-40B4-BE49-F238E27FC236}">
+                <a16:creationId xmlns:a16="http://schemas.microsoft.com/office/drawing/2014/main" id="{9794B700-D789-41A3-A534-0A77F6C4DEE8}"/>
+              </a:ext>
+            </a:extLst>
+          </p:cNvPr>
+          <p:cNvSpPr>
+            <a:spLocks noGrp="1"/>
+          </p:cNvSpPr>
+          <p:nvPr>
+            <p:ph idx="1"/>
+          </p:nvPr>
+        </p:nvSpPr>
+        <p:spPr>
+          <a:xfrm>
+            <a:off x="829102" y="1525532"/>
+            <a:ext cx="10515600" cy="5182922"/>
+          </a:xfrm>
+        </p:spPr>
+        <p:txBody>
+          <a:bodyPr>
+            <a:normAutofit/>
+          </a:bodyPr>
+          <a:lstStyle/>
+          <a:p>
+            <a:pPr marL="0" indent="0">
+              <a:buNone/>
+            </a:pPr>
+            <a:r>
+              <a:rPr lang="en-US" dirty="0"/>
+              <a:t>Recall that a first order Markov process depends only on the current state, </a:t>
+            </a:r>
+            <a:r>
+              <a:rPr lang="en-US" i="1" dirty="0"/>
+              <a:t>s</a:t>
+            </a:r>
+          </a:p>
+          <a:p>
+            <a:pPr marL="0" indent="0">
+              <a:buNone/>
+            </a:pPr>
+            <a:r>
+              <a:rPr lang="en-US" dirty="0"/>
+              <a:t>The </a:t>
+            </a:r>
+            <a:r>
+              <a:rPr lang="en-US" b="1" dirty="0"/>
+              <a:t>probability of a state transition, </a:t>
+            </a:r>
+            <a:r>
+              <a:rPr lang="en-US" dirty="0"/>
+              <a:t>and therefore the expected reward, is determined by the </a:t>
+            </a:r>
+            <a:r>
+              <a:rPr lang="en-US" b="1" dirty="0"/>
               <a:t>policy</a:t>
             </a:r>
-          </a:p>
-          <a:p>
-            <a:pPr lvl="1"/>
-            <a:r>
-              <a:rPr lang="en-US" sz="3200" dirty="0"/>
-              <a:t>The </a:t>
-            </a:r>
-            <a:r>
-              <a:rPr lang="en-US" sz="3200" b="1" dirty="0"/>
-              <a:t>actions</a:t>
-            </a:r>
-            <a:r>
-              <a:rPr lang="en-US" sz="3200" dirty="0"/>
-              <a:t> of the agent </a:t>
-            </a:r>
-            <a:r>
-              <a:rPr lang="en-US" sz="3200" b="1" dirty="0"/>
-              <a:t>follow the policy</a:t>
-            </a:r>
-          </a:p>
-          <a:p>
-            <a:r>
-              <a:rPr lang="en-US" sz="3200" dirty="0"/>
-              <a:t>An </a:t>
-            </a:r>
-            <a:r>
-              <a:rPr lang="en-US" sz="3200" b="1" dirty="0"/>
-              <a:t>optimal policy, </a:t>
-            </a:r>
-            <a:r>
-              <a:rPr lang="en-US" sz="3200" b="1" dirty="0">
+            <a:r>
+              <a:rPr lang="en-US" dirty="0"/>
+              <a:t>, </a:t>
+            </a:r>
+            <a:r>
+              <a:rPr lang="en-US" dirty="0">
                 <a:latin typeface="Symbol" panose="05050102010706020507" pitchFamily="18" charset="2"/>
               </a:rPr>
               <a:t>p</a:t>
             </a:r>
             <a:r>
-              <a:rPr lang="en-US" sz="3200" b="1" baseline="30000" dirty="0">
+              <a:rPr lang="en-US" dirty="0"/>
+              <a:t>, and the transition probabilities of the Markov process</a:t>
+            </a:r>
+            <a:endParaRPr lang="en-US" dirty="0">
+              <a:latin typeface="Symbol" panose="05050102010706020507" pitchFamily="18" charset="2"/>
+            </a:endParaRPr>
+          </a:p>
+          <a:p>
+            <a:pPr marL="0" indent="0">
+              <a:buNone/>
+            </a:pPr>
+            <a:r>
+              <a:rPr lang="en-US" dirty="0"/>
+              <a:t>We can find the state-value of state s, given a policy </a:t>
+            </a:r>
+            <a:r>
+              <a:rPr lang="en-US" dirty="0">
                 <a:latin typeface="Symbol" panose="05050102010706020507" pitchFamily="18" charset="2"/>
               </a:rPr>
-              <a:t>*</a:t>
-            </a:r>
-            <a:r>
-              <a:rPr lang="en-US" sz="3200" b="1" dirty="0"/>
-              <a:t>,</a:t>
-            </a:r>
-            <a:r>
-              <a:rPr lang="en-US" sz="3200" dirty="0"/>
-              <a:t> has maximum expected value </a:t>
-            </a:r>
-          </a:p>
-          <a:p>
-            <a:pPr marL="457200" lvl="1" indent="0">
+              <a:t>p,</a:t>
+            </a:r>
+            <a:r>
+              <a:rPr lang="en-US" dirty="0"/>
+              <a:t> as the expected value of the gain from the </a:t>
+            </a:r>
+            <a:r>
+              <a:rPr lang="en-US" b="1" dirty="0"/>
+              <a:t>Bellman value equation</a:t>
+            </a:r>
+            <a:r>
+              <a:rPr lang="en-US" dirty="0"/>
+              <a:t>:</a:t>
+            </a:r>
+          </a:p>
+          <a:p>
+            <a:endParaRPr lang="en-US" b="1" dirty="0"/>
+          </a:p>
+          <a:p>
+            <a:pPr marL="0" indent="0">
               <a:buNone/>
             </a:pPr>
-            <a:r>
-              <a:rPr lang="en-US" sz="3200" dirty="0"/>
-              <a:t>                     = </a:t>
-            </a:r>
-            <a:r>
-              <a:rPr lang="en-US" sz="3200" dirty="0" err="1"/>
-              <a:t>max</a:t>
-            </a:r>
-            <a:r>
-              <a:rPr lang="en-US" sz="3200" baseline="-25000" dirty="0" err="1"/>
-              <a:t>a</a:t>
-            </a:r>
-            <a:r>
-              <a:rPr lang="en-US" sz="3200" dirty="0"/>
-              <a:t>(</a:t>
-            </a:r>
-            <a:r>
-              <a:rPr lang="en-US" sz="3200" dirty="0">
-                <a:latin typeface="Symbol" panose="05050102010706020507" pitchFamily="18" charset="2"/>
-              </a:rPr>
-              <a:t>g</a:t>
-            </a:r>
-            <a:r>
-              <a:rPr lang="en-US" sz="3200" dirty="0"/>
-              <a:t>r</a:t>
-            </a:r>
-            <a:r>
-              <a:rPr lang="en-US" sz="3200" baseline="-25000" dirty="0"/>
-              <a:t>1</a:t>
-            </a:r>
-            <a:r>
-              <a:rPr lang="en-US" sz="3200" dirty="0"/>
-              <a:t> + </a:t>
-            </a:r>
-            <a:r>
-              <a:rPr lang="en-US" sz="3200" dirty="0">
-                <a:latin typeface="Symbol" panose="05050102010706020507" pitchFamily="18" charset="2"/>
-              </a:rPr>
-              <a:t>g</a:t>
-            </a:r>
-            <a:r>
-              <a:rPr lang="en-US" sz="3200" dirty="0"/>
-              <a:t>r</a:t>
-            </a:r>
-            <a:r>
-              <a:rPr lang="en-US" sz="3200" baseline="-25000" dirty="0"/>
-              <a:t>2</a:t>
-            </a:r>
-            <a:r>
-              <a:rPr lang="en-US" sz="3200" dirty="0"/>
-              <a:t> + … </a:t>
-            </a:r>
-            <a:r>
-              <a:rPr lang="en-US" sz="3200" dirty="0" err="1">
-                <a:latin typeface="Symbol" panose="05050102010706020507" pitchFamily="18" charset="2"/>
-              </a:rPr>
-              <a:t>g</a:t>
-            </a:r>
-            <a:r>
-              <a:rPr lang="en-US" sz="3200" dirty="0" err="1"/>
-              <a:t>r</a:t>
-            </a:r>
-            <a:r>
-              <a:rPr lang="en-US" sz="3200" baseline="-25000" dirty="0" err="1"/>
-              <a:t>n</a:t>
-            </a:r>
-            <a:r>
-              <a:rPr lang="en-US" sz="3200" dirty="0"/>
-              <a:t>)</a:t>
-            </a:r>
-            <a:endParaRPr lang="en-US" sz="3200" baseline="-25000" dirty="0"/>
-          </a:p>
-          <a:p>
-            <a:r>
-              <a:rPr lang="en-US" sz="3200" dirty="0"/>
-              <a:t>The agent explores the action space and uses result to estimate value, </a:t>
-            </a:r>
-            <a:r>
-              <a:rPr lang="en-US" sz="3200" i="1" dirty="0"/>
-              <a:t>R</a:t>
-            </a:r>
-            <a:r>
-              <a:rPr lang="en-US" sz="3200" i="1" baseline="-25000" dirty="0"/>
-              <a:t>t</a:t>
-            </a:r>
-            <a:r>
-              <a:rPr lang="en-US" sz="3200" dirty="0"/>
-              <a:t>, for each action</a:t>
-            </a:r>
-          </a:p>
-          <a:p>
-            <a:endParaRPr lang="en-US" sz="3200" dirty="0"/>
+            <a:endParaRPr lang="en-US" dirty="0"/>
+          </a:p>
+          <a:p>
+            <a:pPr marL="0" indent="0">
+              <a:buNone/>
+            </a:pPr>
+            <a:r>
+              <a:rPr lang="en-US" dirty="0"/>
+              <a:t>Where </a:t>
+            </a:r>
+          </a:p>
+          <a:p>
+            <a:pPr marL="0" indent="0">
+              <a:buNone/>
+            </a:pPr>
+            <a:endParaRPr lang="en-US" dirty="0"/>
           </a:p>
         </p:txBody>
       </p:sp>
+      <p:pic>
+        <p:nvPicPr>
+          <p:cNvPr id="5" name="Picture 4">
+            <a:extLst>
+              <a:ext uri="{FF2B5EF4-FFF2-40B4-BE49-F238E27FC236}">
+                <a16:creationId xmlns:a16="http://schemas.microsoft.com/office/drawing/2014/main" id="{FB3AB0A3-42C9-4B89-B75C-D57F2D9CDD19}"/>
+              </a:ext>
+            </a:extLst>
+          </p:cNvPr>
+          <p:cNvPicPr>
+            <a:picLocks noChangeAspect="1"/>
+          </p:cNvPicPr>
+          <p:nvPr/>
+        </p:nvPicPr>
+        <p:blipFill>
+          <a:blip r:embed="rId2"/>
+          <a:stretch>
+            <a:fillRect/>
+          </a:stretch>
+        </p:blipFill>
+        <p:spPr>
+          <a:xfrm>
+            <a:off x="2196955" y="4752998"/>
+            <a:ext cx="3940492" cy="519982"/>
+          </a:xfrm>
+          <a:prstGeom prst="rect">
+            <a:avLst/>
+          </a:prstGeom>
+        </p:spPr>
+      </p:pic>
+      <p:pic>
+        <p:nvPicPr>
+          <p:cNvPr id="7" name="Picture 6">
+            <a:extLst>
+              <a:ext uri="{FF2B5EF4-FFF2-40B4-BE49-F238E27FC236}">
+                <a16:creationId xmlns:a16="http://schemas.microsoft.com/office/drawing/2014/main" id="{E11FFD1E-612A-48E6-8B30-6DF8BA471A96}"/>
+              </a:ext>
+            </a:extLst>
+          </p:cNvPr>
+          <p:cNvPicPr>
+            <a:picLocks noChangeAspect="1"/>
+          </p:cNvPicPr>
+          <p:nvPr/>
+        </p:nvPicPr>
+        <p:blipFill>
+          <a:blip r:embed="rId3"/>
+          <a:stretch>
+            <a:fillRect/>
+          </a:stretch>
+        </p:blipFill>
+        <p:spPr>
+          <a:xfrm>
+            <a:off x="2023144" y="5625951"/>
+            <a:ext cx="4917440" cy="451008"/>
+          </a:xfrm>
+          <a:prstGeom prst="rect">
+            <a:avLst/>
+          </a:prstGeom>
+        </p:spPr>
+      </p:pic>
+    </p:spTree>
+    <p:extLst>
+      <p:ext uri="{BB962C8B-B14F-4D97-AF65-F5344CB8AC3E}">
+        <p14:creationId xmlns:p14="http://schemas.microsoft.com/office/powerpoint/2010/main" val="1262237690"/>
+      </p:ext>
+    </p:extLst>
+  </p:cSld>
+  <p:clrMapOvr>
+    <a:masterClrMapping/>
+  </p:clrMapOvr>
+  <p:timing>
+    <p:tnLst>
+      <p:par>
+        <p:cTn id="1" dur="indefinite" restart="never" nodeType="tmRoot">
+          <p:childTnLst>
+            <p:seq concurrent="1" nextAc="seek">
+              <p:cTn id="2" dur="indefinite" nodeType="mainSeq">
+                <p:childTnLst>
+                  <p:par>
+                    <p:cTn id="3" fill="hold">
+                      <p:stCondLst>
+                        <p:cond delay="indefinite"/>
+                      </p:stCondLst>
+                      <p:childTnLst>
+                        <p:par>
+                          <p:cTn id="4" fill="hold">
+                            <p:stCondLst>
+                              <p:cond delay="0"/>
+                            </p:stCondLst>
+                            <p:childTnLst>
+                              <p:par>
+                                <p:cTn id="5" presetID="1" presetClass="entr" presetSubtype="0" fill="hold" nodeType="clickEffect">
+                                  <p:stCondLst>
+                                    <p:cond delay="0"/>
+                                  </p:stCondLst>
+                                  <p:childTnLst>
+                                    <p:set>
+                                      <p:cBhvr>
+                                        <p:cTn id="6" dur="1" fill="hold">
+                                          <p:stCondLst>
+                                            <p:cond delay="0"/>
+                                          </p:stCondLst>
+                                        </p:cTn>
+                                        <p:tgtEl>
+                                          <p:spTgt spid="3">
+                                            <p:txEl>
+                                              <p:pRg st="0" end="0"/>
+                                            </p:txEl>
+                                          </p:spTgt>
+                                        </p:tgtEl>
+                                        <p:attrNameLst>
+                                          <p:attrName>style.visibility</p:attrName>
+                                        </p:attrNameLst>
+                                      </p:cBhvr>
+                                      <p:to>
+                                        <p:strVal val="visible"/>
+                                      </p:to>
+                                    </p:set>
+                                  </p:childTnLst>
+                                </p:cTn>
+                              </p:par>
+                            </p:childTnLst>
+                          </p:cTn>
+                        </p:par>
+                      </p:childTnLst>
+                    </p:cTn>
+                  </p:par>
+                  <p:par>
+                    <p:cTn id="7" fill="hold">
+                      <p:stCondLst>
+                        <p:cond delay="indefinite"/>
+                      </p:stCondLst>
+                      <p:childTnLst>
+                        <p:par>
+                          <p:cTn id="8" fill="hold">
+                            <p:stCondLst>
+                              <p:cond delay="0"/>
+                            </p:stCondLst>
+                            <p:childTnLst>
+                              <p:par>
+                                <p:cTn id="9" presetID="1" presetClass="entr" presetSubtype="0" fill="hold" nodeType="clickEffect">
+                                  <p:stCondLst>
+                                    <p:cond delay="0"/>
+                                  </p:stCondLst>
+                                  <p:childTnLst>
+                                    <p:set>
+                                      <p:cBhvr>
+                                        <p:cTn id="10" dur="1" fill="hold">
+                                          <p:stCondLst>
+                                            <p:cond delay="0"/>
+                                          </p:stCondLst>
+                                        </p:cTn>
+                                        <p:tgtEl>
+                                          <p:spTgt spid="3">
+                                            <p:txEl>
+                                              <p:pRg st="1" end="1"/>
+                                            </p:txEl>
+                                          </p:spTgt>
+                                        </p:tgtEl>
+                                        <p:attrNameLst>
+                                          <p:attrName>style.visibility</p:attrName>
+                                        </p:attrNameLst>
+                                      </p:cBhvr>
+                                      <p:to>
+                                        <p:strVal val="visible"/>
+                                      </p:to>
+                                    </p:set>
+                                  </p:childTnLst>
+                                </p:cTn>
+                              </p:par>
+                            </p:childTnLst>
+                          </p:cTn>
+                        </p:par>
+                      </p:childTnLst>
+                    </p:cTn>
+                  </p:par>
+                  <p:par>
+                    <p:cTn id="11" fill="hold">
+                      <p:stCondLst>
+                        <p:cond delay="indefinite"/>
+                      </p:stCondLst>
+                      <p:childTnLst>
+                        <p:par>
+                          <p:cTn id="12" fill="hold">
+                            <p:stCondLst>
+                              <p:cond delay="0"/>
+                            </p:stCondLst>
+                            <p:childTnLst>
+                              <p:par>
+                                <p:cTn id="13" presetID="1" presetClass="entr" presetSubtype="0" fill="hold" nodeType="clickEffect">
+                                  <p:stCondLst>
+                                    <p:cond delay="0"/>
+                                  </p:stCondLst>
+                                  <p:childTnLst>
+                                    <p:set>
+                                      <p:cBhvr>
+                                        <p:cTn id="14" dur="1" fill="hold">
+                                          <p:stCondLst>
+                                            <p:cond delay="0"/>
+                                          </p:stCondLst>
+                                        </p:cTn>
+                                        <p:tgtEl>
+                                          <p:spTgt spid="3">
+                                            <p:txEl>
+                                              <p:pRg st="2" end="2"/>
+                                            </p:txEl>
+                                          </p:spTgt>
+                                        </p:tgtEl>
+                                        <p:attrNameLst>
+                                          <p:attrName>style.visibility</p:attrName>
+                                        </p:attrNameLst>
+                                      </p:cBhvr>
+                                      <p:to>
+                                        <p:strVal val="visible"/>
+                                      </p:to>
+                                    </p:set>
+                                  </p:childTnLst>
+                                </p:cTn>
+                              </p:par>
+                            </p:childTnLst>
+                          </p:cTn>
+                        </p:par>
+                      </p:childTnLst>
+                    </p:cTn>
+                  </p:par>
+                  <p:par>
+                    <p:cTn id="15" fill="hold">
+                      <p:stCondLst>
+                        <p:cond delay="indefinite"/>
+                      </p:stCondLst>
+                      <p:childTnLst>
+                        <p:par>
+                          <p:cTn id="16" fill="hold">
+                            <p:stCondLst>
+                              <p:cond delay="0"/>
+                            </p:stCondLst>
+                            <p:childTnLst>
+                              <p:par>
+                                <p:cTn id="17" presetID="1" presetClass="entr" presetSubtype="0" fill="hold" nodeType="clickEffect">
+                                  <p:stCondLst>
+                                    <p:cond delay="0"/>
+                                  </p:stCondLst>
+                                  <p:childTnLst>
+                                    <p:set>
+                                      <p:cBhvr>
+                                        <p:cTn id="18" dur="1" fill="hold">
+                                          <p:stCondLst>
+                                            <p:cond delay="0"/>
+                                          </p:stCondLst>
+                                        </p:cTn>
+                                        <p:tgtEl>
+                                          <p:spTgt spid="5"/>
+                                        </p:tgtEl>
+                                        <p:attrNameLst>
+                                          <p:attrName>style.visibility</p:attrName>
+                                        </p:attrNameLst>
+                                      </p:cBhvr>
+                                      <p:to>
+                                        <p:strVal val="visible"/>
+                                      </p:to>
+                                    </p:set>
+                                  </p:childTnLst>
+                                </p:cTn>
+                              </p:par>
+                            </p:childTnLst>
+                          </p:cTn>
+                        </p:par>
+                      </p:childTnLst>
+                    </p:cTn>
+                  </p:par>
+                  <p:par>
+                    <p:cTn id="19" fill="hold">
+                      <p:stCondLst>
+                        <p:cond delay="indefinite"/>
+                      </p:stCondLst>
+                      <p:childTnLst>
+                        <p:par>
+                          <p:cTn id="20" fill="hold">
+                            <p:stCondLst>
+                              <p:cond delay="0"/>
+                            </p:stCondLst>
+                            <p:childTnLst>
+                              <p:par>
+                                <p:cTn id="21" presetID="1" presetClass="entr" presetSubtype="0" fill="hold" nodeType="clickEffect">
+                                  <p:stCondLst>
+                                    <p:cond delay="0"/>
+                                  </p:stCondLst>
+                                  <p:childTnLst>
+                                    <p:set>
+                                      <p:cBhvr>
+                                        <p:cTn id="22" dur="1" fill="hold">
+                                          <p:stCondLst>
+                                            <p:cond delay="0"/>
+                                          </p:stCondLst>
+                                        </p:cTn>
+                                        <p:tgtEl>
+                                          <p:spTgt spid="3">
+                                            <p:txEl>
+                                              <p:pRg st="5" end="5"/>
+                                            </p:txEl>
+                                          </p:spTgt>
+                                        </p:tgtEl>
+                                        <p:attrNameLst>
+                                          <p:attrName>style.visibility</p:attrName>
+                                        </p:attrNameLst>
+                                      </p:cBhvr>
+                                      <p:to>
+                                        <p:strVal val="visible"/>
+                                      </p:to>
+                                    </p:set>
+                                  </p:childTnLst>
+                                </p:cTn>
+                              </p:par>
+                              <p:par>
+                                <p:cTn id="23" presetID="1" presetClass="entr" presetSubtype="0" fill="hold" nodeType="withEffect">
+                                  <p:stCondLst>
+                                    <p:cond delay="0"/>
+                                  </p:stCondLst>
+                                  <p:childTnLst>
+                                    <p:set>
+                                      <p:cBhvr>
+                                        <p:cTn id="24" dur="1" fill="hold">
+                                          <p:stCondLst>
+                                            <p:cond delay="0"/>
+                                          </p:stCondLst>
+                                        </p:cTn>
+                                        <p:tgtEl>
+                                          <p:spTgt spid="7"/>
+                                        </p:tgtEl>
+                                        <p:attrNameLst>
+                                          <p:attrName>style.visibility</p:attrName>
+                                        </p:attrNameLst>
+                                      </p:cBhvr>
+                                      <p:to>
+                                        <p:strVal val="visible"/>
+                                      </p:to>
+                                    </p:set>
+                                  </p:childTnLst>
+                                </p:cTn>
+                              </p:par>
+                            </p:childTnLst>
+                          </p:cTn>
+                        </p:par>
+                      </p:childTnLst>
+                    </p:cTn>
+                  </p:par>
+                </p:childTnLst>
+              </p:cTn>
+              <p:prevCondLst>
+                <p:cond evt="onPrev" delay="0">
+                  <p:tgtEl>
+                    <p:sldTgt/>
+                  </p:tgtEl>
+                </p:cond>
+              </p:prevCondLst>
+              <p:nextCondLst>
+                <p:cond evt="onNext" delay="0">
+                  <p:tgtEl>
+                    <p:sldTgt/>
+                  </p:tgtEl>
+                </p:cond>
+              </p:nextCondLst>
+            </p:seq>
+          </p:childTnLst>
+        </p:cTn>
+      </p:par>
+    </p:tnLst>
+  </p:timing>
+</p:sld>
+</file>
+
+<file path=ppt/slides/slide22.xml><?xml version="1.0" encoding="utf-8"?>
+<p:sld xmlns:a="http://schemas.openxmlformats.org/drawingml/2006/main" xmlns:r="http://schemas.openxmlformats.org/officeDocument/2006/relationships" xmlns:p="http://schemas.openxmlformats.org/presentationml/2006/main">
+  <p:cSld>
+    <p:spTree>
+      <p:nvGrpSpPr>
+        <p:cNvPr id="1" name=""/>
+        <p:cNvGrpSpPr/>
+        <p:nvPr/>
+      </p:nvGrpSpPr>
+      <p:grpSpPr>
+        <a:xfrm>
+          <a:off x="0" y="0"/>
+          <a:ext cx="0" cy="0"/>
+          <a:chOff x="0" y="0"/>
+          <a:chExt cx="0" cy="0"/>
+        </a:xfrm>
+      </p:grpSpPr>
+      <p:sp>
+        <p:nvSpPr>
+          <p:cNvPr id="4" name="Title 3">
+            <a:extLst>
+              <a:ext uri="{FF2B5EF4-FFF2-40B4-BE49-F238E27FC236}">
+                <a16:creationId xmlns:a16="http://schemas.microsoft.com/office/drawing/2014/main" id="{07E948ED-62AA-55B1-87F9-2B94E7D4F2A6}"/>
+              </a:ext>
+            </a:extLst>
+          </p:cNvPr>
+          <p:cNvSpPr>
+            <a:spLocks noGrp="1"/>
+          </p:cNvSpPr>
+          <p:nvPr>
+            <p:ph type="title"/>
+          </p:nvPr>
+        </p:nvSpPr>
+        <p:spPr/>
+        <p:txBody>
+          <a:bodyPr/>
+          <a:lstStyle/>
+          <a:p>
+            <a:r>
+              <a:rPr lang="en-US" dirty="0">
+                <a:latin typeface="+mn-lt"/>
+              </a:rPr>
+              <a:t>Policy Improvement </a:t>
+            </a:r>
+          </a:p>
+        </p:txBody>
+      </p:sp>
+    </p:spTree>
+    <p:extLst>
+      <p:ext uri="{BB962C8B-B14F-4D97-AF65-F5344CB8AC3E}">
+        <p14:creationId xmlns:p14="http://schemas.microsoft.com/office/powerpoint/2010/main" val="1628896862"/>
+      </p:ext>
+    </p:extLst>
+  </p:cSld>
+  <p:clrMapOvr>
+    <a:masterClrMapping/>
+  </p:clrMapOvr>
+</p:sld>
+</file>
+
+<file path=ppt/slides/slide23.xml><?xml version="1.0" encoding="utf-8"?>
+<p:sld xmlns:a="http://schemas.openxmlformats.org/drawingml/2006/main" xmlns:r="http://schemas.openxmlformats.org/officeDocument/2006/relationships" xmlns:p="http://schemas.openxmlformats.org/presentationml/2006/main">
+  <p:cSld>
+    <p:spTree>
+      <p:nvGrpSpPr>
+        <p:cNvPr id="1" name=""/>
+        <p:cNvGrpSpPr/>
+        <p:nvPr/>
+      </p:nvGrpSpPr>
+      <p:grpSpPr>
+        <a:xfrm>
+          <a:off x="0" y="0"/>
+          <a:ext cx="0" cy="0"/>
+          <a:chOff x="0" y="0"/>
+          <a:chExt cx="0" cy="0"/>
+        </a:xfrm>
+      </p:grpSpPr>
+      <mc:AlternateContent xmlns:mc="http://schemas.openxmlformats.org/markup-compatibility/2006">
+        <mc:Choice xmlns:a14="http://schemas.microsoft.com/office/drawing/2010/main" Requires="a14">
+          <p:sp>
+            <p:nvSpPr>
+              <p:cNvPr id="3" name="Content Placeholder 2">
+                <a:extLst>
+                  <a:ext uri="{FF2B5EF4-FFF2-40B4-BE49-F238E27FC236}">
+                    <a16:creationId xmlns:a16="http://schemas.microsoft.com/office/drawing/2014/main" id="{3F7FB8CA-4389-4599-91A4-A888EB8C028C}"/>
+                  </a:ext>
+                </a:extLst>
+              </p:cNvPr>
+              <p:cNvSpPr>
+                <a:spLocks noGrp="1"/>
+              </p:cNvSpPr>
+              <p:nvPr>
+                <p:ph idx="1"/>
+              </p:nvPr>
+            </p:nvSpPr>
+            <p:spPr>
+              <a:xfrm>
+                <a:off x="838200" y="1126210"/>
+                <a:ext cx="10515600" cy="5050753"/>
+              </a:xfrm>
+            </p:spPr>
+            <p:txBody>
+              <a:bodyPr/>
+              <a:lstStyle/>
+              <a:p>
+                <a:r>
+                  <a:rPr lang="en-US" sz="3200" dirty="0"/>
+                  <a:t>Agent learns a </a:t>
+                </a:r>
+                <a:r>
+                  <a:rPr lang="en-US" sz="3200" b="1" dirty="0"/>
+                  <a:t>policy</a:t>
+                </a:r>
+              </a:p>
+              <a:p>
+                <a:pPr lvl="1"/>
+                <a:r>
+                  <a:rPr lang="en-US" sz="3200" dirty="0"/>
+                  <a:t>The </a:t>
+                </a:r>
+                <a:r>
+                  <a:rPr lang="en-US" sz="3200" b="1" dirty="0"/>
+                  <a:t>actions</a:t>
+                </a:r>
+                <a:r>
+                  <a:rPr lang="en-US" sz="3200" dirty="0"/>
+                  <a:t> of the agent </a:t>
+                </a:r>
+                <a:r>
+                  <a:rPr lang="en-US" sz="3200" b="1" dirty="0"/>
+                  <a:t>follow the policy</a:t>
+                </a:r>
+                <a:r>
+                  <a:rPr lang="en-US" sz="3200" dirty="0"/>
+                  <a:t> , </a:t>
+                </a:r>
+                <a:r>
+                  <a:rPr lang="en-US" sz="3200" dirty="0">
+                    <a:latin typeface="Symbol" panose="05050102010706020507" pitchFamily="18" charset="2"/>
+                  </a:rPr>
+                  <a:t>p</a:t>
+                </a:r>
+                <a:endParaRPr lang="en-US" sz="3200" dirty="0"/>
+              </a:p>
+              <a:p>
+                <a:pPr lvl="1"/>
+                <a:r>
+                  <a:rPr lang="en-US" sz="3200" dirty="0"/>
+                  <a:t>Policy improvement performed using </a:t>
+                </a:r>
+                <a:r>
+                  <a:rPr lang="en-US" sz="3200" b="1" dirty="0"/>
+                  <a:t>action values</a:t>
+                </a:r>
+                <a:r>
+                  <a:rPr lang="en-US" sz="3200" dirty="0"/>
+                  <a:t> , </a:t>
+                </a:r>
+                <a14:m>
+                  <m:oMath xmlns:m="http://schemas.openxmlformats.org/officeDocument/2006/math">
+                    <m:sSub>
+                      <m:sSubPr>
+                        <m:ctrlPr>
+                          <a:rPr lang="en-US" sz="3200" i="1">
+                            <a:latin typeface="Cambria Math" panose="02040503050406030204" pitchFamily="18" charset="0"/>
+                          </a:rPr>
+                        </m:ctrlPr>
+                      </m:sSubPr>
+                      <m:e>
+                        <m:sSub>
+                          <m:sSubPr>
+                            <m:ctrlPr>
+                              <a:rPr lang="en-US" sz="3200" b="0" i="1" smtClean="0">
+                                <a:latin typeface="Cambria Math" panose="02040503050406030204" pitchFamily="18" charset="0"/>
+                              </a:rPr>
+                            </m:ctrlPr>
+                          </m:sSubPr>
+                          <m:e>
+                            <m:r>
+                              <a:rPr lang="en-US" sz="3200" b="0" i="1" smtClean="0">
+                                <a:latin typeface="Cambria Math" panose="02040503050406030204" pitchFamily="18" charset="0"/>
+                              </a:rPr>
+                              <m:t>𝑟</m:t>
+                            </m:r>
+                          </m:e>
+                          <m:sub>
+                            <m:r>
+                              <a:rPr lang="en-US" sz="3200" b="0" i="1" smtClean="0">
+                                <a:latin typeface="Cambria Math" panose="02040503050406030204" pitchFamily="18" charset="0"/>
+                              </a:rPr>
+                              <m:t>𝑡</m:t>
+                            </m:r>
+                          </m:sub>
+                        </m:sSub>
+                        <m:r>
+                          <a:rPr lang="en-US" sz="3200" b="0" i="1" smtClean="0">
+                            <a:latin typeface="Cambria Math" panose="02040503050406030204" pitchFamily="18" charset="0"/>
+                          </a:rPr>
+                          <m:t>=</m:t>
+                        </m:r>
+                        <m:r>
+                          <a:rPr lang="en-US" sz="3200" i="1">
+                            <a:latin typeface="Cambria Math" panose="02040503050406030204" pitchFamily="18" charset="0"/>
+                          </a:rPr>
+                          <m:t>𝑞</m:t>
+                        </m:r>
+                      </m:e>
+                      <m:sub>
+                        <m:r>
+                          <a:rPr lang="en-US" sz="3200" i="1">
+                            <a:latin typeface="Cambria Math" panose="02040503050406030204" pitchFamily="18" charset="0"/>
+                            <a:ea typeface="Cambria Math" panose="02040503050406030204" pitchFamily="18" charset="0"/>
+                          </a:rPr>
+                          <m:t>𝜋</m:t>
+                        </m:r>
+                      </m:sub>
+                    </m:sSub>
+                    <m:d>
+                      <m:dPr>
+                        <m:ctrlPr>
+                          <a:rPr lang="en-US" sz="3200" i="1">
+                            <a:latin typeface="Cambria Math" panose="02040503050406030204" pitchFamily="18" charset="0"/>
+                          </a:rPr>
+                        </m:ctrlPr>
+                      </m:dPr>
+                      <m:e>
+                        <m:sSub>
+                          <m:sSubPr>
+                            <m:ctrlPr>
+                              <a:rPr lang="en-US" sz="3200" i="1">
+                                <a:latin typeface="Cambria Math" panose="02040503050406030204" pitchFamily="18" charset="0"/>
+                              </a:rPr>
+                            </m:ctrlPr>
+                          </m:sSubPr>
+                          <m:e>
+                            <m:r>
+                              <a:rPr lang="en-US" sz="3200" b="0" i="1" smtClean="0">
+                                <a:latin typeface="Cambria Math" panose="02040503050406030204" pitchFamily="18" charset="0"/>
+                              </a:rPr>
+                              <m:t>𝑠</m:t>
+                            </m:r>
+                          </m:e>
+                          <m:sub>
+                            <m:r>
+                              <a:rPr lang="en-US" sz="3200" b="0" i="1" smtClean="0">
+                                <a:latin typeface="Cambria Math" panose="02040503050406030204" pitchFamily="18" charset="0"/>
+                              </a:rPr>
+                              <m:t>𝑡</m:t>
+                            </m:r>
+                          </m:sub>
+                        </m:sSub>
+                        <m:r>
+                          <a:rPr lang="en-US" sz="3200" i="1">
+                            <a:latin typeface="Cambria Math" panose="02040503050406030204" pitchFamily="18" charset="0"/>
+                          </a:rPr>
+                          <m:t>,</m:t>
+                        </m:r>
+                        <m:r>
+                          <a:rPr lang="en-US" sz="3200" i="1">
+                            <a:latin typeface="Cambria Math" panose="02040503050406030204" pitchFamily="18" charset="0"/>
+                          </a:rPr>
+                          <m:t>𝑎</m:t>
+                        </m:r>
+                      </m:e>
+                    </m:d>
+                  </m:oMath>
+                </a14:m>
+                <a:endParaRPr lang="en-US" sz="3200" b="1" dirty="0"/>
+              </a:p>
+              <a:p>
+                <a:r>
+                  <a:rPr lang="en-US" sz="3200" dirty="0"/>
+                  <a:t>An </a:t>
+                </a:r>
+                <a:r>
+                  <a:rPr lang="en-US" sz="3200" b="1" dirty="0"/>
+                  <a:t>optimal policy, </a:t>
+                </a:r>
+                <a:r>
+                  <a:rPr lang="en-US" sz="3200" b="1" dirty="0">
+                    <a:latin typeface="Symbol" panose="05050102010706020507" pitchFamily="18" charset="2"/>
+                  </a:rPr>
+                  <a:t>p</a:t>
+                </a:r>
+                <a:r>
+                  <a:rPr lang="en-US" sz="3200" b="1" baseline="30000" dirty="0">
+                    <a:latin typeface="Symbol" panose="05050102010706020507" pitchFamily="18" charset="2"/>
+                  </a:rPr>
+                  <a:t>*</a:t>
+                </a:r>
+                <a:r>
+                  <a:rPr lang="en-US" sz="3200" b="1" dirty="0"/>
+                  <a:t>,</a:t>
+                </a:r>
+                <a:r>
+                  <a:rPr lang="en-US" sz="3200" dirty="0"/>
+                  <a:t> has maximum expected value from actions, </a:t>
+                </a:r>
+                <a:r>
+                  <a:rPr lang="en-US" sz="3200" i="1" dirty="0"/>
+                  <a:t>a</a:t>
+                </a:r>
+                <a:r>
+                  <a:rPr lang="en-US" sz="3200" dirty="0"/>
+                  <a:t>: </a:t>
+                </a:r>
+              </a:p>
+              <a:p>
+                <a:pPr marL="457200" lvl="1" indent="0">
+                  <a:buNone/>
+                </a:pPr>
+                <a:r>
+                  <a:rPr lang="en-US" sz="3200" dirty="0"/>
+                  <a:t>                     = </a:t>
+                </a:r>
+                <a:r>
+                  <a:rPr lang="en-US" sz="3200" dirty="0" err="1"/>
+                  <a:t>max</a:t>
+                </a:r>
+                <a:r>
+                  <a:rPr lang="en-US" sz="3200" baseline="-25000" dirty="0" err="1"/>
+                  <a:t>a</a:t>
+                </a:r>
+                <a:r>
+                  <a:rPr lang="en-US" sz="3200" dirty="0"/>
+                  <a:t>(</a:t>
+                </a:r>
+                <a:r>
+                  <a:rPr lang="en-US" sz="3200" dirty="0">
+                    <a:latin typeface="Symbol" panose="05050102010706020507" pitchFamily="18" charset="2"/>
+                  </a:rPr>
+                  <a:t>g</a:t>
+                </a:r>
+                <a:r>
+                  <a:rPr lang="en-US" sz="3200" dirty="0"/>
+                  <a:t>r</a:t>
+                </a:r>
+                <a:r>
+                  <a:rPr lang="en-US" sz="3200" baseline="-25000" dirty="0"/>
+                  <a:t>1</a:t>
+                </a:r>
+                <a:r>
+                  <a:rPr lang="en-US" sz="3200" dirty="0"/>
+                  <a:t> + </a:t>
+                </a:r>
+                <a:r>
+                  <a:rPr lang="en-US" sz="3200" dirty="0">
+                    <a:latin typeface="Symbol" panose="05050102010706020507" pitchFamily="18" charset="2"/>
+                  </a:rPr>
+                  <a:t>g</a:t>
+                </a:r>
+                <a:r>
+                  <a:rPr lang="en-US" sz="3200" dirty="0"/>
+                  <a:t>r</a:t>
+                </a:r>
+                <a:r>
+                  <a:rPr lang="en-US" sz="3200" baseline="-25000" dirty="0"/>
+                  <a:t>2</a:t>
+                </a:r>
+                <a:r>
+                  <a:rPr lang="en-US" sz="3200" dirty="0"/>
+                  <a:t> + … </a:t>
+                </a:r>
+                <a:r>
+                  <a:rPr lang="en-US" sz="3200" dirty="0" err="1">
+                    <a:latin typeface="Symbol" panose="05050102010706020507" pitchFamily="18" charset="2"/>
+                  </a:rPr>
+                  <a:t>g</a:t>
+                </a:r>
+                <a:r>
+                  <a:rPr lang="en-US" sz="3200" dirty="0" err="1"/>
+                  <a:t>r</a:t>
+                </a:r>
+                <a:r>
+                  <a:rPr lang="en-US" sz="3200" baseline="-25000" dirty="0" err="1"/>
+                  <a:t>n</a:t>
+                </a:r>
+                <a:r>
+                  <a:rPr lang="en-US" sz="3200" dirty="0"/>
+                  <a:t>)</a:t>
+                </a:r>
+                <a:endParaRPr lang="en-US" sz="3200" baseline="-25000" dirty="0"/>
+              </a:p>
+              <a:p>
+                <a:r>
+                  <a:rPr lang="en-US" sz="3200" dirty="0"/>
+                  <a:t>The agent explores the action space and uses result to estimate value, </a:t>
+                </a:r>
+                <a:r>
+                  <a:rPr lang="en-US" sz="3200" i="1" dirty="0"/>
+                  <a:t>R</a:t>
+                </a:r>
+                <a:r>
+                  <a:rPr lang="en-US" sz="3200" i="1" baseline="-25000" dirty="0"/>
+                  <a:t>t</a:t>
+                </a:r>
+                <a:r>
+                  <a:rPr lang="en-US" sz="3200" dirty="0"/>
+                  <a:t>, for each action</a:t>
+                </a:r>
+              </a:p>
+              <a:p>
+                <a:endParaRPr lang="en-US" sz="3200" dirty="0"/>
+              </a:p>
+            </p:txBody>
+          </p:sp>
+        </mc:Choice>
+        <mc:Fallback>
+          <p:sp>
+            <p:nvSpPr>
+              <p:cNvPr id="3" name="Content Placeholder 2">
+                <a:extLst>
+                  <a:ext uri="{FF2B5EF4-FFF2-40B4-BE49-F238E27FC236}">
+                    <a16:creationId xmlns:a16="http://schemas.microsoft.com/office/drawing/2014/main" id="{3F7FB8CA-4389-4599-91A4-A888EB8C028C}"/>
+                  </a:ext>
+                </a:extLst>
+              </p:cNvPr>
+              <p:cNvSpPr>
+                <a:spLocks noGrp="1" noRot="1" noChangeAspect="1" noMove="1" noResize="1" noEditPoints="1" noAdjustHandles="1" noChangeArrowheads="1" noChangeShapeType="1" noTextEdit="1"/>
+              </p:cNvSpPr>
+              <p:nvPr>
+                <p:ph idx="1"/>
+              </p:nvPr>
+            </p:nvSpPr>
+            <p:spPr>
+              <a:xfrm>
+                <a:off x="838200" y="1126210"/>
+                <a:ext cx="10515600" cy="5050753"/>
+              </a:xfrm>
+              <a:blipFill>
+                <a:blip r:embed="rId2"/>
+                <a:stretch>
+                  <a:fillRect l="-1333" t="-2536"/>
+                </a:stretch>
+              </a:blipFill>
+            </p:spPr>
+            <p:txBody>
+              <a:bodyPr/>
+              <a:lstStyle/>
+              <a:p>
+                <a:r>
+                  <a:rPr lang="en-US">
+                    <a:noFill/>
+                  </a:rPr>
+                  <a:t> </a:t>
+                </a:r>
+              </a:p>
+            </p:txBody>
+          </p:sp>
+        </mc:Fallback>
+      </mc:AlternateContent>
       <p:sp>
         <p:nvSpPr>
           <p:cNvPr id="4" name="Title 1">
@@ -28686,26 +29910,39 @@
                                   </p:childTnLst>
                                 </p:cTn>
                               </p:par>
-                            </p:childTnLst>
-                          </p:cTn>
-                        </p:par>
-                      </p:childTnLst>
-                    </p:cTn>
-                  </p:par>
-                  <p:par>
-                    <p:cTn id="7" fill="hold">
-                      <p:stCondLst>
-                        <p:cond delay="indefinite"/>
-                      </p:stCondLst>
-                      <p:childTnLst>
-                        <p:par>
-                          <p:cTn id="8" fill="hold">
-                            <p:stCondLst>
-                              <p:cond delay="0"/>
-                            </p:stCondLst>
-                            <p:childTnLst>
                               <p:par>
-                                <p:cTn id="9" presetID="1" presetClass="entr" presetSubtype="0" fill="hold" grpId="0" nodeType="clickEffect">
+                                <p:cTn id="7" presetID="1" presetClass="entr" presetSubtype="0" fill="hold" grpId="0" nodeType="withEffect">
+                                  <p:stCondLst>
+                                    <p:cond delay="0"/>
+                                  </p:stCondLst>
+                                  <p:childTnLst>
+                                    <p:set>
+                                      <p:cBhvr>
+                                        <p:cTn id="8" dur="1" fill="hold">
+                                          <p:stCondLst>
+                                            <p:cond delay="0"/>
+                                          </p:stCondLst>
+                                        </p:cTn>
+                                        <p:tgtEl>
+                                          <p:spTgt spid="3">
+                                            <p:txEl>
+                                              <p:pRg st="1" end="1"/>
+                                            </p:txEl>
+                                          </p:spTgt>
+                                        </p:tgtEl>
+                                        <p:attrNameLst>
+                                          <p:attrName>style.visibility</p:attrName>
+                                        </p:attrNameLst>
+                                      </p:cBhvr>
+                                      <p:to>
+                                        <p:strVal val="visible"/>
+                                      </p:to>
+                                    </p:set>
+                                  </p:childTnLst>
+                                </p:cTn>
+                              </p:par>
+                              <p:par>
+                                <p:cTn id="9" presetID="1" presetClass="entr" presetSubtype="0" fill="hold" grpId="0" nodeType="withEffect">
                                   <p:stCondLst>
                                     <p:cond delay="0"/>
                                   </p:stCondLst>
@@ -28720,7 +29957,7 @@
                                         <p:tgtEl>
                                           <p:spTgt spid="3">
                                             <p:txEl>
-                                              <p:pRg st="1" end="1"/>
+                                              <p:pRg st="2" end="2"/>
                                             </p:txEl>
                                           </p:spTgt>
                                         </p:tgtEl>
@@ -28769,7 +30006,7 @@
                                         <p:tgtEl>
                                           <p:spTgt spid="3">
                                             <p:txEl>
-                                              <p:pRg st="2" end="2"/>
+                                              <p:pRg st="3" end="3"/>
                                             </p:txEl>
                                           </p:spTgt>
                                         </p:tgtEl>
@@ -28800,7 +30037,7 @@
                                         <p:tgtEl>
                                           <p:spTgt spid="3">
                                             <p:txEl>
-                                              <p:pRg st="3" end="3"/>
+                                              <p:pRg st="4" end="4"/>
                                             </p:txEl>
                                           </p:spTgt>
                                         </p:tgtEl>
@@ -28849,7 +30086,7 @@
                                         <p:tgtEl>
                                           <p:spTgt spid="3">
                                             <p:txEl>
-                                              <p:pRg st="4" end="4"/>
+                                              <p:pRg st="5" end="5"/>
                                             </p:txEl>
                                           </p:spTgt>
                                         </p:tgtEl>
@@ -28898,7 +30135,7 @@
 </p:sld>
 </file>
 
-<file path=ppt/slides/slide21.xml><?xml version="1.0" encoding="utf-8"?>
+<file path=ppt/slides/slide24.xml><?xml version="1.0" encoding="utf-8"?>
 <p:sld xmlns:a="http://schemas.openxmlformats.org/drawingml/2006/main" xmlns:r="http://schemas.openxmlformats.org/officeDocument/2006/relationships" xmlns:p="http://schemas.openxmlformats.org/presentationml/2006/main">
   <p:cSld>
     <p:spTree>
@@ -28915,8 +30152,8 @@
           <a:chExt cx="0" cy="0"/>
         </a:xfrm>
       </p:grpSpPr>
-      <mc:AlternateContent xmlns:mc="http://schemas.openxmlformats.org/markup-compatibility/2006" xmlns:a14="http://schemas.microsoft.com/office/drawing/2010/main">
-        <mc:Choice Requires="a14">
+      <mc:AlternateContent xmlns:mc="http://schemas.openxmlformats.org/markup-compatibility/2006">
+        <mc:Choice xmlns:a14="http://schemas.microsoft.com/office/drawing/2010/main" Requires="a14">
           <p:sp>
             <p:nvSpPr>
               <p:cNvPr id="3" name="Content Placeholder 2">
@@ -28983,6 +30220,226 @@
                 <a:pPr marL="0" indent="0">
                   <a:buNone/>
                 </a:pPr>
+                <a14:m>
+                  <m:oMathPara xmlns:m="http://schemas.openxmlformats.org/officeDocument/2006/math">
+                    <m:oMathParaPr>
+                      <m:jc m:val="centerGroup"/>
+                    </m:oMathParaPr>
+                    <m:oMath xmlns:m="http://schemas.openxmlformats.org/officeDocument/2006/math">
+                      <m:sSub>
+                        <m:sSubPr>
+                          <m:ctrlPr>
+                            <a:rPr lang="en-US" sz="3200" i="1" smtClean="0">
+                              <a:latin typeface="Cambria Math" panose="02040503050406030204" pitchFamily="18" charset="0"/>
+                            </a:rPr>
+                          </m:ctrlPr>
+                        </m:sSubPr>
+                        <m:e>
+                          <m:r>
+                            <a:rPr lang="en-US" sz="3200" b="0" i="1" smtClean="0">
+                              <a:latin typeface="Cambria Math" panose="02040503050406030204" pitchFamily="18" charset="0"/>
+                            </a:rPr>
+                            <m:t>𝑞</m:t>
+                          </m:r>
+                        </m:e>
+                        <m:sub>
+                          <m:r>
+                            <a:rPr lang="en-US" sz="3200" i="1" smtClean="0">
+                              <a:latin typeface="Cambria Math" panose="02040503050406030204" pitchFamily="18" charset="0"/>
+                              <a:ea typeface="Cambria Math" panose="02040503050406030204" pitchFamily="18" charset="0"/>
+                            </a:rPr>
+                            <m:t>𝜋</m:t>
+                          </m:r>
+                        </m:sub>
+                      </m:sSub>
+                      <m:d>
+                        <m:dPr>
+                          <m:ctrlPr>
+                            <a:rPr lang="en-US" sz="3200" b="0" i="1" smtClean="0">
+                              <a:latin typeface="Cambria Math" panose="02040503050406030204" pitchFamily="18" charset="0"/>
+                            </a:rPr>
+                          </m:ctrlPr>
+                        </m:dPr>
+                        <m:e>
+                          <m:r>
+                            <a:rPr lang="en-US" sz="3200" b="0" i="1" smtClean="0">
+                              <a:latin typeface="Cambria Math" panose="02040503050406030204" pitchFamily="18" charset="0"/>
+                            </a:rPr>
+                            <m:t>𝑠</m:t>
+                          </m:r>
+                          <m:r>
+                            <a:rPr lang="en-US" sz="3200" b="0" i="1" smtClean="0">
+                              <a:latin typeface="Cambria Math" panose="02040503050406030204" pitchFamily="18" charset="0"/>
+                            </a:rPr>
+                            <m:t>,</m:t>
+                          </m:r>
+                          <m:r>
+                            <a:rPr lang="en-US" sz="3200" b="0" i="1" smtClean="0">
+                              <a:latin typeface="Cambria Math" panose="02040503050406030204" pitchFamily="18" charset="0"/>
+                            </a:rPr>
+                            <m:t>𝑎</m:t>
+                          </m:r>
+                        </m:e>
+                      </m:d>
+                      <m:r>
+                        <a:rPr lang="en-US" sz="3200" b="0" i="1" smtClean="0">
+                          <a:latin typeface="Cambria Math" panose="02040503050406030204" pitchFamily="18" charset="0"/>
+                        </a:rPr>
+                        <m:t>=</m:t>
+                      </m:r>
+                      <m:sSub>
+                        <m:sSubPr>
+                          <m:ctrlPr>
+                            <a:rPr lang="en-US" sz="3200" b="0" i="1" smtClean="0">
+                              <a:latin typeface="Cambria Math" panose="02040503050406030204" pitchFamily="18" charset="0"/>
+                            </a:rPr>
+                          </m:ctrlPr>
+                        </m:sSubPr>
+                        <m:e>
+                          <m:r>
+                            <a:rPr lang="en-US" sz="3200" b="0" i="1" smtClean="0">
+                              <a:latin typeface="Cambria Math" panose="02040503050406030204" pitchFamily="18" charset="0"/>
+                            </a:rPr>
+                            <m:t>𝐸</m:t>
+                          </m:r>
+                        </m:e>
+                        <m:sub>
+                          <m:r>
+                            <a:rPr lang="en-US" sz="3200" b="0" i="1" smtClean="0">
+                              <a:latin typeface="Cambria Math" panose="02040503050406030204" pitchFamily="18" charset="0"/>
+                              <a:ea typeface="Cambria Math" panose="02040503050406030204" pitchFamily="18" charset="0"/>
+                            </a:rPr>
+                            <m:t>𝜋</m:t>
+                          </m:r>
+                        </m:sub>
+                      </m:sSub>
+                      <m:d>
+                        <m:dPr>
+                          <m:begChr m:val="["/>
+                          <m:endChr m:val="]"/>
+                          <m:ctrlPr>
+                            <a:rPr lang="en-US" sz="3200" b="0" i="1" smtClean="0">
+                              <a:latin typeface="Cambria Math" panose="02040503050406030204" pitchFamily="18" charset="0"/>
+                            </a:rPr>
+                          </m:ctrlPr>
+                        </m:dPr>
+                        <m:e>
+                          <m:sSub>
+                            <m:sSubPr>
+                              <m:ctrlPr>
+                                <a:rPr lang="en-US" sz="3200" b="0" i="1" smtClean="0">
+                                  <a:latin typeface="Cambria Math" panose="02040503050406030204" pitchFamily="18" charset="0"/>
+                                </a:rPr>
+                              </m:ctrlPr>
+                            </m:sSubPr>
+                            <m:e>
+                              <m:r>
+                                <a:rPr lang="en-US" sz="3200" b="0" i="1" smtClean="0">
+                                  <a:latin typeface="Cambria Math" panose="02040503050406030204" pitchFamily="18" charset="0"/>
+                                </a:rPr>
+                                <m:t>𝑅</m:t>
+                              </m:r>
+                            </m:e>
+                            <m:sub>
+                              <m:r>
+                                <a:rPr lang="en-US" sz="3200" b="0" i="1" smtClean="0">
+                                  <a:latin typeface="Cambria Math" panose="02040503050406030204" pitchFamily="18" charset="0"/>
+                                </a:rPr>
+                                <m:t>𝑡</m:t>
+                              </m:r>
+                            </m:sub>
+                          </m:sSub>
+                          <m:r>
+                            <a:rPr lang="en-US" sz="3200" b="0" i="1" smtClean="0">
+                              <a:latin typeface="Cambria Math" panose="02040503050406030204" pitchFamily="18" charset="0"/>
+                            </a:rPr>
+                            <m:t>|</m:t>
+                          </m:r>
+                          <m:sSub>
+                            <m:sSubPr>
+                              <m:ctrlPr>
+                                <a:rPr lang="en-US" sz="3200" b="0" i="1" smtClean="0">
+                                  <a:latin typeface="Cambria Math" panose="02040503050406030204" pitchFamily="18" charset="0"/>
+                                </a:rPr>
+                              </m:ctrlPr>
+                            </m:sSubPr>
+                            <m:e>
+                              <m:r>
+                                <a:rPr lang="en-US" sz="3200" b="0" i="1" smtClean="0">
+                                  <a:latin typeface="Cambria Math" panose="02040503050406030204" pitchFamily="18" charset="0"/>
+                                </a:rPr>
+                                <m:t>𝑆</m:t>
+                              </m:r>
+                            </m:e>
+                            <m:sub>
+                              <m:r>
+                                <a:rPr lang="en-US" sz="3200" b="0" i="1" smtClean="0">
+                                  <a:latin typeface="Cambria Math" panose="02040503050406030204" pitchFamily="18" charset="0"/>
+                                </a:rPr>
+                                <m:t>𝑡</m:t>
+                              </m:r>
+                            </m:sub>
+                          </m:sSub>
+                          <m:r>
+                            <a:rPr lang="en-US" sz="3200" b="0" i="1" smtClean="0">
+                              <a:latin typeface="Cambria Math" panose="02040503050406030204" pitchFamily="18" charset="0"/>
+                            </a:rPr>
+                            <m:t>=</m:t>
+                          </m:r>
+                          <m:r>
+                            <a:rPr lang="en-US" sz="3200" b="0" i="1" smtClean="0">
+                              <a:latin typeface="Cambria Math" panose="02040503050406030204" pitchFamily="18" charset="0"/>
+                            </a:rPr>
+                            <m:t>𝑠</m:t>
+                          </m:r>
+                          <m:r>
+                            <a:rPr lang="en-US" sz="3200" b="0" i="1" smtClean="0">
+                              <a:latin typeface="Cambria Math" panose="02040503050406030204" pitchFamily="18" charset="0"/>
+                            </a:rPr>
+                            <m:t>,</m:t>
+                          </m:r>
+                          <m:sSub>
+                            <m:sSubPr>
+                              <m:ctrlPr>
+                                <a:rPr lang="en-US" sz="3200" b="0" i="1" smtClean="0">
+                                  <a:latin typeface="Cambria Math" panose="02040503050406030204" pitchFamily="18" charset="0"/>
+                                </a:rPr>
+                              </m:ctrlPr>
+                            </m:sSubPr>
+                            <m:e>
+                              <m:r>
+                                <a:rPr lang="en-US" sz="3200" b="0" i="1" smtClean="0">
+                                  <a:latin typeface="Cambria Math" panose="02040503050406030204" pitchFamily="18" charset="0"/>
+                                </a:rPr>
+                                <m:t>𝐴</m:t>
+                              </m:r>
+                            </m:e>
+                            <m:sub>
+                              <m:r>
+                                <a:rPr lang="en-US" sz="3200" b="0" i="1" smtClean="0">
+                                  <a:latin typeface="Cambria Math" panose="02040503050406030204" pitchFamily="18" charset="0"/>
+                                </a:rPr>
+                                <m:t>𝑡</m:t>
+                              </m:r>
+                            </m:sub>
+                          </m:sSub>
+                          <m:r>
+                            <a:rPr lang="en-US" sz="3200" b="0" i="1" smtClean="0">
+                              <a:latin typeface="Cambria Math" panose="02040503050406030204" pitchFamily="18" charset="0"/>
+                            </a:rPr>
+                            <m:t>=</m:t>
+                          </m:r>
+                          <m:r>
+                            <a:rPr lang="en-US" sz="3200" b="0" i="1" smtClean="0">
+                              <a:latin typeface="Cambria Math" panose="02040503050406030204" pitchFamily="18" charset="0"/>
+                            </a:rPr>
+                            <m:t>𝑎</m:t>
+                          </m:r>
+                        </m:e>
+                      </m:d>
+                    </m:oMath>
+                  </m:oMathPara>
+                </a14:m>
                 <a:endParaRPr lang="en-US" sz="3200" dirty="0"/>
               </a:p>
               <a:p>
@@ -29086,11 +30543,375 @@
                   <a:rPr lang="en-US" sz="3200" b="1" dirty="0"/>
                   <a:t>optimal policy</a:t>
                 </a:r>
+                <a:r>
+                  <a:rPr lang="en-US" sz="3200" dirty="0"/>
+                  <a:t>, </a:t>
+                </a:r>
+                <a14:m>
+                  <m:oMath xmlns:m="http://schemas.openxmlformats.org/officeDocument/2006/math">
+                    <m:sSup>
+                      <m:sSupPr>
+                        <m:ctrlPr>
+                          <a:rPr lang="en-US" sz="3200" i="1">
+                            <a:latin typeface="Cambria Math" panose="02040503050406030204" pitchFamily="18" charset="0"/>
+                          </a:rPr>
+                        </m:ctrlPr>
+                      </m:sSupPr>
+                      <m:e>
+                        <m:r>
+                          <a:rPr lang="en-US" sz="3200" i="1">
+                            <a:latin typeface="Cambria Math" panose="02040503050406030204" pitchFamily="18" charset="0"/>
+                            <a:ea typeface="Cambria Math" panose="02040503050406030204" pitchFamily="18" charset="0"/>
+                          </a:rPr>
+                          <m:t>𝜋</m:t>
+                        </m:r>
+                      </m:e>
+                      <m:sup>
+                        <m:r>
+                          <a:rPr lang="en-US" sz="3200" i="1">
+                            <a:latin typeface="Cambria Math" panose="02040503050406030204" pitchFamily="18" charset="0"/>
+                          </a:rPr>
+                          <m:t>∗</m:t>
+                        </m:r>
+                      </m:sup>
+                    </m:sSup>
+                  </m:oMath>
+                </a14:m>
+                <a:r>
+                  <a:rPr lang="en-US" sz="3200" dirty="0"/>
+                  <a:t>, with action </a:t>
+                </a:r>
+                <a14:m>
+                  <m:oMath xmlns:m="http://schemas.openxmlformats.org/officeDocument/2006/math">
+                    <m:sSup>
+                      <m:sSupPr>
+                        <m:ctrlPr>
+                          <a:rPr lang="en-US" sz="3200" i="1">
+                            <a:latin typeface="Cambria Math" panose="02040503050406030204" pitchFamily="18" charset="0"/>
+                          </a:rPr>
+                        </m:ctrlPr>
+                      </m:sSupPr>
+                      <m:e>
+                        <m:r>
+                          <a:rPr lang="en-US" sz="3200" i="1">
+                            <a:latin typeface="Cambria Math" panose="02040503050406030204" pitchFamily="18" charset="0"/>
+                          </a:rPr>
+                          <m:t>𝑎</m:t>
+                        </m:r>
+                      </m:e>
+                      <m:sup>
+                        <m:r>
+                          <a:rPr lang="en-US" sz="3200" i="1">
+                            <a:latin typeface="Cambria Math" panose="02040503050406030204" pitchFamily="18" charset="0"/>
+                          </a:rPr>
+                          <m:t>∗</m:t>
+                        </m:r>
+                      </m:sup>
+                    </m:sSup>
+                  </m:oMath>
+                </a14:m>
+                <a:endParaRPr lang="en-US" sz="3200" b="1" dirty="0"/>
               </a:p>
               <a:p>
                 <a:pPr marL="0" indent="0">
                   <a:buNone/>
                 </a:pPr>
+                <a14:m>
+                  <m:oMathPara xmlns:m="http://schemas.openxmlformats.org/officeDocument/2006/math">
+                    <m:oMathParaPr>
+                      <m:jc m:val="centerGroup"/>
+                    </m:oMathParaPr>
+                    <m:oMath xmlns:m="http://schemas.openxmlformats.org/officeDocument/2006/math">
+                      <m:sSub>
+                        <m:sSubPr>
+                          <m:ctrlPr>
+                            <a:rPr lang="en-US" sz="3200" i="1">
+                              <a:latin typeface="Cambria Math" panose="02040503050406030204" pitchFamily="18" charset="0"/>
+                            </a:rPr>
+                          </m:ctrlPr>
+                        </m:sSubPr>
+                        <m:e>
+                          <m:r>
+                            <a:rPr lang="en-US" sz="3200" i="1">
+                              <a:latin typeface="Cambria Math" panose="02040503050406030204" pitchFamily="18" charset="0"/>
+                            </a:rPr>
+                            <m:t>𝑞</m:t>
+                          </m:r>
+                        </m:e>
+                        <m:sub>
+                          <m:sSup>
+                            <m:sSupPr>
+                              <m:ctrlPr>
+                                <a:rPr lang="en-US" sz="3200" i="1" smtClean="0">
+                                  <a:latin typeface="Cambria Math" panose="02040503050406030204" pitchFamily="18" charset="0"/>
+                                </a:rPr>
+                              </m:ctrlPr>
+                            </m:sSupPr>
+                            <m:e>
+                              <m:r>
+                                <a:rPr lang="en-US" sz="3200" i="1" smtClean="0">
+                                  <a:latin typeface="Cambria Math" panose="02040503050406030204" pitchFamily="18" charset="0"/>
+                                  <a:ea typeface="Cambria Math" panose="02040503050406030204" pitchFamily="18" charset="0"/>
+                                </a:rPr>
+                                <m:t>𝜋</m:t>
+                              </m:r>
+                            </m:e>
+                            <m:sup>
+                              <m:r>
+                                <a:rPr lang="en-US" sz="3200" b="0" i="1" smtClean="0">
+                                  <a:latin typeface="Cambria Math" panose="02040503050406030204" pitchFamily="18" charset="0"/>
+                                </a:rPr>
+                                <m:t>∗</m:t>
+                              </m:r>
+                            </m:sup>
+                          </m:sSup>
+                        </m:sub>
+                      </m:sSub>
+                      <m:d>
+                        <m:dPr>
+                          <m:ctrlPr>
+                            <a:rPr lang="en-US" sz="3200" i="1">
+                              <a:latin typeface="Cambria Math" panose="02040503050406030204" pitchFamily="18" charset="0"/>
+                            </a:rPr>
+                          </m:ctrlPr>
+                        </m:dPr>
+                        <m:e>
+                          <m:r>
+                            <a:rPr lang="en-US" sz="3200" i="1">
+                              <a:latin typeface="Cambria Math" panose="02040503050406030204" pitchFamily="18" charset="0"/>
+                            </a:rPr>
+                            <m:t>𝑠</m:t>
+                          </m:r>
+                          <m:r>
+                            <a:rPr lang="en-US" sz="3200" i="1">
+                              <a:latin typeface="Cambria Math" panose="02040503050406030204" pitchFamily="18" charset="0"/>
+                            </a:rPr>
+                            <m:t>,</m:t>
+                          </m:r>
+                          <m:sSup>
+                            <m:sSupPr>
+                              <m:ctrlPr>
+                                <a:rPr lang="en-US" sz="3200" i="1" smtClean="0">
+                                  <a:latin typeface="Cambria Math" panose="02040503050406030204" pitchFamily="18" charset="0"/>
+                                </a:rPr>
+                              </m:ctrlPr>
+                            </m:sSupPr>
+                            <m:e>
+                              <m:r>
+                                <a:rPr lang="en-US" sz="3200" b="0" i="1" smtClean="0">
+                                  <a:latin typeface="Cambria Math" panose="02040503050406030204" pitchFamily="18" charset="0"/>
+                                </a:rPr>
+                                <m:t>𝑎</m:t>
+                              </m:r>
+                            </m:e>
+                            <m:sup>
+                              <m:r>
+                                <a:rPr lang="en-US" sz="3200" b="0" i="1" smtClean="0">
+                                  <a:latin typeface="Cambria Math" panose="02040503050406030204" pitchFamily="18" charset="0"/>
+                                </a:rPr>
+                                <m:t>∗</m:t>
+                              </m:r>
+                            </m:sup>
+                          </m:sSup>
+                        </m:e>
+                      </m:d>
+                      <m:r>
+                        <a:rPr lang="en-US" sz="3200" i="1">
+                          <a:latin typeface="Cambria Math" panose="02040503050406030204" pitchFamily="18" charset="0"/>
+                        </a:rPr>
+                        <m:t>=</m:t>
+                      </m:r>
+                      <m:sSub>
+                        <m:sSubPr>
+                          <m:ctrlPr>
+                            <a:rPr lang="en-US" sz="3200" i="1">
+                              <a:latin typeface="Cambria Math" panose="02040503050406030204" pitchFamily="18" charset="0"/>
+                            </a:rPr>
+                          </m:ctrlPr>
+                        </m:sSubPr>
+                        <m:e>
+                          <m:r>
+                            <a:rPr lang="en-US" sz="3200" i="1">
+                              <a:latin typeface="Cambria Math" panose="02040503050406030204" pitchFamily="18" charset="0"/>
+                            </a:rPr>
+                            <m:t>𝐸</m:t>
+                          </m:r>
+                        </m:e>
+                        <m:sub>
+                          <m:sSup>
+                            <m:sSupPr>
+                              <m:ctrlPr>
+                                <a:rPr lang="en-US" sz="3200" i="1">
+                                  <a:latin typeface="Cambria Math" panose="02040503050406030204" pitchFamily="18" charset="0"/>
+                                </a:rPr>
+                              </m:ctrlPr>
+                            </m:sSupPr>
+                            <m:e>
+                              <m:r>
+                                <a:rPr lang="en-US" sz="3200" i="1">
+                                  <a:latin typeface="Cambria Math" panose="02040503050406030204" pitchFamily="18" charset="0"/>
+                                  <a:ea typeface="Cambria Math" panose="02040503050406030204" pitchFamily="18" charset="0"/>
+                                </a:rPr>
+                                <m:t>𝜋</m:t>
+                              </m:r>
+                            </m:e>
+                            <m:sup>
+                              <m:r>
+                                <a:rPr lang="en-US" sz="3200" i="1">
+                                  <a:latin typeface="Cambria Math" panose="02040503050406030204" pitchFamily="18" charset="0"/>
+                                </a:rPr>
+                                <m:t>∗</m:t>
+                              </m:r>
+                            </m:sup>
+                          </m:sSup>
+                        </m:sub>
+                      </m:sSub>
+                      <m:d>
+                        <m:dPr>
+                          <m:begChr m:val="["/>
+                          <m:endChr m:val="]"/>
+                          <m:ctrlPr>
+                            <a:rPr lang="en-US" sz="3200" i="1">
+                              <a:latin typeface="Cambria Math" panose="02040503050406030204" pitchFamily="18" charset="0"/>
+                            </a:rPr>
+                          </m:ctrlPr>
+                        </m:dPr>
+                        <m:e>
+                          <m:sSub>
+                            <m:sSubPr>
+                              <m:ctrlPr>
+                                <a:rPr lang="en-US" sz="3200" i="1">
+                                  <a:latin typeface="Cambria Math" panose="02040503050406030204" pitchFamily="18" charset="0"/>
+                                </a:rPr>
+                              </m:ctrlPr>
+                            </m:sSubPr>
+                            <m:e>
+                              <m:r>
+                                <a:rPr lang="en-US" sz="3200" i="1">
+                                  <a:latin typeface="Cambria Math" panose="02040503050406030204" pitchFamily="18" charset="0"/>
+                                </a:rPr>
+                                <m:t>𝑅</m:t>
+                              </m:r>
+                            </m:e>
+                            <m:sub>
+                              <m:r>
+                                <a:rPr lang="en-US" sz="3200" i="1">
+                                  <a:latin typeface="Cambria Math" panose="02040503050406030204" pitchFamily="18" charset="0"/>
+                                </a:rPr>
+                                <m:t>𝑡</m:t>
+                              </m:r>
+                            </m:sub>
+                          </m:sSub>
+                          <m:r>
+                            <a:rPr lang="en-US" sz="3200" i="1">
+                              <a:latin typeface="Cambria Math" panose="02040503050406030204" pitchFamily="18" charset="0"/>
+                            </a:rPr>
+                            <m:t>|</m:t>
+                          </m:r>
+                          <m:sSub>
+                            <m:sSubPr>
+                              <m:ctrlPr>
+                                <a:rPr lang="en-US" sz="3200" i="1">
+                                  <a:latin typeface="Cambria Math" panose="02040503050406030204" pitchFamily="18" charset="0"/>
+                                </a:rPr>
+                              </m:ctrlPr>
+                            </m:sSubPr>
+                            <m:e>
+                              <m:r>
+                                <a:rPr lang="en-US" sz="3200" i="1">
+                                  <a:latin typeface="Cambria Math" panose="02040503050406030204" pitchFamily="18" charset="0"/>
+                                </a:rPr>
+                                <m:t>𝑆</m:t>
+                              </m:r>
+                            </m:e>
+                            <m:sub>
+                              <m:r>
+                                <a:rPr lang="en-US" sz="3200" i="1">
+                                  <a:latin typeface="Cambria Math" panose="02040503050406030204" pitchFamily="18" charset="0"/>
+                                </a:rPr>
+                                <m:t>𝑡</m:t>
+                              </m:r>
+                            </m:sub>
+                          </m:sSub>
+                          <m:r>
+                            <a:rPr lang="en-US" sz="3200" i="1">
+                              <a:latin typeface="Cambria Math" panose="02040503050406030204" pitchFamily="18" charset="0"/>
+                            </a:rPr>
+                            <m:t>=</m:t>
+                          </m:r>
+                          <m:r>
+                            <a:rPr lang="en-US" sz="3200" i="1">
+                              <a:latin typeface="Cambria Math" panose="02040503050406030204" pitchFamily="18" charset="0"/>
+                            </a:rPr>
+                            <m:t>𝑠</m:t>
+                          </m:r>
+                          <m:r>
+                            <a:rPr lang="en-US" sz="3200" i="1">
+                              <a:latin typeface="Cambria Math" panose="02040503050406030204" pitchFamily="18" charset="0"/>
+                            </a:rPr>
+                            <m:t>,</m:t>
+                          </m:r>
+                          <m:sSub>
+                            <m:sSubPr>
+                              <m:ctrlPr>
+                                <a:rPr lang="en-US" sz="3200" i="1">
+                                  <a:latin typeface="Cambria Math" panose="02040503050406030204" pitchFamily="18" charset="0"/>
+                                </a:rPr>
+                              </m:ctrlPr>
+                            </m:sSubPr>
+                            <m:e>
+                              <m:r>
+                                <a:rPr lang="en-US" sz="3200" i="1">
+                                  <a:latin typeface="Cambria Math" panose="02040503050406030204" pitchFamily="18" charset="0"/>
+                                </a:rPr>
+                                <m:t>𝐴</m:t>
+                              </m:r>
+                            </m:e>
+                            <m:sub>
+                              <m:r>
+                                <a:rPr lang="en-US" sz="3200" i="1">
+                                  <a:latin typeface="Cambria Math" panose="02040503050406030204" pitchFamily="18" charset="0"/>
+                                </a:rPr>
+                                <m:t>𝑡</m:t>
+                              </m:r>
+                            </m:sub>
+                          </m:sSub>
+                          <m:r>
+                            <a:rPr lang="en-US" sz="3200" i="1">
+                              <a:latin typeface="Cambria Math" panose="02040503050406030204" pitchFamily="18" charset="0"/>
+                            </a:rPr>
+                            <m:t>=</m:t>
+                          </m:r>
+                          <m:sSup>
+                            <m:sSupPr>
+                              <m:ctrlPr>
+                                <a:rPr lang="en-US" sz="3200" i="1">
+                                  <a:latin typeface="Cambria Math" panose="02040503050406030204" pitchFamily="18" charset="0"/>
+                                </a:rPr>
+                              </m:ctrlPr>
+                            </m:sSupPr>
+                            <m:e>
+                              <m:r>
+                                <a:rPr lang="en-US" sz="3200" i="1">
+                                  <a:latin typeface="Cambria Math" panose="02040503050406030204" pitchFamily="18" charset="0"/>
+                                </a:rPr>
+                                <m:t>𝑎</m:t>
+                              </m:r>
+                            </m:e>
+                            <m:sup>
+                              <m:r>
+                                <a:rPr lang="en-US" sz="3200" i="1">
+                                  <a:latin typeface="Cambria Math" panose="02040503050406030204" pitchFamily="18" charset="0"/>
+                                </a:rPr>
+                                <m:t>∗</m:t>
+                              </m:r>
+                            </m:sup>
+                          </m:sSup>
+                        </m:e>
+                      </m:d>
+                    </m:oMath>
+                  </m:oMathPara>
+                </a14:m>
                 <a:endParaRPr lang="en-US" sz="3200" dirty="0"/>
               </a:p>
               <a:p>
@@ -29105,7 +30926,7 @@
             </p:txBody>
           </p:sp>
         </mc:Choice>
-        <mc:Fallback xmlns="">
+        <mc:Fallback>
           <p:sp>
             <p:nvSpPr>
               <p:cNvPr id="3" name="Content Placeholder 2">
@@ -29184,1201 +31005,10 @@
           </a:p>
         </p:txBody>
       </p:sp>
-      <p:pic>
-        <p:nvPicPr>
-          <p:cNvPr id="6" name="Picture 5">
-            <a:extLst>
-              <a:ext uri="{FF2B5EF4-FFF2-40B4-BE49-F238E27FC236}">
-                <a16:creationId xmlns:a16="http://schemas.microsoft.com/office/drawing/2014/main" id="{10674060-B884-4665-AAFB-17099686B8D6}"/>
-              </a:ext>
-            </a:extLst>
-          </p:cNvPr>
-          <p:cNvPicPr>
-            <a:picLocks noChangeAspect="1"/>
-          </p:cNvPicPr>
-          <p:nvPr/>
-        </p:nvPicPr>
-        <p:blipFill>
-          <a:blip r:embed="rId3"/>
-          <a:stretch>
-            <a:fillRect/>
-          </a:stretch>
-        </p:blipFill>
-        <p:spPr>
-          <a:xfrm>
-            <a:off x="2879292" y="2280147"/>
-            <a:ext cx="4497355" cy="606089"/>
-          </a:xfrm>
-          <a:prstGeom prst="rect">
-            <a:avLst/>
-          </a:prstGeom>
-        </p:spPr>
-      </p:pic>
-      <p:pic>
-        <p:nvPicPr>
-          <p:cNvPr id="7" name="Picture 6">
-            <a:extLst>
-              <a:ext uri="{FF2B5EF4-FFF2-40B4-BE49-F238E27FC236}">
-                <a16:creationId xmlns:a16="http://schemas.microsoft.com/office/drawing/2014/main" id="{16418E3E-8F77-4C64-8254-CEE1B09D856B}"/>
-              </a:ext>
-            </a:extLst>
-          </p:cNvPr>
-          <p:cNvPicPr>
-            <a:picLocks noChangeAspect="1"/>
-          </p:cNvPicPr>
-          <p:nvPr/>
-        </p:nvPicPr>
-        <p:blipFill>
-          <a:blip r:embed="rId4"/>
-          <a:stretch>
-            <a:fillRect/>
-          </a:stretch>
-        </p:blipFill>
-        <p:spPr>
-          <a:xfrm>
-            <a:off x="3003168" y="4446775"/>
-            <a:ext cx="4736669" cy="549179"/>
-          </a:xfrm>
-          <a:prstGeom prst="rect">
-            <a:avLst/>
-          </a:prstGeom>
-        </p:spPr>
-      </p:pic>
-      <p:pic>
-        <p:nvPicPr>
-          <p:cNvPr id="8" name="Picture 7">
-            <a:extLst>
-              <a:ext uri="{FF2B5EF4-FFF2-40B4-BE49-F238E27FC236}">
-                <a16:creationId xmlns:a16="http://schemas.microsoft.com/office/drawing/2014/main" id="{66B2ADF1-E84A-4D27-9983-83B18E835CC3}"/>
-              </a:ext>
-            </a:extLst>
-          </p:cNvPr>
-          <p:cNvPicPr>
-            <a:picLocks noChangeAspect="1"/>
-          </p:cNvPicPr>
-          <p:nvPr/>
-        </p:nvPicPr>
-        <p:blipFill>
-          <a:blip r:embed="rId5"/>
-          <a:stretch>
-            <a:fillRect/>
-          </a:stretch>
-        </p:blipFill>
-        <p:spPr>
-          <a:xfrm>
-            <a:off x="6407108" y="5446539"/>
-            <a:ext cx="3743104" cy="487845"/>
-          </a:xfrm>
-          <a:prstGeom prst="rect">
-            <a:avLst/>
-          </a:prstGeom>
-        </p:spPr>
-      </p:pic>
     </p:spTree>
     <p:extLst>
       <p:ext uri="{BB962C8B-B14F-4D97-AF65-F5344CB8AC3E}">
         <p14:creationId xmlns:p14="http://schemas.microsoft.com/office/powerpoint/2010/main" val="2687474280"/>
-      </p:ext>
-    </p:extLst>
-  </p:cSld>
-  <p:clrMapOvr>
-    <a:masterClrMapping/>
-  </p:clrMapOvr>
-  <p:timing>
-    <p:tnLst>
-      <p:par>
-        <p:cTn id="1" dur="indefinite" restart="never" nodeType="tmRoot">
-          <p:childTnLst>
-            <p:seq concurrent="1" nextAc="seek">
-              <p:cTn id="2" dur="indefinite" nodeType="mainSeq">
-                <p:childTnLst>
-                  <p:par>
-                    <p:cTn id="3" fill="hold">
-                      <p:stCondLst>
-                        <p:cond delay="indefinite"/>
-                      </p:stCondLst>
-                      <p:childTnLst>
-                        <p:par>
-                          <p:cTn id="4" fill="hold">
-                            <p:stCondLst>
-                              <p:cond delay="0"/>
-                            </p:stCondLst>
-                            <p:childTnLst>
-                              <p:par>
-                                <p:cTn id="5" presetID="1" presetClass="entr" presetSubtype="0" fill="hold" grpId="0" nodeType="clickEffect">
-                                  <p:stCondLst>
-                                    <p:cond delay="0"/>
-                                  </p:stCondLst>
-                                  <p:childTnLst>
-                                    <p:set>
-                                      <p:cBhvr>
-                                        <p:cTn id="6" dur="1" fill="hold">
-                                          <p:stCondLst>
-                                            <p:cond delay="0"/>
-                                          </p:stCondLst>
-                                        </p:cTn>
-                                        <p:tgtEl>
-                                          <p:spTgt spid="3">
-                                            <p:txEl>
-                                              <p:pRg st="0" end="0"/>
-                                            </p:txEl>
-                                          </p:spTgt>
-                                        </p:tgtEl>
-                                        <p:attrNameLst>
-                                          <p:attrName>style.visibility</p:attrName>
-                                        </p:attrNameLst>
-                                      </p:cBhvr>
-                                      <p:to>
-                                        <p:strVal val="visible"/>
-                                      </p:to>
-                                    </p:set>
-                                  </p:childTnLst>
-                                </p:cTn>
-                              </p:par>
-                            </p:childTnLst>
-                          </p:cTn>
-                        </p:par>
-                      </p:childTnLst>
-                    </p:cTn>
-                  </p:par>
-                  <p:par>
-                    <p:cTn id="7" fill="hold">
-                      <p:stCondLst>
-                        <p:cond delay="indefinite"/>
-                      </p:stCondLst>
-                      <p:childTnLst>
-                        <p:par>
-                          <p:cTn id="8" fill="hold">
-                            <p:stCondLst>
-                              <p:cond delay="0"/>
-                            </p:stCondLst>
-                            <p:childTnLst>
-                              <p:par>
-                                <p:cTn id="9" presetID="1" presetClass="entr" presetSubtype="0" fill="hold" grpId="0" nodeType="clickEffect">
-                                  <p:stCondLst>
-                                    <p:cond delay="0"/>
-                                  </p:stCondLst>
-                                  <p:childTnLst>
-                                    <p:set>
-                                      <p:cBhvr>
-                                        <p:cTn id="10" dur="1" fill="hold">
-                                          <p:stCondLst>
-                                            <p:cond delay="0"/>
-                                          </p:stCondLst>
-                                        </p:cTn>
-                                        <p:tgtEl>
-                                          <p:spTgt spid="3">
-                                            <p:txEl>
-                                              <p:pRg st="1" end="1"/>
-                                            </p:txEl>
-                                          </p:spTgt>
-                                        </p:tgtEl>
-                                        <p:attrNameLst>
-                                          <p:attrName>style.visibility</p:attrName>
-                                        </p:attrNameLst>
-                                      </p:cBhvr>
-                                      <p:to>
-                                        <p:strVal val="visible"/>
-                                      </p:to>
-                                    </p:set>
-                                  </p:childTnLst>
-                                </p:cTn>
-                              </p:par>
-                            </p:childTnLst>
-                          </p:cTn>
-                        </p:par>
-                      </p:childTnLst>
-                    </p:cTn>
-                  </p:par>
-                  <p:par>
-                    <p:cTn id="11" fill="hold">
-                      <p:stCondLst>
-                        <p:cond delay="indefinite"/>
-                      </p:stCondLst>
-                      <p:childTnLst>
-                        <p:par>
-                          <p:cTn id="12" fill="hold">
-                            <p:stCondLst>
-                              <p:cond delay="0"/>
-                            </p:stCondLst>
-                            <p:childTnLst>
-                              <p:par>
-                                <p:cTn id="13" presetID="1" presetClass="entr" presetSubtype="0" fill="hold" grpId="0" nodeType="clickEffect">
-                                  <p:stCondLst>
-                                    <p:cond delay="0"/>
-                                  </p:stCondLst>
-                                  <p:childTnLst>
-                                    <p:set>
-                                      <p:cBhvr>
-                                        <p:cTn id="14" dur="1" fill="hold">
-                                          <p:stCondLst>
-                                            <p:cond delay="0"/>
-                                          </p:stCondLst>
-                                        </p:cTn>
-                                        <p:tgtEl>
-                                          <p:spTgt spid="3">
-                                            <p:txEl>
-                                              <p:pRg st="3" end="3"/>
-                                            </p:txEl>
-                                          </p:spTgt>
-                                        </p:tgtEl>
-                                        <p:attrNameLst>
-                                          <p:attrName>style.visibility</p:attrName>
-                                        </p:attrNameLst>
-                                      </p:cBhvr>
-                                      <p:to>
-                                        <p:strVal val="visible"/>
-                                      </p:to>
-                                    </p:set>
-                                  </p:childTnLst>
-                                </p:cTn>
-                              </p:par>
-                            </p:childTnLst>
-                          </p:cTn>
-                        </p:par>
-                      </p:childTnLst>
-                    </p:cTn>
-                  </p:par>
-                  <p:par>
-                    <p:cTn id="15" fill="hold">
-                      <p:stCondLst>
-                        <p:cond delay="indefinite"/>
-                      </p:stCondLst>
-                      <p:childTnLst>
-                        <p:par>
-                          <p:cTn id="16" fill="hold">
-                            <p:stCondLst>
-                              <p:cond delay="0"/>
-                            </p:stCondLst>
-                            <p:childTnLst>
-                              <p:par>
-                                <p:cTn id="17" presetID="1" presetClass="entr" presetSubtype="0" fill="hold" grpId="0" nodeType="clickEffect">
-                                  <p:stCondLst>
-                                    <p:cond delay="0"/>
-                                  </p:stCondLst>
-                                  <p:childTnLst>
-                                    <p:set>
-                                      <p:cBhvr>
-                                        <p:cTn id="18" dur="1" fill="hold">
-                                          <p:stCondLst>
-                                            <p:cond delay="0"/>
-                                          </p:stCondLst>
-                                        </p:cTn>
-                                        <p:tgtEl>
-                                          <p:spTgt spid="3">
-                                            <p:txEl>
-                                              <p:pRg st="4" end="4"/>
-                                            </p:txEl>
-                                          </p:spTgt>
-                                        </p:tgtEl>
-                                        <p:attrNameLst>
-                                          <p:attrName>style.visibility</p:attrName>
-                                        </p:attrNameLst>
-                                      </p:cBhvr>
-                                      <p:to>
-                                        <p:strVal val="visible"/>
-                                      </p:to>
-                                    </p:set>
-                                  </p:childTnLst>
-                                </p:cTn>
-                              </p:par>
-                            </p:childTnLst>
-                          </p:cTn>
-                        </p:par>
-                      </p:childTnLst>
-                    </p:cTn>
-                  </p:par>
-                  <p:par>
-                    <p:cTn id="19" fill="hold">
-                      <p:stCondLst>
-                        <p:cond delay="indefinite"/>
-                      </p:stCondLst>
-                      <p:childTnLst>
-                        <p:par>
-                          <p:cTn id="20" fill="hold">
-                            <p:stCondLst>
-                              <p:cond delay="0"/>
-                            </p:stCondLst>
-                            <p:childTnLst>
-                              <p:par>
-                                <p:cTn id="21" presetID="1" presetClass="entr" presetSubtype="0" fill="hold" grpId="0" nodeType="clickEffect">
-                                  <p:stCondLst>
-                                    <p:cond delay="0"/>
-                                  </p:stCondLst>
-                                  <p:childTnLst>
-                                    <p:set>
-                                      <p:cBhvr>
-                                        <p:cTn id="22" dur="1" fill="hold">
-                                          <p:stCondLst>
-                                            <p:cond delay="0"/>
-                                          </p:stCondLst>
-                                        </p:cTn>
-                                        <p:tgtEl>
-                                          <p:spTgt spid="3">
-                                            <p:txEl>
-                                              <p:pRg st="6" end="6"/>
-                                            </p:txEl>
-                                          </p:spTgt>
-                                        </p:tgtEl>
-                                        <p:attrNameLst>
-                                          <p:attrName>style.visibility</p:attrName>
-                                        </p:attrNameLst>
-                                      </p:cBhvr>
-                                      <p:to>
-                                        <p:strVal val="visible"/>
-                                      </p:to>
-                                    </p:set>
-                                  </p:childTnLst>
-                                </p:cTn>
-                              </p:par>
-                              <p:par>
-                                <p:cTn id="23" presetID="1" presetClass="entr" presetSubtype="0" fill="hold" nodeType="withEffect">
-                                  <p:stCondLst>
-                                    <p:cond delay="0"/>
-                                  </p:stCondLst>
-                                  <p:childTnLst>
-                                    <p:set>
-                                      <p:cBhvr>
-                                        <p:cTn id="24" dur="1" fill="hold">
-                                          <p:stCondLst>
-                                            <p:cond delay="0"/>
-                                          </p:stCondLst>
-                                        </p:cTn>
-                                        <p:tgtEl>
-                                          <p:spTgt spid="6"/>
-                                        </p:tgtEl>
-                                        <p:attrNameLst>
-                                          <p:attrName>style.visibility</p:attrName>
-                                        </p:attrNameLst>
-                                      </p:cBhvr>
-                                      <p:to>
-                                        <p:strVal val="visible"/>
-                                      </p:to>
-                                    </p:set>
-                                  </p:childTnLst>
-                                </p:cTn>
-                              </p:par>
-                              <p:par>
-                                <p:cTn id="25" presetID="1" presetClass="entr" presetSubtype="0" fill="hold" nodeType="withEffect">
-                                  <p:stCondLst>
-                                    <p:cond delay="0"/>
-                                  </p:stCondLst>
-                                  <p:childTnLst>
-                                    <p:set>
-                                      <p:cBhvr>
-                                        <p:cTn id="26" dur="1" fill="hold">
-                                          <p:stCondLst>
-                                            <p:cond delay="0"/>
-                                          </p:stCondLst>
-                                        </p:cTn>
-                                        <p:tgtEl>
-                                          <p:spTgt spid="7"/>
-                                        </p:tgtEl>
-                                        <p:attrNameLst>
-                                          <p:attrName>style.visibility</p:attrName>
-                                        </p:attrNameLst>
-                                      </p:cBhvr>
-                                      <p:to>
-                                        <p:strVal val="visible"/>
-                                      </p:to>
-                                    </p:set>
-                                  </p:childTnLst>
-                                </p:cTn>
-                              </p:par>
-                              <p:par>
-                                <p:cTn id="27" presetID="1" presetClass="entr" presetSubtype="0" fill="hold" nodeType="withEffect">
-                                  <p:stCondLst>
-                                    <p:cond delay="0"/>
-                                  </p:stCondLst>
-                                  <p:childTnLst>
-                                    <p:set>
-                                      <p:cBhvr>
-                                        <p:cTn id="28" dur="1" fill="hold">
-                                          <p:stCondLst>
-                                            <p:cond delay="0"/>
-                                          </p:stCondLst>
-                                        </p:cTn>
-                                        <p:tgtEl>
-                                          <p:spTgt spid="8"/>
-                                        </p:tgtEl>
-                                        <p:attrNameLst>
-                                          <p:attrName>style.visibility</p:attrName>
-                                        </p:attrNameLst>
-                                      </p:cBhvr>
-                                      <p:to>
-                                        <p:strVal val="visible"/>
-                                      </p:to>
-                                    </p:set>
-                                  </p:childTnLst>
-                                </p:cTn>
-                              </p:par>
-                            </p:childTnLst>
-                          </p:cTn>
-                        </p:par>
-                      </p:childTnLst>
-                    </p:cTn>
-                  </p:par>
-                </p:childTnLst>
-              </p:cTn>
-              <p:prevCondLst>
-                <p:cond evt="onPrev" delay="0">
-                  <p:tgtEl>
-                    <p:sldTgt/>
-                  </p:tgtEl>
-                </p:cond>
-              </p:prevCondLst>
-              <p:nextCondLst>
-                <p:cond evt="onNext" delay="0">
-                  <p:tgtEl>
-                    <p:sldTgt/>
-                  </p:tgtEl>
-                </p:cond>
-              </p:nextCondLst>
-            </p:seq>
-          </p:childTnLst>
-        </p:cTn>
-      </p:par>
-    </p:tnLst>
-    <p:bldLst>
-      <p:bldP spid="3" grpId="0" uiExpand="1" build="p"/>
-    </p:bldLst>
-  </p:timing>
-</p:sld>
-</file>
-
-<file path=ppt/slides/slide22.xml><?xml version="1.0" encoding="utf-8"?>
-<p:sld xmlns:a="http://schemas.openxmlformats.org/drawingml/2006/main" xmlns:r="http://schemas.openxmlformats.org/officeDocument/2006/relationships" xmlns:p="http://schemas.openxmlformats.org/presentationml/2006/main">
-  <p:cSld>
-    <p:spTree>
-      <p:nvGrpSpPr>
-        <p:cNvPr id="1" name=""/>
-        <p:cNvGrpSpPr/>
-        <p:nvPr/>
-      </p:nvGrpSpPr>
-      <p:grpSpPr>
-        <a:xfrm>
-          <a:off x="0" y="0"/>
-          <a:ext cx="0" cy="0"/>
-          <a:chOff x="0" y="0"/>
-          <a:chExt cx="0" cy="0"/>
-        </a:xfrm>
-      </p:grpSpPr>
-      <p:sp>
-        <p:nvSpPr>
-          <p:cNvPr id="3" name="Content Placeholder 2">
-            <a:extLst>
-              <a:ext uri="{FF2B5EF4-FFF2-40B4-BE49-F238E27FC236}">
-                <a16:creationId xmlns:a16="http://schemas.microsoft.com/office/drawing/2014/main" id="{3F7FB8CA-4389-4599-91A4-A888EB8C028C}"/>
-              </a:ext>
-            </a:extLst>
-          </p:cNvPr>
-          <p:cNvSpPr>
-            <a:spLocks noGrp="1"/>
-          </p:cNvSpPr>
-          <p:nvPr>
-            <p:ph idx="1"/>
-          </p:nvPr>
-        </p:nvSpPr>
-        <p:spPr>
-          <a:xfrm>
-            <a:off x="838200" y="1126210"/>
-            <a:ext cx="10515600" cy="5050753"/>
-          </a:xfrm>
-        </p:spPr>
-        <p:txBody>
-          <a:bodyPr>
-            <a:normAutofit/>
-          </a:bodyPr>
-          <a:lstStyle/>
-          <a:p>
-            <a:r>
-              <a:rPr lang="en-US" sz="3200" dirty="0"/>
-              <a:t>The agent following a </a:t>
-            </a:r>
-            <a:r>
-              <a:rPr lang="en-US" sz="3200" b="1" dirty="0"/>
-              <a:t>greedy policy </a:t>
-            </a:r>
-            <a:r>
-              <a:rPr lang="en-US" sz="3200" dirty="0"/>
-              <a:t>maximizes short-term reward</a:t>
-            </a:r>
-          </a:p>
-          <a:p>
-            <a:r>
-              <a:rPr lang="en-US" sz="3200" dirty="0"/>
-              <a:t>But, the greedy policy may not be optimal</a:t>
-            </a:r>
-          </a:p>
-          <a:p>
-            <a:pPr lvl="1"/>
-            <a:r>
-              <a:rPr lang="en-US" sz="3200" dirty="0"/>
-              <a:t>Learning is stochastic</a:t>
-            </a:r>
-          </a:p>
-          <a:p>
-            <a:pPr lvl="1"/>
-            <a:r>
-              <a:rPr lang="en-US" sz="3200" dirty="0"/>
-              <a:t>There is always uncertainty in learned parameters</a:t>
-            </a:r>
-          </a:p>
-          <a:p>
-            <a:pPr lvl="1"/>
-            <a:r>
-              <a:rPr lang="en-US" sz="3200" dirty="0"/>
-              <a:t>May be a better policy</a:t>
-            </a:r>
-          </a:p>
-          <a:p>
-            <a:r>
-              <a:rPr lang="en-US" sz="3200" dirty="0"/>
-              <a:t>Improve policy by mixing </a:t>
-            </a:r>
-            <a:r>
-              <a:rPr lang="en-US" sz="3200" b="1" dirty="0"/>
-              <a:t>greedy exploitation </a:t>
-            </a:r>
-            <a:r>
-              <a:rPr lang="en-US" sz="3200" dirty="0"/>
-              <a:t>with </a:t>
-            </a:r>
-            <a:r>
-              <a:rPr lang="en-US" sz="3200" b="1" dirty="0"/>
-              <a:t>random exploration</a:t>
-            </a:r>
-          </a:p>
-          <a:p>
-            <a:endParaRPr lang="en-US" sz="3200" dirty="0"/>
-          </a:p>
-          <a:p>
-            <a:endParaRPr lang="en-US" sz="3200" b="1" dirty="0"/>
-          </a:p>
-          <a:p>
-            <a:endParaRPr lang="en-US" sz="2800" b="1" dirty="0"/>
-          </a:p>
-          <a:p>
-            <a:endParaRPr lang="en-US" sz="3200" dirty="0"/>
-          </a:p>
-        </p:txBody>
-      </p:sp>
-      <p:sp>
-        <p:nvSpPr>
-          <p:cNvPr id="4" name="Title 1">
-            <a:extLst>
-              <a:ext uri="{FF2B5EF4-FFF2-40B4-BE49-F238E27FC236}">
-                <a16:creationId xmlns:a16="http://schemas.microsoft.com/office/drawing/2014/main" id="{1A9C7AE3-3071-46B9-AAAB-AEB9CC261111}"/>
-              </a:ext>
-            </a:extLst>
-          </p:cNvPr>
-          <p:cNvSpPr>
-            <a:spLocks noGrp="1"/>
-          </p:cNvSpPr>
-          <p:nvPr>
-            <p:ph type="title"/>
-          </p:nvPr>
-        </p:nvSpPr>
-        <p:spPr>
-          <a:xfrm>
-            <a:off x="199359" y="88320"/>
-            <a:ext cx="11512194" cy="803263"/>
-          </a:xfrm>
-        </p:spPr>
-        <p:txBody>
-          <a:bodyPr>
-            <a:normAutofit/>
-          </a:bodyPr>
-          <a:lstStyle/>
-          <a:p>
-            <a:r>
-              <a:rPr lang="en-US" dirty="0"/>
-              <a:t>Exploitation vs. Exploration</a:t>
-            </a:r>
-          </a:p>
-        </p:txBody>
-      </p:sp>
-    </p:spTree>
-    <p:extLst>
-      <p:ext uri="{BB962C8B-B14F-4D97-AF65-F5344CB8AC3E}">
-        <p14:creationId xmlns:p14="http://schemas.microsoft.com/office/powerpoint/2010/main" val="1128293790"/>
-      </p:ext>
-    </p:extLst>
-  </p:cSld>
-  <p:clrMapOvr>
-    <a:masterClrMapping/>
-  </p:clrMapOvr>
-  <p:timing>
-    <p:tnLst>
-      <p:par>
-        <p:cTn id="1" dur="indefinite" restart="never" nodeType="tmRoot">
-          <p:childTnLst>
-            <p:seq concurrent="1" nextAc="seek">
-              <p:cTn id="2" dur="indefinite" nodeType="mainSeq">
-                <p:childTnLst>
-                  <p:par>
-                    <p:cTn id="3" fill="hold">
-                      <p:stCondLst>
-                        <p:cond delay="indefinite"/>
-                      </p:stCondLst>
-                      <p:childTnLst>
-                        <p:par>
-                          <p:cTn id="4" fill="hold">
-                            <p:stCondLst>
-                              <p:cond delay="0"/>
-                            </p:stCondLst>
-                            <p:childTnLst>
-                              <p:par>
-                                <p:cTn id="5" presetID="1" presetClass="entr" presetSubtype="0" fill="hold" grpId="0" nodeType="clickEffect">
-                                  <p:stCondLst>
-                                    <p:cond delay="0"/>
-                                  </p:stCondLst>
-                                  <p:childTnLst>
-                                    <p:set>
-                                      <p:cBhvr>
-                                        <p:cTn id="6" dur="1" fill="hold">
-                                          <p:stCondLst>
-                                            <p:cond delay="0"/>
-                                          </p:stCondLst>
-                                        </p:cTn>
-                                        <p:tgtEl>
-                                          <p:spTgt spid="3">
-                                            <p:txEl>
-                                              <p:pRg st="0" end="0"/>
-                                            </p:txEl>
-                                          </p:spTgt>
-                                        </p:tgtEl>
-                                        <p:attrNameLst>
-                                          <p:attrName>style.visibility</p:attrName>
-                                        </p:attrNameLst>
-                                      </p:cBhvr>
-                                      <p:to>
-                                        <p:strVal val="visible"/>
-                                      </p:to>
-                                    </p:set>
-                                  </p:childTnLst>
-                                </p:cTn>
-                              </p:par>
-                            </p:childTnLst>
-                          </p:cTn>
-                        </p:par>
-                      </p:childTnLst>
-                    </p:cTn>
-                  </p:par>
-                  <p:par>
-                    <p:cTn id="7" fill="hold">
-                      <p:stCondLst>
-                        <p:cond delay="indefinite"/>
-                      </p:stCondLst>
-                      <p:childTnLst>
-                        <p:par>
-                          <p:cTn id="8" fill="hold">
-                            <p:stCondLst>
-                              <p:cond delay="0"/>
-                            </p:stCondLst>
-                            <p:childTnLst>
-                              <p:par>
-                                <p:cTn id="9" presetID="1" presetClass="entr" presetSubtype="0" fill="hold" grpId="0" nodeType="clickEffect">
-                                  <p:stCondLst>
-                                    <p:cond delay="0"/>
-                                  </p:stCondLst>
-                                  <p:childTnLst>
-                                    <p:set>
-                                      <p:cBhvr>
-                                        <p:cTn id="10" dur="1" fill="hold">
-                                          <p:stCondLst>
-                                            <p:cond delay="0"/>
-                                          </p:stCondLst>
-                                        </p:cTn>
-                                        <p:tgtEl>
-                                          <p:spTgt spid="3">
-                                            <p:txEl>
-                                              <p:pRg st="1" end="1"/>
-                                            </p:txEl>
-                                          </p:spTgt>
-                                        </p:tgtEl>
-                                        <p:attrNameLst>
-                                          <p:attrName>style.visibility</p:attrName>
-                                        </p:attrNameLst>
-                                      </p:cBhvr>
-                                      <p:to>
-                                        <p:strVal val="visible"/>
-                                      </p:to>
-                                    </p:set>
-                                  </p:childTnLst>
-                                </p:cTn>
-                              </p:par>
-                            </p:childTnLst>
-                          </p:cTn>
-                        </p:par>
-                      </p:childTnLst>
-                    </p:cTn>
-                  </p:par>
-                  <p:par>
-                    <p:cTn id="11" fill="hold">
-                      <p:stCondLst>
-                        <p:cond delay="indefinite"/>
-                      </p:stCondLst>
-                      <p:childTnLst>
-                        <p:par>
-                          <p:cTn id="12" fill="hold">
-                            <p:stCondLst>
-                              <p:cond delay="0"/>
-                            </p:stCondLst>
-                            <p:childTnLst>
-                              <p:par>
-                                <p:cTn id="13" presetID="1" presetClass="entr" presetSubtype="0" fill="hold" grpId="0" nodeType="clickEffect">
-                                  <p:stCondLst>
-                                    <p:cond delay="0"/>
-                                  </p:stCondLst>
-                                  <p:childTnLst>
-                                    <p:set>
-                                      <p:cBhvr>
-                                        <p:cTn id="14" dur="1" fill="hold">
-                                          <p:stCondLst>
-                                            <p:cond delay="0"/>
-                                          </p:stCondLst>
-                                        </p:cTn>
-                                        <p:tgtEl>
-                                          <p:spTgt spid="3">
-                                            <p:txEl>
-                                              <p:pRg st="2" end="2"/>
-                                            </p:txEl>
-                                          </p:spTgt>
-                                        </p:tgtEl>
-                                        <p:attrNameLst>
-                                          <p:attrName>style.visibility</p:attrName>
-                                        </p:attrNameLst>
-                                      </p:cBhvr>
-                                      <p:to>
-                                        <p:strVal val="visible"/>
-                                      </p:to>
-                                    </p:set>
-                                  </p:childTnLst>
-                                </p:cTn>
-                              </p:par>
-                            </p:childTnLst>
-                          </p:cTn>
-                        </p:par>
-                      </p:childTnLst>
-                    </p:cTn>
-                  </p:par>
-                  <p:par>
-                    <p:cTn id="15" fill="hold">
-                      <p:stCondLst>
-                        <p:cond delay="indefinite"/>
-                      </p:stCondLst>
-                      <p:childTnLst>
-                        <p:par>
-                          <p:cTn id="16" fill="hold">
-                            <p:stCondLst>
-                              <p:cond delay="0"/>
-                            </p:stCondLst>
-                            <p:childTnLst>
-                              <p:par>
-                                <p:cTn id="17" presetID="1" presetClass="entr" presetSubtype="0" fill="hold" grpId="0" nodeType="clickEffect">
-                                  <p:stCondLst>
-                                    <p:cond delay="0"/>
-                                  </p:stCondLst>
-                                  <p:childTnLst>
-                                    <p:set>
-                                      <p:cBhvr>
-                                        <p:cTn id="18" dur="1" fill="hold">
-                                          <p:stCondLst>
-                                            <p:cond delay="0"/>
-                                          </p:stCondLst>
-                                        </p:cTn>
-                                        <p:tgtEl>
-                                          <p:spTgt spid="3">
-                                            <p:txEl>
-                                              <p:pRg st="3" end="3"/>
-                                            </p:txEl>
-                                          </p:spTgt>
-                                        </p:tgtEl>
-                                        <p:attrNameLst>
-                                          <p:attrName>style.visibility</p:attrName>
-                                        </p:attrNameLst>
-                                      </p:cBhvr>
-                                      <p:to>
-                                        <p:strVal val="visible"/>
-                                      </p:to>
-                                    </p:set>
-                                  </p:childTnLst>
-                                </p:cTn>
-                              </p:par>
-                            </p:childTnLst>
-                          </p:cTn>
-                        </p:par>
-                      </p:childTnLst>
-                    </p:cTn>
-                  </p:par>
-                  <p:par>
-                    <p:cTn id="19" fill="hold">
-                      <p:stCondLst>
-                        <p:cond delay="indefinite"/>
-                      </p:stCondLst>
-                      <p:childTnLst>
-                        <p:par>
-                          <p:cTn id="20" fill="hold">
-                            <p:stCondLst>
-                              <p:cond delay="0"/>
-                            </p:stCondLst>
-                            <p:childTnLst>
-                              <p:par>
-                                <p:cTn id="21" presetID="1" presetClass="entr" presetSubtype="0" fill="hold" grpId="0" nodeType="clickEffect">
-                                  <p:stCondLst>
-                                    <p:cond delay="0"/>
-                                  </p:stCondLst>
-                                  <p:childTnLst>
-                                    <p:set>
-                                      <p:cBhvr>
-                                        <p:cTn id="22" dur="1" fill="hold">
-                                          <p:stCondLst>
-                                            <p:cond delay="0"/>
-                                          </p:stCondLst>
-                                        </p:cTn>
-                                        <p:tgtEl>
-                                          <p:spTgt spid="3">
-                                            <p:txEl>
-                                              <p:pRg st="4" end="4"/>
-                                            </p:txEl>
-                                          </p:spTgt>
-                                        </p:tgtEl>
-                                        <p:attrNameLst>
-                                          <p:attrName>style.visibility</p:attrName>
-                                        </p:attrNameLst>
-                                      </p:cBhvr>
-                                      <p:to>
-                                        <p:strVal val="visible"/>
-                                      </p:to>
-                                    </p:set>
-                                  </p:childTnLst>
-                                </p:cTn>
-                              </p:par>
-                            </p:childTnLst>
-                          </p:cTn>
-                        </p:par>
-                      </p:childTnLst>
-                    </p:cTn>
-                  </p:par>
-                  <p:par>
-                    <p:cTn id="23" fill="hold">
-                      <p:stCondLst>
-                        <p:cond delay="indefinite"/>
-                      </p:stCondLst>
-                      <p:childTnLst>
-                        <p:par>
-                          <p:cTn id="24" fill="hold">
-                            <p:stCondLst>
-                              <p:cond delay="0"/>
-                            </p:stCondLst>
-                            <p:childTnLst>
-                              <p:par>
-                                <p:cTn id="25" presetID="1" presetClass="entr" presetSubtype="0" fill="hold" grpId="0" nodeType="clickEffect">
-                                  <p:stCondLst>
-                                    <p:cond delay="0"/>
-                                  </p:stCondLst>
-                                  <p:childTnLst>
-                                    <p:set>
-                                      <p:cBhvr>
-                                        <p:cTn id="26" dur="1" fill="hold">
-                                          <p:stCondLst>
-                                            <p:cond delay="0"/>
-                                          </p:stCondLst>
-                                        </p:cTn>
-                                        <p:tgtEl>
-                                          <p:spTgt spid="3">
-                                            <p:txEl>
-                                              <p:pRg st="5" end="5"/>
-                                            </p:txEl>
-                                          </p:spTgt>
-                                        </p:tgtEl>
-                                        <p:attrNameLst>
-                                          <p:attrName>style.visibility</p:attrName>
-                                        </p:attrNameLst>
-                                      </p:cBhvr>
-                                      <p:to>
-                                        <p:strVal val="visible"/>
-                                      </p:to>
-                                    </p:set>
-                                  </p:childTnLst>
-                                </p:cTn>
-                              </p:par>
-                            </p:childTnLst>
-                          </p:cTn>
-                        </p:par>
-                      </p:childTnLst>
-                    </p:cTn>
-                  </p:par>
-                </p:childTnLst>
-              </p:cTn>
-              <p:prevCondLst>
-                <p:cond evt="onPrev" delay="0">
-                  <p:tgtEl>
-                    <p:sldTgt/>
-                  </p:tgtEl>
-                </p:cond>
-              </p:prevCondLst>
-              <p:nextCondLst>
-                <p:cond evt="onNext" delay="0">
-                  <p:tgtEl>
-                    <p:sldTgt/>
-                  </p:tgtEl>
-                </p:cond>
-              </p:nextCondLst>
-            </p:seq>
-          </p:childTnLst>
-        </p:cTn>
-      </p:par>
-    </p:tnLst>
-    <p:bldLst>
-      <p:bldP spid="3" grpId="0" uiExpand="1" build="p"/>
-    </p:bldLst>
-  </p:timing>
-</p:sld>
-</file>
-
-<file path=ppt/slides/slide23.xml><?xml version="1.0" encoding="utf-8"?>
-<p:sld xmlns:a="http://schemas.openxmlformats.org/drawingml/2006/main" xmlns:r="http://schemas.openxmlformats.org/officeDocument/2006/relationships" xmlns:p="http://schemas.openxmlformats.org/presentationml/2006/main">
-  <p:cSld>
-    <p:spTree>
-      <p:nvGrpSpPr>
-        <p:cNvPr id="1" name=""/>
-        <p:cNvGrpSpPr/>
-        <p:nvPr/>
-      </p:nvGrpSpPr>
-      <p:grpSpPr>
-        <a:xfrm>
-          <a:off x="0" y="0"/>
-          <a:ext cx="0" cy="0"/>
-          <a:chOff x="0" y="0"/>
-          <a:chExt cx="0" cy="0"/>
-        </a:xfrm>
-      </p:grpSpPr>
-      <p:sp>
-        <p:nvSpPr>
-          <p:cNvPr id="3" name="Content Placeholder 2">
-            <a:extLst>
-              <a:ext uri="{FF2B5EF4-FFF2-40B4-BE49-F238E27FC236}">
-                <a16:creationId xmlns:a16="http://schemas.microsoft.com/office/drawing/2014/main" id="{3F7FB8CA-4389-4599-91A4-A888EB8C028C}"/>
-              </a:ext>
-            </a:extLst>
-          </p:cNvPr>
-          <p:cNvSpPr>
-            <a:spLocks noGrp="1"/>
-          </p:cNvSpPr>
-          <p:nvPr>
-            <p:ph idx="1"/>
-          </p:nvPr>
-        </p:nvSpPr>
-        <p:spPr>
-          <a:xfrm>
-            <a:off x="838199" y="1126210"/>
-            <a:ext cx="10811359" cy="5253926"/>
-          </a:xfrm>
-        </p:spPr>
-        <p:txBody>
-          <a:bodyPr>
-            <a:normAutofit/>
-          </a:bodyPr>
-          <a:lstStyle/>
-          <a:p>
-            <a:r>
-              <a:rPr lang="en-US" sz="3200" dirty="0"/>
-              <a:t>A </a:t>
-            </a:r>
-            <a:r>
-              <a:rPr lang="en-US" sz="3200" b="1" dirty="0"/>
-              <a:t>greedy policy </a:t>
-            </a:r>
-            <a:r>
-              <a:rPr lang="en-US" sz="3200" dirty="0"/>
-              <a:t>never improves once set</a:t>
-            </a:r>
-          </a:p>
-          <a:p>
-            <a:r>
-              <a:rPr lang="en-US" sz="3200" dirty="0"/>
-              <a:t>Must mix </a:t>
-            </a:r>
-            <a:r>
-              <a:rPr lang="en-US" sz="3200" b="1" dirty="0"/>
-              <a:t>exploitation </a:t>
-            </a:r>
-            <a:r>
-              <a:rPr lang="en-US" sz="3200" dirty="0"/>
-              <a:t>with</a:t>
-            </a:r>
-            <a:r>
-              <a:rPr lang="en-US" sz="3200" b="1" dirty="0"/>
-              <a:t> exploration</a:t>
-            </a:r>
-            <a:endParaRPr lang="en-US" sz="3200" dirty="0"/>
-          </a:p>
-          <a:p>
-            <a:pPr lvl="1"/>
-            <a:r>
-              <a:rPr lang="en-US" sz="3200" dirty="0"/>
-              <a:t>At each step determine if exploit with greedy policy or explore</a:t>
-            </a:r>
-          </a:p>
-          <a:p>
-            <a:pPr lvl="1"/>
-            <a:r>
-              <a:rPr lang="en-US" sz="3200" dirty="0"/>
-              <a:t>Explore with </a:t>
-            </a:r>
-            <a:r>
-              <a:rPr lang="en-US" sz="3200" b="1" dirty="0"/>
-              <a:t>probability </a:t>
-            </a:r>
-            <a:r>
-              <a:rPr lang="en-US" sz="3200" b="1" dirty="0">
-                <a:latin typeface="Symbol" panose="05050102010706020507" pitchFamily="18" charset="2"/>
-              </a:rPr>
-              <a:t>e</a:t>
-            </a:r>
-            <a:r>
-              <a:rPr lang="en-US" sz="3200" dirty="0"/>
-              <a:t>; e.g. take a </a:t>
-            </a:r>
-            <a:r>
-              <a:rPr lang="en-US" sz="3200" b="1" dirty="0"/>
-              <a:t>random action</a:t>
-            </a:r>
-          </a:p>
-          <a:p>
-            <a:pPr lvl="1"/>
-            <a:r>
-              <a:rPr lang="en-US" sz="3200" dirty="0"/>
-              <a:t>Exploit with </a:t>
-            </a:r>
-            <a:r>
-              <a:rPr lang="en-US" sz="3200"/>
-              <a:t>greedy policy with </a:t>
-            </a:r>
-            <a:r>
-              <a:rPr lang="en-US" sz="3200" b="1" dirty="0"/>
-              <a:t>probability </a:t>
-            </a:r>
-            <a:r>
-              <a:rPr lang="en-US" sz="3200" dirty="0"/>
-              <a:t>(1 - </a:t>
-            </a:r>
-            <a:r>
-              <a:rPr lang="en-US" sz="3200" dirty="0">
-                <a:latin typeface="Symbol" panose="05050102010706020507" pitchFamily="18" charset="2"/>
-              </a:rPr>
-              <a:t>e</a:t>
-            </a:r>
-            <a:r>
-              <a:rPr lang="en-US" sz="3200" dirty="0"/>
-              <a:t>)</a:t>
-            </a:r>
-          </a:p>
-          <a:p>
-            <a:r>
-              <a:rPr lang="en-US" sz="3200" dirty="0"/>
-              <a:t>Result is an </a:t>
-            </a:r>
-            <a:r>
-              <a:rPr lang="en-US" sz="3200" b="1" dirty="0">
-                <a:latin typeface="Symbol" panose="05050102010706020507" pitchFamily="18" charset="2"/>
-              </a:rPr>
-              <a:t>e</a:t>
-            </a:r>
-            <a:r>
-              <a:rPr lang="en-US" sz="3200" b="1" dirty="0"/>
-              <a:t>-greedy policy</a:t>
-            </a:r>
-          </a:p>
-          <a:p>
-            <a:pPr lvl="1"/>
-            <a:r>
-              <a:rPr lang="en-US" sz="3200" b="1" dirty="0">
-                <a:latin typeface="Symbol" panose="05050102010706020507" pitchFamily="18" charset="2"/>
-              </a:rPr>
-              <a:t>e</a:t>
-            </a:r>
-            <a:r>
-              <a:rPr lang="en-US" sz="3200" dirty="0"/>
-              <a:t> is small number; 0.05, 0.01, 0.001…..</a:t>
-            </a:r>
-          </a:p>
-          <a:p>
-            <a:pPr lvl="1"/>
-            <a:r>
-              <a:rPr lang="en-US" sz="3200" dirty="0"/>
-              <a:t>Decrease </a:t>
-            </a:r>
-            <a:r>
-              <a:rPr lang="en-US" sz="3200" b="1" dirty="0">
-                <a:latin typeface="Symbol" panose="05050102010706020507" pitchFamily="18" charset="2"/>
-              </a:rPr>
-              <a:t>e</a:t>
-            </a:r>
-            <a:r>
-              <a:rPr lang="en-US" sz="3200" dirty="0"/>
-              <a:t> as learning progresses: policy becomes greedier</a:t>
-            </a:r>
-          </a:p>
-          <a:p>
-            <a:pPr lvl="1"/>
-            <a:endParaRPr lang="en-US" sz="2800" b="1" dirty="0"/>
-          </a:p>
-          <a:p>
-            <a:endParaRPr lang="en-US" sz="3200" dirty="0"/>
-          </a:p>
-          <a:p>
-            <a:endParaRPr lang="en-US" sz="3200" b="1" dirty="0"/>
-          </a:p>
-          <a:p>
-            <a:endParaRPr lang="en-US" sz="2800" b="1" dirty="0"/>
-          </a:p>
-          <a:p>
-            <a:endParaRPr lang="en-US" sz="3200" dirty="0"/>
-          </a:p>
-        </p:txBody>
-      </p:sp>
-      <p:sp>
-        <p:nvSpPr>
-          <p:cNvPr id="4" name="Title 1">
-            <a:extLst>
-              <a:ext uri="{FF2B5EF4-FFF2-40B4-BE49-F238E27FC236}">
-                <a16:creationId xmlns:a16="http://schemas.microsoft.com/office/drawing/2014/main" id="{1A9C7AE3-3071-46B9-AAAB-AEB9CC261111}"/>
-              </a:ext>
-            </a:extLst>
-          </p:cNvPr>
-          <p:cNvSpPr>
-            <a:spLocks noGrp="1"/>
-          </p:cNvSpPr>
-          <p:nvPr>
-            <p:ph type="title"/>
-          </p:nvPr>
-        </p:nvSpPr>
-        <p:spPr>
-          <a:xfrm>
-            <a:off x="199358" y="88320"/>
-            <a:ext cx="11584519" cy="803263"/>
-          </a:xfrm>
-        </p:spPr>
-        <p:txBody>
-          <a:bodyPr>
-            <a:normAutofit/>
-          </a:bodyPr>
-          <a:lstStyle/>
-          <a:p>
-            <a:r>
-              <a:rPr lang="en-US" dirty="0"/>
-              <a:t>Exploitation vs. Exploration</a:t>
-            </a:r>
-          </a:p>
-        </p:txBody>
-      </p:sp>
-    </p:spTree>
-    <p:extLst>
-      <p:ext uri="{BB962C8B-B14F-4D97-AF65-F5344CB8AC3E}">
-        <p14:creationId xmlns:p14="http://schemas.microsoft.com/office/powerpoint/2010/main" val="2770539997"/>
       </p:ext>
     </p:extLst>
   </p:cSld>
@@ -30736,55 +31366,6 @@
                       </p:childTnLst>
                     </p:cTn>
                   </p:par>
-                  <p:par>
-                    <p:cTn id="31" fill="hold">
-                      <p:stCondLst>
-                        <p:cond delay="indefinite"/>
-                      </p:stCondLst>
-                      <p:childTnLst>
-                        <p:par>
-                          <p:cTn id="32" fill="hold">
-                            <p:stCondLst>
-                              <p:cond delay="0"/>
-                            </p:stCondLst>
-                            <p:childTnLst>
-                              <p:par>
-                                <p:cTn id="33" presetID="1" presetClass="entr" presetSubtype="0" fill="hold" grpId="0" nodeType="clickEffect">
-                                  <p:stCondLst>
-                                    <p:cond delay="0"/>
-                                  </p:stCondLst>
-                                  <p:childTnLst>
-                                    <p:set>
-                                      <p:cBhvr>
-                                        <p:cTn id="34" dur="1" fill="hold">
-                                          <p:stCondLst>
-                                            <p:cond delay="0"/>
-                                          </p:stCondLst>
-                                        </p:cTn>
-                                        <p:tgtEl>
-                                          <p:spTgt spid="3">
-                                            <p:txEl>
-                                              <p:pRg st="7" end="7"/>
-                                            </p:txEl>
-                                          </p:spTgt>
-                                        </p:tgtEl>
-                                        <p:attrNameLst>
-                                          <p:attrName>style.visibility</p:attrName>
-                                        </p:attrNameLst>
-                                      </p:cBhvr>
-                                      <p:to>
-                                        <p:strVal val="visible"/>
-                                      </p:to>
-                                    </p:set>
-                                  </p:childTnLst>
-                                </p:cTn>
-                              </p:par>
-                            </p:childTnLst>
-                          </p:cTn>
-                        </p:par>
-                      </p:childTnLst>
-                    </p:cTn>
-                  </p:par>
                 </p:childTnLst>
               </p:cTn>
               <p:prevCondLst>
@@ -30813,7 +31394,7 @@
 </p:sld>
 </file>
 
-<file path=ppt/slides/slide24.xml><?xml version="1.0" encoding="utf-8"?>
+<file path=ppt/slides/slide25.xml><?xml version="1.0" encoding="utf-8"?>
 <p:sld xmlns:a="http://schemas.openxmlformats.org/drawingml/2006/main" xmlns:r="http://schemas.openxmlformats.org/officeDocument/2006/relationships" xmlns:p="http://schemas.openxmlformats.org/presentationml/2006/main">
   <p:cSld>
     <p:spTree>
@@ -31568,7 +32149,7 @@
 </p:sld>
 </file>
 
-<file path=ppt/slides/slide25.xml><?xml version="1.0" encoding="utf-8"?>
+<file path=ppt/slides/slide26.xml><?xml version="1.0" encoding="utf-8"?>
 <p:sld xmlns:a="http://schemas.openxmlformats.org/drawingml/2006/main" xmlns:r="http://schemas.openxmlformats.org/officeDocument/2006/relationships" xmlns:p="http://schemas.openxmlformats.org/presentationml/2006/main">
   <p:cSld>
     <p:spTree>
@@ -32116,7 +32697,7 @@
 </p:sld>
 </file>
 
-<file path=ppt/slides/slide26.xml><?xml version="1.0" encoding="utf-8"?>
+<file path=ppt/slides/slide27.xml><?xml version="1.0" encoding="utf-8"?>
 <p:sld xmlns:a="http://schemas.openxmlformats.org/drawingml/2006/main" xmlns:r="http://schemas.openxmlformats.org/officeDocument/2006/relationships" xmlns:p="http://schemas.openxmlformats.org/presentationml/2006/main">
   <p:cSld>
     <p:spTree>
@@ -32729,7 +33310,7 @@
 </p:sld>
 </file>
 
-<file path=ppt/slides/slide27.xml><?xml version="1.0" encoding="utf-8"?>
+<file path=ppt/slides/slide28.xml><?xml version="1.0" encoding="utf-8"?>
 <p:sld xmlns:a="http://schemas.openxmlformats.org/drawingml/2006/main" xmlns:r="http://schemas.openxmlformats.org/officeDocument/2006/relationships" xmlns:p="http://schemas.openxmlformats.org/presentationml/2006/main">
   <p:cSld>
     <p:spTree>
@@ -32792,7 +33373,7 @@
 </p:sld>
 </file>
 
-<file path=ppt/slides/slide28.xml><?xml version="1.0" encoding="utf-8"?>
+<file path=ppt/slides/slide29.xml><?xml version="1.0" encoding="utf-8"?>
 <p:sld xmlns:a="http://schemas.openxmlformats.org/drawingml/2006/main" xmlns:r="http://schemas.openxmlformats.org/officeDocument/2006/relationships" xmlns:p="http://schemas.openxmlformats.org/presentationml/2006/main">
   <p:cSld>
     <p:spTree>
@@ -33300,649 +33881,6 @@
                                           <p:spTgt spid="3">
                                             <p:txEl>
                                               <p:pRg st="6" end="6"/>
-                                            </p:txEl>
-                                          </p:spTgt>
-                                        </p:tgtEl>
-                                        <p:attrNameLst>
-                                          <p:attrName>style.visibility</p:attrName>
-                                        </p:attrNameLst>
-                                      </p:cBhvr>
-                                      <p:to>
-                                        <p:strVal val="visible"/>
-                                      </p:to>
-                                    </p:set>
-                                  </p:childTnLst>
-                                </p:cTn>
-                              </p:par>
-                            </p:childTnLst>
-                          </p:cTn>
-                        </p:par>
-                      </p:childTnLst>
-                    </p:cTn>
-                  </p:par>
-                </p:childTnLst>
-              </p:cTn>
-              <p:prevCondLst>
-                <p:cond evt="onPrev" delay="0">
-                  <p:tgtEl>
-                    <p:sldTgt/>
-                  </p:tgtEl>
-                </p:cond>
-              </p:prevCondLst>
-              <p:nextCondLst>
-                <p:cond evt="onNext" delay="0">
-                  <p:tgtEl>
-                    <p:sldTgt/>
-                  </p:tgtEl>
-                </p:cond>
-              </p:nextCondLst>
-            </p:seq>
-          </p:childTnLst>
-        </p:cTn>
-      </p:par>
-    </p:tnLst>
-    <p:bldLst>
-      <p:bldP spid="3" grpId="0" uiExpand="1" build="p"/>
-    </p:bldLst>
-  </p:timing>
-</p:sld>
-</file>
-
-<file path=ppt/slides/slide29.xml><?xml version="1.0" encoding="utf-8"?>
-<p:sld xmlns:a="http://schemas.openxmlformats.org/drawingml/2006/main" xmlns:r="http://schemas.openxmlformats.org/officeDocument/2006/relationships" xmlns:p="http://schemas.openxmlformats.org/presentationml/2006/main">
-  <p:cSld>
-    <p:spTree>
-      <p:nvGrpSpPr>
-        <p:cNvPr id="1" name=""/>
-        <p:cNvGrpSpPr/>
-        <p:nvPr/>
-      </p:nvGrpSpPr>
-      <p:grpSpPr>
-        <a:xfrm>
-          <a:off x="0" y="0"/>
-          <a:ext cx="0" cy="0"/>
-          <a:chOff x="0" y="0"/>
-          <a:chExt cx="0" cy="0"/>
-        </a:xfrm>
-      </p:grpSpPr>
-      <p:sp>
-        <p:nvSpPr>
-          <p:cNvPr id="2" name="Title 1">
-            <a:extLst>
-              <a:ext uri="{FF2B5EF4-FFF2-40B4-BE49-F238E27FC236}">
-                <a16:creationId xmlns:a16="http://schemas.microsoft.com/office/drawing/2014/main" id="{C7A645F9-014E-4519-A0EE-0B270D9EB1FF}"/>
-              </a:ext>
-            </a:extLst>
-          </p:cNvPr>
-          <p:cNvSpPr>
-            <a:spLocks noGrp="1"/>
-          </p:cNvSpPr>
-          <p:nvPr>
-            <p:ph type="title"/>
-          </p:nvPr>
-        </p:nvSpPr>
-        <p:spPr>
-          <a:xfrm>
-            <a:off x="531845" y="233266"/>
-            <a:ext cx="10982131" cy="550506"/>
-          </a:xfrm>
-        </p:spPr>
-        <p:txBody>
-          <a:bodyPr>
-            <a:normAutofit fontScale="90000"/>
-          </a:bodyPr>
-          <a:lstStyle/>
-          <a:p>
-            <a:r>
-              <a:rPr lang="en-US" dirty="0"/>
-              <a:t>Monte Carlo Policy Improvement - Control</a:t>
-            </a:r>
-          </a:p>
-        </p:txBody>
-      </p:sp>
-      <p:sp>
-        <p:nvSpPr>
-          <p:cNvPr id="3" name="Content Placeholder 2">
-            <a:extLst>
-              <a:ext uri="{FF2B5EF4-FFF2-40B4-BE49-F238E27FC236}">
-                <a16:creationId xmlns:a16="http://schemas.microsoft.com/office/drawing/2014/main" id="{C916C44F-02FF-4582-85EB-432A63E4097C}"/>
-              </a:ext>
-            </a:extLst>
-          </p:cNvPr>
-          <p:cNvSpPr>
-            <a:spLocks noGrp="1"/>
-          </p:cNvSpPr>
-          <p:nvPr>
-            <p:ph idx="1"/>
-          </p:nvPr>
-        </p:nvSpPr>
-        <p:spPr>
-          <a:xfrm>
-            <a:off x="838200" y="934720"/>
-            <a:ext cx="10515600" cy="5730240"/>
-          </a:xfrm>
-        </p:spPr>
-        <p:txBody>
-          <a:bodyPr>
-            <a:normAutofit/>
-          </a:bodyPr>
-          <a:lstStyle/>
-          <a:p>
-            <a:r>
-              <a:rPr lang="en-US" dirty="0"/>
-              <a:t>Update policy with </a:t>
-            </a:r>
-            <a:r>
-              <a:rPr lang="en-US" dirty="0">
-                <a:latin typeface="Symbol" panose="05050102010706020507" pitchFamily="18" charset="2"/>
-              </a:rPr>
-              <a:t>e</a:t>
-            </a:r>
-            <a:r>
-              <a:rPr lang="en-US" dirty="0"/>
-              <a:t>-greedy improvement to find improved policy </a:t>
-            </a:r>
-            <a:r>
-              <a:rPr lang="en-US" dirty="0">
-                <a:latin typeface="Symbol" panose="05050102010706020507" pitchFamily="18" charset="2"/>
-              </a:rPr>
-              <a:t>p</a:t>
-            </a:r>
-            <a:r>
-              <a:rPr lang="en-US" i="1" baseline="-25000" dirty="0"/>
-              <a:t>k</a:t>
-            </a:r>
-            <a:r>
-              <a:rPr lang="en-US" baseline="-25000" dirty="0"/>
-              <a:t>+1 </a:t>
-            </a:r>
-            <a:r>
-              <a:rPr lang="en-US" dirty="0"/>
-              <a:t>at </a:t>
-            </a:r>
-            <a:r>
-              <a:rPr lang="en-US" i="1" dirty="0"/>
-              <a:t>k</a:t>
-            </a:r>
-            <a:r>
-              <a:rPr lang="en-US" dirty="0"/>
-              <a:t>th step of algorithm</a:t>
-            </a:r>
-          </a:p>
-          <a:p>
-            <a:endParaRPr lang="en-US" dirty="0"/>
-          </a:p>
-          <a:p>
-            <a:endParaRPr lang="en-US" dirty="0"/>
-          </a:p>
-          <a:p>
-            <a:endParaRPr lang="en-US" dirty="0"/>
-          </a:p>
-          <a:p>
-            <a:endParaRPr lang="en-US" dirty="0"/>
-          </a:p>
-          <a:p>
-            <a:pPr marL="0" indent="0">
-              <a:buNone/>
-            </a:pPr>
-            <a:endParaRPr lang="en-US" dirty="0"/>
-          </a:p>
-          <a:p>
-            <a:r>
-              <a:rPr lang="en-US" dirty="0"/>
-              <a:t>Iterate until convergence – small change in policy evaluation</a:t>
-            </a:r>
-          </a:p>
-          <a:p>
-            <a:r>
-              <a:rPr lang="en-US" dirty="0"/>
-              <a:t>Result is an </a:t>
-            </a:r>
-            <a:r>
-              <a:rPr lang="en-US" b="1" dirty="0">
-                <a:latin typeface="Symbol" panose="05050102010706020507" pitchFamily="18" charset="2"/>
-              </a:rPr>
-              <a:t>e</a:t>
-            </a:r>
-            <a:r>
-              <a:rPr lang="en-US" b="1" dirty="0"/>
-              <a:t>-greedy policy</a:t>
-            </a:r>
-          </a:p>
-          <a:p>
-            <a:pPr lvl="1"/>
-            <a:r>
-              <a:rPr lang="en-US" sz="2800" b="1" dirty="0">
-                <a:latin typeface="Symbol" panose="05050102010706020507" pitchFamily="18" charset="2"/>
-              </a:rPr>
-              <a:t>e</a:t>
-            </a:r>
-            <a:r>
-              <a:rPr lang="en-US" sz="2800" dirty="0"/>
-              <a:t> is small number; 0.05, 0.01, 0.001…..</a:t>
-            </a:r>
-          </a:p>
-          <a:p>
-            <a:pPr lvl="1"/>
-            <a:r>
-              <a:rPr lang="en-US" sz="2800" dirty="0"/>
-              <a:t>Decrease </a:t>
-            </a:r>
-            <a:r>
-              <a:rPr lang="en-US" sz="2800" b="1" dirty="0">
-                <a:latin typeface="Symbol" panose="05050102010706020507" pitchFamily="18" charset="2"/>
-              </a:rPr>
-              <a:t>e</a:t>
-            </a:r>
-            <a:r>
-              <a:rPr lang="en-US" sz="2800" dirty="0"/>
-              <a:t> as learning progresses: policy becomes greedier</a:t>
-            </a:r>
-          </a:p>
-          <a:p>
-            <a:endParaRPr lang="en-US" dirty="0"/>
-          </a:p>
-          <a:p>
-            <a:endParaRPr lang="en-US" dirty="0"/>
-          </a:p>
-          <a:p>
-            <a:endParaRPr lang="en-US" dirty="0"/>
-          </a:p>
-        </p:txBody>
-      </p:sp>
-      <p:pic>
-        <p:nvPicPr>
-          <p:cNvPr id="6" name="Picture 5">
-            <a:extLst>
-              <a:ext uri="{FF2B5EF4-FFF2-40B4-BE49-F238E27FC236}">
-                <a16:creationId xmlns:a16="http://schemas.microsoft.com/office/drawing/2014/main" id="{7B249EF9-BAB7-42A9-93D3-612879B5BEB4}"/>
-              </a:ext>
-            </a:extLst>
-          </p:cNvPr>
-          <p:cNvPicPr>
-            <a:picLocks noChangeAspect="1"/>
-          </p:cNvPicPr>
-          <p:nvPr/>
-        </p:nvPicPr>
-        <p:blipFill>
-          <a:blip r:embed="rId2"/>
-          <a:stretch>
-            <a:fillRect/>
-          </a:stretch>
-        </p:blipFill>
-        <p:spPr>
-          <a:xfrm>
-            <a:off x="1277432" y="2100558"/>
-            <a:ext cx="6997884" cy="810282"/>
-          </a:xfrm>
-          <a:prstGeom prst="rect">
-            <a:avLst/>
-          </a:prstGeom>
-        </p:spPr>
-      </p:pic>
-      <p:pic>
-        <p:nvPicPr>
-          <p:cNvPr id="7" name="Picture 6">
-            <a:extLst>
-              <a:ext uri="{FF2B5EF4-FFF2-40B4-BE49-F238E27FC236}">
-                <a16:creationId xmlns:a16="http://schemas.microsoft.com/office/drawing/2014/main" id="{3464F27D-226A-43DE-915B-49DA3CC3467B}"/>
-              </a:ext>
-            </a:extLst>
-          </p:cNvPr>
-          <p:cNvPicPr>
-            <a:picLocks noChangeAspect="1"/>
-          </p:cNvPicPr>
-          <p:nvPr/>
-        </p:nvPicPr>
-        <p:blipFill>
-          <a:blip r:embed="rId3"/>
-          <a:stretch>
-            <a:fillRect/>
-          </a:stretch>
-        </p:blipFill>
-        <p:spPr>
-          <a:xfrm>
-            <a:off x="2747520" y="3200373"/>
-            <a:ext cx="4602606" cy="975387"/>
-          </a:xfrm>
-          <a:prstGeom prst="rect">
-            <a:avLst/>
-          </a:prstGeom>
-        </p:spPr>
-      </p:pic>
-    </p:spTree>
-    <p:extLst>
-      <p:ext uri="{BB962C8B-B14F-4D97-AF65-F5344CB8AC3E}">
-        <p14:creationId xmlns:p14="http://schemas.microsoft.com/office/powerpoint/2010/main" val="2862733207"/>
-      </p:ext>
-    </p:extLst>
-  </p:cSld>
-  <p:clrMapOvr>
-    <a:masterClrMapping/>
-  </p:clrMapOvr>
-  <p:timing>
-    <p:tnLst>
-      <p:par>
-        <p:cTn id="1" dur="indefinite" restart="never" nodeType="tmRoot">
-          <p:childTnLst>
-            <p:seq concurrent="1" nextAc="seek">
-              <p:cTn id="2" dur="indefinite" nodeType="mainSeq">
-                <p:childTnLst>
-                  <p:par>
-                    <p:cTn id="3" fill="hold">
-                      <p:stCondLst>
-                        <p:cond delay="indefinite"/>
-                      </p:stCondLst>
-                      <p:childTnLst>
-                        <p:par>
-                          <p:cTn id="4" fill="hold">
-                            <p:stCondLst>
-                              <p:cond delay="0"/>
-                            </p:stCondLst>
-                            <p:childTnLst>
-                              <p:par>
-                                <p:cTn id="5" presetID="1" presetClass="entr" presetSubtype="0" fill="hold" grpId="0" nodeType="clickEffect">
-                                  <p:stCondLst>
-                                    <p:cond delay="0"/>
-                                  </p:stCondLst>
-                                  <p:childTnLst>
-                                    <p:set>
-                                      <p:cBhvr>
-                                        <p:cTn id="6" dur="1" fill="hold">
-                                          <p:stCondLst>
-                                            <p:cond delay="0"/>
-                                          </p:stCondLst>
-                                        </p:cTn>
-                                        <p:tgtEl>
-                                          <p:spTgt spid="3">
-                                            <p:txEl>
-                                              <p:pRg st="0" end="0"/>
-                                            </p:txEl>
-                                          </p:spTgt>
-                                        </p:tgtEl>
-                                        <p:attrNameLst>
-                                          <p:attrName>style.visibility</p:attrName>
-                                        </p:attrNameLst>
-                                      </p:cBhvr>
-                                      <p:to>
-                                        <p:strVal val="visible"/>
-                                      </p:to>
-                                    </p:set>
-                                  </p:childTnLst>
-                                </p:cTn>
-                              </p:par>
-                            </p:childTnLst>
-                          </p:cTn>
-                        </p:par>
-                      </p:childTnLst>
-                    </p:cTn>
-                  </p:par>
-                  <p:par>
-                    <p:cTn id="7" fill="hold">
-                      <p:stCondLst>
-                        <p:cond delay="indefinite"/>
-                      </p:stCondLst>
-                      <p:childTnLst>
-                        <p:par>
-                          <p:cTn id="8" fill="hold">
-                            <p:stCondLst>
-                              <p:cond delay="0"/>
-                            </p:stCondLst>
-                            <p:childTnLst>
-                              <p:par>
-                                <p:cTn id="9" presetID="1" presetClass="entr" presetSubtype="0" fill="hold" nodeType="clickEffect">
-                                  <p:stCondLst>
-                                    <p:cond delay="0"/>
-                                  </p:stCondLst>
-                                  <p:childTnLst>
-                                    <p:set>
-                                      <p:cBhvr>
-                                        <p:cTn id="10" dur="1" fill="hold">
-                                          <p:stCondLst>
-                                            <p:cond delay="0"/>
-                                          </p:stCondLst>
-                                        </p:cTn>
-                                        <p:tgtEl>
-                                          <p:spTgt spid="6"/>
-                                        </p:tgtEl>
-                                        <p:attrNameLst>
-                                          <p:attrName>style.visibility</p:attrName>
-                                        </p:attrNameLst>
-                                      </p:cBhvr>
-                                      <p:to>
-                                        <p:strVal val="visible"/>
-                                      </p:to>
-                                    </p:set>
-                                  </p:childTnLst>
-                                </p:cTn>
-                              </p:par>
-                            </p:childTnLst>
-                          </p:cTn>
-                        </p:par>
-                      </p:childTnLst>
-                    </p:cTn>
-                  </p:par>
-                  <p:par>
-                    <p:cTn id="11" fill="hold">
-                      <p:stCondLst>
-                        <p:cond delay="indefinite"/>
-                      </p:stCondLst>
-                      <p:childTnLst>
-                        <p:par>
-                          <p:cTn id="12" fill="hold">
-                            <p:stCondLst>
-                              <p:cond delay="0"/>
-                            </p:stCondLst>
-                            <p:childTnLst>
-                              <p:par>
-                                <p:cTn id="13" presetID="1" presetClass="entr" presetSubtype="0" fill="hold" nodeType="clickEffect">
-                                  <p:stCondLst>
-                                    <p:cond delay="0"/>
-                                  </p:stCondLst>
-                                  <p:childTnLst>
-                                    <p:set>
-                                      <p:cBhvr>
-                                        <p:cTn id="14" dur="1" fill="hold">
-                                          <p:stCondLst>
-                                            <p:cond delay="0"/>
-                                          </p:stCondLst>
-                                        </p:cTn>
-                                        <p:tgtEl>
-                                          <p:spTgt spid="7"/>
-                                        </p:tgtEl>
-                                        <p:attrNameLst>
-                                          <p:attrName>style.visibility</p:attrName>
-                                        </p:attrNameLst>
-                                      </p:cBhvr>
-                                      <p:to>
-                                        <p:strVal val="visible"/>
-                                      </p:to>
-                                    </p:set>
-                                  </p:childTnLst>
-                                </p:cTn>
-                              </p:par>
-                            </p:childTnLst>
-                          </p:cTn>
-                        </p:par>
-                      </p:childTnLst>
-                    </p:cTn>
-                  </p:par>
-                  <p:par>
-                    <p:cTn id="15" fill="hold">
-                      <p:stCondLst>
-                        <p:cond delay="indefinite"/>
-                      </p:stCondLst>
-                      <p:childTnLst>
-                        <p:par>
-                          <p:cTn id="16" fill="hold">
-                            <p:stCondLst>
-                              <p:cond delay="0"/>
-                            </p:stCondLst>
-                            <p:childTnLst>
-                              <p:par>
-                                <p:cTn id="17" presetID="1" presetClass="entr" presetSubtype="0" fill="hold" grpId="0" nodeType="clickEffect">
-                                  <p:stCondLst>
-                                    <p:cond delay="0"/>
-                                  </p:stCondLst>
-                                  <p:childTnLst>
-                                    <p:set>
-                                      <p:cBhvr>
-                                        <p:cTn id="18" dur="1" fill="hold">
-                                          <p:stCondLst>
-                                            <p:cond delay="0"/>
-                                          </p:stCondLst>
-                                        </p:cTn>
-                                        <p:tgtEl>
-                                          <p:spTgt spid="3">
-                                            <p:txEl>
-                                              <p:pRg st="6" end="6"/>
-                                            </p:txEl>
-                                          </p:spTgt>
-                                        </p:tgtEl>
-                                        <p:attrNameLst>
-                                          <p:attrName>style.visibility</p:attrName>
-                                        </p:attrNameLst>
-                                      </p:cBhvr>
-                                      <p:to>
-                                        <p:strVal val="visible"/>
-                                      </p:to>
-                                    </p:set>
-                                  </p:childTnLst>
-                                </p:cTn>
-                              </p:par>
-                            </p:childTnLst>
-                          </p:cTn>
-                        </p:par>
-                      </p:childTnLst>
-                    </p:cTn>
-                  </p:par>
-                  <p:par>
-                    <p:cTn id="19" fill="hold">
-                      <p:stCondLst>
-                        <p:cond delay="indefinite"/>
-                      </p:stCondLst>
-                      <p:childTnLst>
-                        <p:par>
-                          <p:cTn id="20" fill="hold">
-                            <p:stCondLst>
-                              <p:cond delay="0"/>
-                            </p:stCondLst>
-                            <p:childTnLst>
-                              <p:par>
-                                <p:cTn id="21" presetID="1" presetClass="entr" presetSubtype="0" fill="hold" grpId="0" nodeType="clickEffect">
-                                  <p:stCondLst>
-                                    <p:cond delay="0"/>
-                                  </p:stCondLst>
-                                  <p:childTnLst>
-                                    <p:set>
-                                      <p:cBhvr>
-                                        <p:cTn id="22" dur="1" fill="hold">
-                                          <p:stCondLst>
-                                            <p:cond delay="0"/>
-                                          </p:stCondLst>
-                                        </p:cTn>
-                                        <p:tgtEl>
-                                          <p:spTgt spid="3">
-                                            <p:txEl>
-                                              <p:pRg st="7" end="7"/>
-                                            </p:txEl>
-                                          </p:spTgt>
-                                        </p:tgtEl>
-                                        <p:attrNameLst>
-                                          <p:attrName>style.visibility</p:attrName>
-                                        </p:attrNameLst>
-                                      </p:cBhvr>
-                                      <p:to>
-                                        <p:strVal val="visible"/>
-                                      </p:to>
-                                    </p:set>
-                                  </p:childTnLst>
-                                </p:cTn>
-                              </p:par>
-                            </p:childTnLst>
-                          </p:cTn>
-                        </p:par>
-                      </p:childTnLst>
-                    </p:cTn>
-                  </p:par>
-                  <p:par>
-                    <p:cTn id="23" fill="hold">
-                      <p:stCondLst>
-                        <p:cond delay="indefinite"/>
-                      </p:stCondLst>
-                      <p:childTnLst>
-                        <p:par>
-                          <p:cTn id="24" fill="hold">
-                            <p:stCondLst>
-                              <p:cond delay="0"/>
-                            </p:stCondLst>
-                            <p:childTnLst>
-                              <p:par>
-                                <p:cTn id="25" presetID="1" presetClass="entr" presetSubtype="0" fill="hold" grpId="0" nodeType="clickEffect">
-                                  <p:stCondLst>
-                                    <p:cond delay="0"/>
-                                  </p:stCondLst>
-                                  <p:childTnLst>
-                                    <p:set>
-                                      <p:cBhvr>
-                                        <p:cTn id="26" dur="1" fill="hold">
-                                          <p:stCondLst>
-                                            <p:cond delay="0"/>
-                                          </p:stCondLst>
-                                        </p:cTn>
-                                        <p:tgtEl>
-                                          <p:spTgt spid="3">
-                                            <p:txEl>
-                                              <p:pRg st="8" end="8"/>
-                                            </p:txEl>
-                                          </p:spTgt>
-                                        </p:tgtEl>
-                                        <p:attrNameLst>
-                                          <p:attrName>style.visibility</p:attrName>
-                                        </p:attrNameLst>
-                                      </p:cBhvr>
-                                      <p:to>
-                                        <p:strVal val="visible"/>
-                                      </p:to>
-                                    </p:set>
-                                  </p:childTnLst>
-                                </p:cTn>
-                              </p:par>
-                            </p:childTnLst>
-                          </p:cTn>
-                        </p:par>
-                      </p:childTnLst>
-                    </p:cTn>
-                  </p:par>
-                  <p:par>
-                    <p:cTn id="27" fill="hold">
-                      <p:stCondLst>
-                        <p:cond delay="indefinite"/>
-                      </p:stCondLst>
-                      <p:childTnLst>
-                        <p:par>
-                          <p:cTn id="28" fill="hold">
-                            <p:stCondLst>
-                              <p:cond delay="0"/>
-                            </p:stCondLst>
-                            <p:childTnLst>
-                              <p:par>
-                                <p:cTn id="29" presetID="1" presetClass="entr" presetSubtype="0" fill="hold" grpId="0" nodeType="clickEffect">
-                                  <p:stCondLst>
-                                    <p:cond delay="0"/>
-                                  </p:stCondLst>
-                                  <p:childTnLst>
-                                    <p:set>
-                                      <p:cBhvr>
-                                        <p:cTn id="30" dur="1" fill="hold">
-                                          <p:stCondLst>
-                                            <p:cond delay="0"/>
-                                          </p:stCondLst>
-                                        </p:cTn>
-                                        <p:tgtEl>
-                                          <p:spTgt spid="3">
-                                            <p:txEl>
-                                              <p:pRg st="9" end="9"/>
                                             </p:txEl>
                                           </p:spTgt>
                                         </p:tgtEl>
@@ -34676,6 +34614,1324 @@
         </p:cTn>
       </p:par>
     </p:tnLst>
+  </p:timing>
+</p:sld>
+</file>
+
+<file path=ppt/slides/slide30.xml><?xml version="1.0" encoding="utf-8"?>
+<p:sld xmlns:a="http://schemas.openxmlformats.org/drawingml/2006/main" xmlns:r="http://schemas.openxmlformats.org/officeDocument/2006/relationships" xmlns:p="http://schemas.openxmlformats.org/presentationml/2006/main">
+  <p:cSld>
+    <p:spTree>
+      <p:nvGrpSpPr>
+        <p:cNvPr id="1" name=""/>
+        <p:cNvGrpSpPr/>
+        <p:nvPr/>
+      </p:nvGrpSpPr>
+      <p:grpSpPr>
+        <a:xfrm>
+          <a:off x="0" y="0"/>
+          <a:ext cx="0" cy="0"/>
+          <a:chOff x="0" y="0"/>
+          <a:chExt cx="0" cy="0"/>
+        </a:xfrm>
+      </p:grpSpPr>
+      <p:sp>
+        <p:nvSpPr>
+          <p:cNvPr id="3" name="Content Placeholder 2">
+            <a:extLst>
+              <a:ext uri="{FF2B5EF4-FFF2-40B4-BE49-F238E27FC236}">
+                <a16:creationId xmlns:a16="http://schemas.microsoft.com/office/drawing/2014/main" id="{3F7FB8CA-4389-4599-91A4-A888EB8C028C}"/>
+              </a:ext>
+            </a:extLst>
+          </p:cNvPr>
+          <p:cNvSpPr>
+            <a:spLocks noGrp="1"/>
+          </p:cNvSpPr>
+          <p:nvPr>
+            <p:ph idx="1"/>
+          </p:nvPr>
+        </p:nvSpPr>
+        <p:spPr>
+          <a:xfrm>
+            <a:off x="838199" y="1126210"/>
+            <a:ext cx="10811359" cy="5253926"/>
+          </a:xfrm>
+        </p:spPr>
+        <p:txBody>
+          <a:bodyPr>
+            <a:normAutofit/>
+          </a:bodyPr>
+          <a:lstStyle/>
+          <a:p>
+            <a:r>
+              <a:rPr lang="en-US" sz="3200" dirty="0"/>
+              <a:t>A </a:t>
+            </a:r>
+            <a:r>
+              <a:rPr lang="en-US" sz="3200" b="1" dirty="0"/>
+              <a:t>greedy policy </a:t>
+            </a:r>
+            <a:r>
+              <a:rPr lang="en-US" sz="3200" dirty="0"/>
+              <a:t>never improves once set</a:t>
+            </a:r>
+          </a:p>
+          <a:p>
+            <a:r>
+              <a:rPr lang="en-US" sz="3200" dirty="0"/>
+              <a:t>Must mix </a:t>
+            </a:r>
+            <a:r>
+              <a:rPr lang="en-US" sz="3200" b="1" dirty="0"/>
+              <a:t>exploitation </a:t>
+            </a:r>
+            <a:r>
+              <a:rPr lang="en-US" sz="3200" dirty="0"/>
+              <a:t>with</a:t>
+            </a:r>
+            <a:r>
+              <a:rPr lang="en-US" sz="3200" b="1" dirty="0"/>
+              <a:t> exploration</a:t>
+            </a:r>
+            <a:endParaRPr lang="en-US" sz="3200" dirty="0"/>
+          </a:p>
+          <a:p>
+            <a:pPr lvl="1"/>
+            <a:r>
+              <a:rPr lang="en-US" sz="3200" dirty="0"/>
+              <a:t>At each step determine if exploit with greedy policy or explore</a:t>
+            </a:r>
+          </a:p>
+          <a:p>
+            <a:pPr lvl="1"/>
+            <a:r>
+              <a:rPr lang="en-US" sz="3200" dirty="0"/>
+              <a:t>Explore with </a:t>
+            </a:r>
+            <a:r>
+              <a:rPr lang="en-US" sz="3200" b="1" dirty="0"/>
+              <a:t>probability </a:t>
+            </a:r>
+            <a:r>
+              <a:rPr lang="en-US" sz="3200" b="1" dirty="0">
+                <a:latin typeface="Symbol" panose="05050102010706020507" pitchFamily="18" charset="2"/>
+              </a:rPr>
+              <a:t>e</a:t>
+            </a:r>
+            <a:r>
+              <a:rPr lang="en-US" sz="3200" dirty="0"/>
+              <a:t>; e.g. take a </a:t>
+            </a:r>
+            <a:r>
+              <a:rPr lang="en-US" sz="3200" b="1" dirty="0"/>
+              <a:t>random action</a:t>
+            </a:r>
+          </a:p>
+          <a:p>
+            <a:pPr lvl="1"/>
+            <a:r>
+              <a:rPr lang="en-US" sz="3200" dirty="0"/>
+              <a:t>Exploit with </a:t>
+            </a:r>
+            <a:r>
+              <a:rPr lang="en-US" sz="3200"/>
+              <a:t>greedy policy with </a:t>
+            </a:r>
+            <a:r>
+              <a:rPr lang="en-US" sz="3200" b="1" dirty="0"/>
+              <a:t>probability </a:t>
+            </a:r>
+            <a:r>
+              <a:rPr lang="en-US" sz="3200" dirty="0"/>
+              <a:t>(1 - </a:t>
+            </a:r>
+            <a:r>
+              <a:rPr lang="en-US" sz="3200" dirty="0">
+                <a:latin typeface="Symbol" panose="05050102010706020507" pitchFamily="18" charset="2"/>
+              </a:rPr>
+              <a:t>e</a:t>
+            </a:r>
+            <a:r>
+              <a:rPr lang="en-US" sz="3200" dirty="0"/>
+              <a:t>)</a:t>
+            </a:r>
+          </a:p>
+          <a:p>
+            <a:r>
+              <a:rPr lang="en-US" sz="3200" dirty="0"/>
+              <a:t>Result is an </a:t>
+            </a:r>
+            <a:r>
+              <a:rPr lang="en-US" sz="3200" b="1" dirty="0">
+                <a:latin typeface="Symbol" panose="05050102010706020507" pitchFamily="18" charset="2"/>
+              </a:rPr>
+              <a:t>e</a:t>
+            </a:r>
+            <a:r>
+              <a:rPr lang="en-US" sz="3200" b="1" dirty="0"/>
+              <a:t>-greedy policy</a:t>
+            </a:r>
+          </a:p>
+          <a:p>
+            <a:pPr lvl="1"/>
+            <a:r>
+              <a:rPr lang="en-US" sz="3200" b="1" dirty="0">
+                <a:latin typeface="Symbol" panose="05050102010706020507" pitchFamily="18" charset="2"/>
+              </a:rPr>
+              <a:t>e</a:t>
+            </a:r>
+            <a:r>
+              <a:rPr lang="en-US" sz="3200" dirty="0"/>
+              <a:t> is small number; 0.05, 0.01, 0.001…..</a:t>
+            </a:r>
+          </a:p>
+          <a:p>
+            <a:pPr lvl="1"/>
+            <a:r>
+              <a:rPr lang="en-US" sz="3200" dirty="0"/>
+              <a:t>Decrease </a:t>
+            </a:r>
+            <a:r>
+              <a:rPr lang="en-US" sz="3200" b="1" dirty="0">
+                <a:latin typeface="Symbol" panose="05050102010706020507" pitchFamily="18" charset="2"/>
+              </a:rPr>
+              <a:t>e</a:t>
+            </a:r>
+            <a:r>
+              <a:rPr lang="en-US" sz="3200" dirty="0"/>
+              <a:t> as learning progresses: policy becomes greedier</a:t>
+            </a:r>
+          </a:p>
+          <a:p>
+            <a:pPr lvl="1"/>
+            <a:endParaRPr lang="en-US" sz="2800" b="1" dirty="0"/>
+          </a:p>
+          <a:p>
+            <a:endParaRPr lang="en-US" sz="3200" dirty="0"/>
+          </a:p>
+          <a:p>
+            <a:endParaRPr lang="en-US" sz="3200" b="1" dirty="0"/>
+          </a:p>
+          <a:p>
+            <a:endParaRPr lang="en-US" sz="2800" b="1" dirty="0"/>
+          </a:p>
+          <a:p>
+            <a:endParaRPr lang="en-US" sz="3200" dirty="0"/>
+          </a:p>
+        </p:txBody>
+      </p:sp>
+      <p:sp>
+        <p:nvSpPr>
+          <p:cNvPr id="4" name="Title 1">
+            <a:extLst>
+              <a:ext uri="{FF2B5EF4-FFF2-40B4-BE49-F238E27FC236}">
+                <a16:creationId xmlns:a16="http://schemas.microsoft.com/office/drawing/2014/main" id="{1A9C7AE3-3071-46B9-AAAB-AEB9CC261111}"/>
+              </a:ext>
+            </a:extLst>
+          </p:cNvPr>
+          <p:cNvSpPr>
+            <a:spLocks noGrp="1"/>
+          </p:cNvSpPr>
+          <p:nvPr>
+            <p:ph type="title"/>
+          </p:nvPr>
+        </p:nvSpPr>
+        <p:spPr>
+          <a:xfrm>
+            <a:off x="199358" y="88320"/>
+            <a:ext cx="11584519" cy="803263"/>
+          </a:xfrm>
+        </p:spPr>
+        <p:txBody>
+          <a:bodyPr>
+            <a:normAutofit/>
+          </a:bodyPr>
+          <a:lstStyle/>
+          <a:p>
+            <a:r>
+              <a:rPr lang="en-US" dirty="0"/>
+              <a:t>Exploitation vs. Exploration</a:t>
+            </a:r>
+          </a:p>
+        </p:txBody>
+      </p:sp>
+    </p:spTree>
+    <p:extLst>
+      <p:ext uri="{BB962C8B-B14F-4D97-AF65-F5344CB8AC3E}">
+        <p14:creationId xmlns:p14="http://schemas.microsoft.com/office/powerpoint/2010/main" val="3233473798"/>
+      </p:ext>
+    </p:extLst>
+  </p:cSld>
+  <p:clrMapOvr>
+    <a:masterClrMapping/>
+  </p:clrMapOvr>
+  <p:timing>
+    <p:tnLst>
+      <p:par>
+        <p:cTn id="1" dur="indefinite" restart="never" nodeType="tmRoot">
+          <p:childTnLst>
+            <p:seq concurrent="1" nextAc="seek">
+              <p:cTn id="2" dur="indefinite" nodeType="mainSeq">
+                <p:childTnLst>
+                  <p:par>
+                    <p:cTn id="3" fill="hold">
+                      <p:stCondLst>
+                        <p:cond delay="indefinite"/>
+                      </p:stCondLst>
+                      <p:childTnLst>
+                        <p:par>
+                          <p:cTn id="4" fill="hold">
+                            <p:stCondLst>
+                              <p:cond delay="0"/>
+                            </p:stCondLst>
+                            <p:childTnLst>
+                              <p:par>
+                                <p:cTn id="5" presetID="1" presetClass="entr" presetSubtype="0" fill="hold" grpId="0" nodeType="clickEffect">
+                                  <p:stCondLst>
+                                    <p:cond delay="0"/>
+                                  </p:stCondLst>
+                                  <p:childTnLst>
+                                    <p:set>
+                                      <p:cBhvr>
+                                        <p:cTn id="6" dur="1" fill="hold">
+                                          <p:stCondLst>
+                                            <p:cond delay="0"/>
+                                          </p:stCondLst>
+                                        </p:cTn>
+                                        <p:tgtEl>
+                                          <p:spTgt spid="3">
+                                            <p:txEl>
+                                              <p:pRg st="0" end="0"/>
+                                            </p:txEl>
+                                          </p:spTgt>
+                                        </p:tgtEl>
+                                        <p:attrNameLst>
+                                          <p:attrName>style.visibility</p:attrName>
+                                        </p:attrNameLst>
+                                      </p:cBhvr>
+                                      <p:to>
+                                        <p:strVal val="visible"/>
+                                      </p:to>
+                                    </p:set>
+                                  </p:childTnLst>
+                                </p:cTn>
+                              </p:par>
+                            </p:childTnLst>
+                          </p:cTn>
+                        </p:par>
+                      </p:childTnLst>
+                    </p:cTn>
+                  </p:par>
+                  <p:par>
+                    <p:cTn id="7" fill="hold">
+                      <p:stCondLst>
+                        <p:cond delay="indefinite"/>
+                      </p:stCondLst>
+                      <p:childTnLst>
+                        <p:par>
+                          <p:cTn id="8" fill="hold">
+                            <p:stCondLst>
+                              <p:cond delay="0"/>
+                            </p:stCondLst>
+                            <p:childTnLst>
+                              <p:par>
+                                <p:cTn id="9" presetID="1" presetClass="entr" presetSubtype="0" fill="hold" grpId="0" nodeType="clickEffect">
+                                  <p:stCondLst>
+                                    <p:cond delay="0"/>
+                                  </p:stCondLst>
+                                  <p:childTnLst>
+                                    <p:set>
+                                      <p:cBhvr>
+                                        <p:cTn id="10" dur="1" fill="hold">
+                                          <p:stCondLst>
+                                            <p:cond delay="0"/>
+                                          </p:stCondLst>
+                                        </p:cTn>
+                                        <p:tgtEl>
+                                          <p:spTgt spid="3">
+                                            <p:txEl>
+                                              <p:pRg st="1" end="1"/>
+                                            </p:txEl>
+                                          </p:spTgt>
+                                        </p:tgtEl>
+                                        <p:attrNameLst>
+                                          <p:attrName>style.visibility</p:attrName>
+                                        </p:attrNameLst>
+                                      </p:cBhvr>
+                                      <p:to>
+                                        <p:strVal val="visible"/>
+                                      </p:to>
+                                    </p:set>
+                                  </p:childTnLst>
+                                </p:cTn>
+                              </p:par>
+                            </p:childTnLst>
+                          </p:cTn>
+                        </p:par>
+                      </p:childTnLst>
+                    </p:cTn>
+                  </p:par>
+                  <p:par>
+                    <p:cTn id="11" fill="hold">
+                      <p:stCondLst>
+                        <p:cond delay="indefinite"/>
+                      </p:stCondLst>
+                      <p:childTnLst>
+                        <p:par>
+                          <p:cTn id="12" fill="hold">
+                            <p:stCondLst>
+                              <p:cond delay="0"/>
+                            </p:stCondLst>
+                            <p:childTnLst>
+                              <p:par>
+                                <p:cTn id="13" presetID="1" presetClass="entr" presetSubtype="0" fill="hold" grpId="0" nodeType="clickEffect">
+                                  <p:stCondLst>
+                                    <p:cond delay="0"/>
+                                  </p:stCondLst>
+                                  <p:childTnLst>
+                                    <p:set>
+                                      <p:cBhvr>
+                                        <p:cTn id="14" dur="1" fill="hold">
+                                          <p:stCondLst>
+                                            <p:cond delay="0"/>
+                                          </p:stCondLst>
+                                        </p:cTn>
+                                        <p:tgtEl>
+                                          <p:spTgt spid="3">
+                                            <p:txEl>
+                                              <p:pRg st="2" end="2"/>
+                                            </p:txEl>
+                                          </p:spTgt>
+                                        </p:tgtEl>
+                                        <p:attrNameLst>
+                                          <p:attrName>style.visibility</p:attrName>
+                                        </p:attrNameLst>
+                                      </p:cBhvr>
+                                      <p:to>
+                                        <p:strVal val="visible"/>
+                                      </p:to>
+                                    </p:set>
+                                  </p:childTnLst>
+                                </p:cTn>
+                              </p:par>
+                            </p:childTnLst>
+                          </p:cTn>
+                        </p:par>
+                      </p:childTnLst>
+                    </p:cTn>
+                  </p:par>
+                  <p:par>
+                    <p:cTn id="15" fill="hold">
+                      <p:stCondLst>
+                        <p:cond delay="indefinite"/>
+                      </p:stCondLst>
+                      <p:childTnLst>
+                        <p:par>
+                          <p:cTn id="16" fill="hold">
+                            <p:stCondLst>
+                              <p:cond delay="0"/>
+                            </p:stCondLst>
+                            <p:childTnLst>
+                              <p:par>
+                                <p:cTn id="17" presetID="1" presetClass="entr" presetSubtype="0" fill="hold" grpId="0" nodeType="clickEffect">
+                                  <p:stCondLst>
+                                    <p:cond delay="0"/>
+                                  </p:stCondLst>
+                                  <p:childTnLst>
+                                    <p:set>
+                                      <p:cBhvr>
+                                        <p:cTn id="18" dur="1" fill="hold">
+                                          <p:stCondLst>
+                                            <p:cond delay="0"/>
+                                          </p:stCondLst>
+                                        </p:cTn>
+                                        <p:tgtEl>
+                                          <p:spTgt spid="3">
+                                            <p:txEl>
+                                              <p:pRg st="3" end="3"/>
+                                            </p:txEl>
+                                          </p:spTgt>
+                                        </p:tgtEl>
+                                        <p:attrNameLst>
+                                          <p:attrName>style.visibility</p:attrName>
+                                        </p:attrNameLst>
+                                      </p:cBhvr>
+                                      <p:to>
+                                        <p:strVal val="visible"/>
+                                      </p:to>
+                                    </p:set>
+                                  </p:childTnLst>
+                                </p:cTn>
+                              </p:par>
+                            </p:childTnLst>
+                          </p:cTn>
+                        </p:par>
+                      </p:childTnLst>
+                    </p:cTn>
+                  </p:par>
+                  <p:par>
+                    <p:cTn id="19" fill="hold">
+                      <p:stCondLst>
+                        <p:cond delay="indefinite"/>
+                      </p:stCondLst>
+                      <p:childTnLst>
+                        <p:par>
+                          <p:cTn id="20" fill="hold">
+                            <p:stCondLst>
+                              <p:cond delay="0"/>
+                            </p:stCondLst>
+                            <p:childTnLst>
+                              <p:par>
+                                <p:cTn id="21" presetID="1" presetClass="entr" presetSubtype="0" fill="hold" grpId="0" nodeType="clickEffect">
+                                  <p:stCondLst>
+                                    <p:cond delay="0"/>
+                                  </p:stCondLst>
+                                  <p:childTnLst>
+                                    <p:set>
+                                      <p:cBhvr>
+                                        <p:cTn id="22" dur="1" fill="hold">
+                                          <p:stCondLst>
+                                            <p:cond delay="0"/>
+                                          </p:stCondLst>
+                                        </p:cTn>
+                                        <p:tgtEl>
+                                          <p:spTgt spid="3">
+                                            <p:txEl>
+                                              <p:pRg st="4" end="4"/>
+                                            </p:txEl>
+                                          </p:spTgt>
+                                        </p:tgtEl>
+                                        <p:attrNameLst>
+                                          <p:attrName>style.visibility</p:attrName>
+                                        </p:attrNameLst>
+                                      </p:cBhvr>
+                                      <p:to>
+                                        <p:strVal val="visible"/>
+                                      </p:to>
+                                    </p:set>
+                                  </p:childTnLst>
+                                </p:cTn>
+                              </p:par>
+                            </p:childTnLst>
+                          </p:cTn>
+                        </p:par>
+                      </p:childTnLst>
+                    </p:cTn>
+                  </p:par>
+                  <p:par>
+                    <p:cTn id="23" fill="hold">
+                      <p:stCondLst>
+                        <p:cond delay="indefinite"/>
+                      </p:stCondLst>
+                      <p:childTnLst>
+                        <p:par>
+                          <p:cTn id="24" fill="hold">
+                            <p:stCondLst>
+                              <p:cond delay="0"/>
+                            </p:stCondLst>
+                            <p:childTnLst>
+                              <p:par>
+                                <p:cTn id="25" presetID="1" presetClass="entr" presetSubtype="0" fill="hold" grpId="0" nodeType="clickEffect">
+                                  <p:stCondLst>
+                                    <p:cond delay="0"/>
+                                  </p:stCondLst>
+                                  <p:childTnLst>
+                                    <p:set>
+                                      <p:cBhvr>
+                                        <p:cTn id="26" dur="1" fill="hold">
+                                          <p:stCondLst>
+                                            <p:cond delay="0"/>
+                                          </p:stCondLst>
+                                        </p:cTn>
+                                        <p:tgtEl>
+                                          <p:spTgt spid="3">
+                                            <p:txEl>
+                                              <p:pRg st="5" end="5"/>
+                                            </p:txEl>
+                                          </p:spTgt>
+                                        </p:tgtEl>
+                                        <p:attrNameLst>
+                                          <p:attrName>style.visibility</p:attrName>
+                                        </p:attrNameLst>
+                                      </p:cBhvr>
+                                      <p:to>
+                                        <p:strVal val="visible"/>
+                                      </p:to>
+                                    </p:set>
+                                  </p:childTnLst>
+                                </p:cTn>
+                              </p:par>
+                            </p:childTnLst>
+                          </p:cTn>
+                        </p:par>
+                      </p:childTnLst>
+                    </p:cTn>
+                  </p:par>
+                  <p:par>
+                    <p:cTn id="27" fill="hold">
+                      <p:stCondLst>
+                        <p:cond delay="indefinite"/>
+                      </p:stCondLst>
+                      <p:childTnLst>
+                        <p:par>
+                          <p:cTn id="28" fill="hold">
+                            <p:stCondLst>
+                              <p:cond delay="0"/>
+                            </p:stCondLst>
+                            <p:childTnLst>
+                              <p:par>
+                                <p:cTn id="29" presetID="1" presetClass="entr" presetSubtype="0" fill="hold" grpId="0" nodeType="clickEffect">
+                                  <p:stCondLst>
+                                    <p:cond delay="0"/>
+                                  </p:stCondLst>
+                                  <p:childTnLst>
+                                    <p:set>
+                                      <p:cBhvr>
+                                        <p:cTn id="30" dur="1" fill="hold">
+                                          <p:stCondLst>
+                                            <p:cond delay="0"/>
+                                          </p:stCondLst>
+                                        </p:cTn>
+                                        <p:tgtEl>
+                                          <p:spTgt spid="3">
+                                            <p:txEl>
+                                              <p:pRg st="6" end="6"/>
+                                            </p:txEl>
+                                          </p:spTgt>
+                                        </p:tgtEl>
+                                        <p:attrNameLst>
+                                          <p:attrName>style.visibility</p:attrName>
+                                        </p:attrNameLst>
+                                      </p:cBhvr>
+                                      <p:to>
+                                        <p:strVal val="visible"/>
+                                      </p:to>
+                                    </p:set>
+                                  </p:childTnLst>
+                                </p:cTn>
+                              </p:par>
+                            </p:childTnLst>
+                          </p:cTn>
+                        </p:par>
+                      </p:childTnLst>
+                    </p:cTn>
+                  </p:par>
+                  <p:par>
+                    <p:cTn id="31" fill="hold">
+                      <p:stCondLst>
+                        <p:cond delay="indefinite"/>
+                      </p:stCondLst>
+                      <p:childTnLst>
+                        <p:par>
+                          <p:cTn id="32" fill="hold">
+                            <p:stCondLst>
+                              <p:cond delay="0"/>
+                            </p:stCondLst>
+                            <p:childTnLst>
+                              <p:par>
+                                <p:cTn id="33" presetID="1" presetClass="entr" presetSubtype="0" fill="hold" grpId="0" nodeType="clickEffect">
+                                  <p:stCondLst>
+                                    <p:cond delay="0"/>
+                                  </p:stCondLst>
+                                  <p:childTnLst>
+                                    <p:set>
+                                      <p:cBhvr>
+                                        <p:cTn id="34" dur="1" fill="hold">
+                                          <p:stCondLst>
+                                            <p:cond delay="0"/>
+                                          </p:stCondLst>
+                                        </p:cTn>
+                                        <p:tgtEl>
+                                          <p:spTgt spid="3">
+                                            <p:txEl>
+                                              <p:pRg st="7" end="7"/>
+                                            </p:txEl>
+                                          </p:spTgt>
+                                        </p:tgtEl>
+                                        <p:attrNameLst>
+                                          <p:attrName>style.visibility</p:attrName>
+                                        </p:attrNameLst>
+                                      </p:cBhvr>
+                                      <p:to>
+                                        <p:strVal val="visible"/>
+                                      </p:to>
+                                    </p:set>
+                                  </p:childTnLst>
+                                </p:cTn>
+                              </p:par>
+                            </p:childTnLst>
+                          </p:cTn>
+                        </p:par>
+                      </p:childTnLst>
+                    </p:cTn>
+                  </p:par>
+                </p:childTnLst>
+              </p:cTn>
+              <p:prevCondLst>
+                <p:cond evt="onPrev" delay="0">
+                  <p:tgtEl>
+                    <p:sldTgt/>
+                  </p:tgtEl>
+                </p:cond>
+              </p:prevCondLst>
+              <p:nextCondLst>
+                <p:cond evt="onNext" delay="0">
+                  <p:tgtEl>
+                    <p:sldTgt/>
+                  </p:tgtEl>
+                </p:cond>
+              </p:nextCondLst>
+            </p:seq>
+          </p:childTnLst>
+        </p:cTn>
+      </p:par>
+    </p:tnLst>
+    <p:bldLst>
+      <p:bldP spid="3" grpId="0" uiExpand="1" build="p"/>
+    </p:bldLst>
+  </p:timing>
+</p:sld>
+</file>
+
+<file path=ppt/slides/slide31.xml><?xml version="1.0" encoding="utf-8"?>
+<p:sld xmlns:a="http://schemas.openxmlformats.org/drawingml/2006/main" xmlns:r="http://schemas.openxmlformats.org/officeDocument/2006/relationships" xmlns:p="http://schemas.openxmlformats.org/presentationml/2006/main">
+  <p:cSld>
+    <p:spTree>
+      <p:nvGrpSpPr>
+        <p:cNvPr id="1" name=""/>
+        <p:cNvGrpSpPr/>
+        <p:nvPr/>
+      </p:nvGrpSpPr>
+      <p:grpSpPr>
+        <a:xfrm>
+          <a:off x="0" y="0"/>
+          <a:ext cx="0" cy="0"/>
+          <a:chOff x="0" y="0"/>
+          <a:chExt cx="0" cy="0"/>
+        </a:xfrm>
+      </p:grpSpPr>
+      <p:sp>
+        <p:nvSpPr>
+          <p:cNvPr id="2" name="Title 1">
+            <a:extLst>
+              <a:ext uri="{FF2B5EF4-FFF2-40B4-BE49-F238E27FC236}">
+                <a16:creationId xmlns:a16="http://schemas.microsoft.com/office/drawing/2014/main" id="{C7A645F9-014E-4519-A0EE-0B270D9EB1FF}"/>
+              </a:ext>
+            </a:extLst>
+          </p:cNvPr>
+          <p:cNvSpPr>
+            <a:spLocks noGrp="1"/>
+          </p:cNvSpPr>
+          <p:nvPr>
+            <p:ph type="title"/>
+          </p:nvPr>
+        </p:nvSpPr>
+        <p:spPr>
+          <a:xfrm>
+            <a:off x="531845" y="233266"/>
+            <a:ext cx="10982131" cy="550506"/>
+          </a:xfrm>
+        </p:spPr>
+        <p:txBody>
+          <a:bodyPr>
+            <a:normAutofit fontScale="90000"/>
+          </a:bodyPr>
+          <a:lstStyle/>
+          <a:p>
+            <a:r>
+              <a:rPr lang="en-US" dirty="0"/>
+              <a:t>Monte Carlo Policy Improvement - Control</a:t>
+            </a:r>
+          </a:p>
+        </p:txBody>
+      </p:sp>
+      <p:sp>
+        <p:nvSpPr>
+          <p:cNvPr id="3" name="Content Placeholder 2">
+            <a:extLst>
+              <a:ext uri="{FF2B5EF4-FFF2-40B4-BE49-F238E27FC236}">
+                <a16:creationId xmlns:a16="http://schemas.microsoft.com/office/drawing/2014/main" id="{C916C44F-02FF-4582-85EB-432A63E4097C}"/>
+              </a:ext>
+            </a:extLst>
+          </p:cNvPr>
+          <p:cNvSpPr>
+            <a:spLocks noGrp="1"/>
+          </p:cNvSpPr>
+          <p:nvPr>
+            <p:ph idx="1"/>
+          </p:nvPr>
+        </p:nvSpPr>
+        <p:spPr>
+          <a:xfrm>
+            <a:off x="838200" y="934720"/>
+            <a:ext cx="10515600" cy="5730240"/>
+          </a:xfrm>
+        </p:spPr>
+        <p:txBody>
+          <a:bodyPr>
+            <a:normAutofit/>
+          </a:bodyPr>
+          <a:lstStyle/>
+          <a:p>
+            <a:r>
+              <a:rPr lang="en-US" dirty="0"/>
+              <a:t>Update policy with </a:t>
+            </a:r>
+            <a:r>
+              <a:rPr lang="en-US" dirty="0">
+                <a:latin typeface="Symbol" panose="05050102010706020507" pitchFamily="18" charset="2"/>
+              </a:rPr>
+              <a:t>e</a:t>
+            </a:r>
+            <a:r>
+              <a:rPr lang="en-US" dirty="0"/>
+              <a:t>-greedy improvement to find improved policy </a:t>
+            </a:r>
+            <a:r>
+              <a:rPr lang="en-US" dirty="0">
+                <a:latin typeface="Symbol" panose="05050102010706020507" pitchFamily="18" charset="2"/>
+              </a:rPr>
+              <a:t>p</a:t>
+            </a:r>
+            <a:r>
+              <a:rPr lang="en-US" i="1" baseline="-25000" dirty="0"/>
+              <a:t>k</a:t>
+            </a:r>
+            <a:r>
+              <a:rPr lang="en-US" baseline="-25000" dirty="0"/>
+              <a:t>+1 </a:t>
+            </a:r>
+            <a:r>
+              <a:rPr lang="en-US" dirty="0"/>
+              <a:t>at </a:t>
+            </a:r>
+            <a:r>
+              <a:rPr lang="en-US" i="1" dirty="0"/>
+              <a:t>k</a:t>
+            </a:r>
+            <a:r>
+              <a:rPr lang="en-US" dirty="0"/>
+              <a:t>th step of algorithm</a:t>
+            </a:r>
+          </a:p>
+          <a:p>
+            <a:endParaRPr lang="en-US" dirty="0"/>
+          </a:p>
+          <a:p>
+            <a:endParaRPr lang="en-US" dirty="0"/>
+          </a:p>
+          <a:p>
+            <a:endParaRPr lang="en-US" dirty="0"/>
+          </a:p>
+          <a:p>
+            <a:endParaRPr lang="en-US" dirty="0"/>
+          </a:p>
+          <a:p>
+            <a:pPr marL="0" indent="0">
+              <a:buNone/>
+            </a:pPr>
+            <a:endParaRPr lang="en-US" dirty="0"/>
+          </a:p>
+          <a:p>
+            <a:r>
+              <a:rPr lang="en-US" dirty="0"/>
+              <a:t>Iterate until convergence – small change in policy evaluation</a:t>
+            </a:r>
+          </a:p>
+          <a:p>
+            <a:r>
+              <a:rPr lang="en-US" dirty="0"/>
+              <a:t>Result is an </a:t>
+            </a:r>
+            <a:r>
+              <a:rPr lang="en-US" b="1" dirty="0">
+                <a:latin typeface="Symbol" panose="05050102010706020507" pitchFamily="18" charset="2"/>
+              </a:rPr>
+              <a:t>e</a:t>
+            </a:r>
+            <a:r>
+              <a:rPr lang="en-US" b="1" dirty="0"/>
+              <a:t>-greedy policy</a:t>
+            </a:r>
+          </a:p>
+          <a:p>
+            <a:pPr lvl="1"/>
+            <a:r>
+              <a:rPr lang="en-US" sz="2800" b="1" dirty="0">
+                <a:latin typeface="Symbol" panose="05050102010706020507" pitchFamily="18" charset="2"/>
+              </a:rPr>
+              <a:t>e</a:t>
+            </a:r>
+            <a:r>
+              <a:rPr lang="en-US" sz="2800" dirty="0"/>
+              <a:t> is small number; 0.05, 0.01, 0.001…..</a:t>
+            </a:r>
+          </a:p>
+          <a:p>
+            <a:pPr lvl="1"/>
+            <a:r>
+              <a:rPr lang="en-US" sz="2800" dirty="0"/>
+              <a:t>Decrease </a:t>
+            </a:r>
+            <a:r>
+              <a:rPr lang="en-US" sz="2800" b="1" dirty="0">
+                <a:latin typeface="Symbol" panose="05050102010706020507" pitchFamily="18" charset="2"/>
+              </a:rPr>
+              <a:t>e</a:t>
+            </a:r>
+            <a:r>
+              <a:rPr lang="en-US" sz="2800" dirty="0"/>
+              <a:t> as learning progresses: policy becomes greedier</a:t>
+            </a:r>
+          </a:p>
+          <a:p>
+            <a:endParaRPr lang="en-US" dirty="0"/>
+          </a:p>
+          <a:p>
+            <a:endParaRPr lang="en-US" dirty="0"/>
+          </a:p>
+          <a:p>
+            <a:endParaRPr lang="en-US" dirty="0"/>
+          </a:p>
+        </p:txBody>
+      </p:sp>
+      <p:pic>
+        <p:nvPicPr>
+          <p:cNvPr id="6" name="Picture 5">
+            <a:extLst>
+              <a:ext uri="{FF2B5EF4-FFF2-40B4-BE49-F238E27FC236}">
+                <a16:creationId xmlns:a16="http://schemas.microsoft.com/office/drawing/2014/main" id="{7B249EF9-BAB7-42A9-93D3-612879B5BEB4}"/>
+              </a:ext>
+            </a:extLst>
+          </p:cNvPr>
+          <p:cNvPicPr>
+            <a:picLocks noChangeAspect="1"/>
+          </p:cNvPicPr>
+          <p:nvPr/>
+        </p:nvPicPr>
+        <p:blipFill>
+          <a:blip r:embed="rId2"/>
+          <a:stretch>
+            <a:fillRect/>
+          </a:stretch>
+        </p:blipFill>
+        <p:spPr>
+          <a:xfrm>
+            <a:off x="1277432" y="2100558"/>
+            <a:ext cx="6997884" cy="810282"/>
+          </a:xfrm>
+          <a:prstGeom prst="rect">
+            <a:avLst/>
+          </a:prstGeom>
+        </p:spPr>
+      </p:pic>
+      <p:pic>
+        <p:nvPicPr>
+          <p:cNvPr id="7" name="Picture 6">
+            <a:extLst>
+              <a:ext uri="{FF2B5EF4-FFF2-40B4-BE49-F238E27FC236}">
+                <a16:creationId xmlns:a16="http://schemas.microsoft.com/office/drawing/2014/main" id="{3464F27D-226A-43DE-915B-49DA3CC3467B}"/>
+              </a:ext>
+            </a:extLst>
+          </p:cNvPr>
+          <p:cNvPicPr>
+            <a:picLocks noChangeAspect="1"/>
+          </p:cNvPicPr>
+          <p:nvPr/>
+        </p:nvPicPr>
+        <p:blipFill>
+          <a:blip r:embed="rId3"/>
+          <a:stretch>
+            <a:fillRect/>
+          </a:stretch>
+        </p:blipFill>
+        <p:spPr>
+          <a:xfrm>
+            <a:off x="2747520" y="3200373"/>
+            <a:ext cx="4602606" cy="975387"/>
+          </a:xfrm>
+          <a:prstGeom prst="rect">
+            <a:avLst/>
+          </a:prstGeom>
+        </p:spPr>
+      </p:pic>
+    </p:spTree>
+    <p:extLst>
+      <p:ext uri="{BB962C8B-B14F-4D97-AF65-F5344CB8AC3E}">
+        <p14:creationId xmlns:p14="http://schemas.microsoft.com/office/powerpoint/2010/main" val="2862733207"/>
+      </p:ext>
+    </p:extLst>
+  </p:cSld>
+  <p:clrMapOvr>
+    <a:masterClrMapping/>
+  </p:clrMapOvr>
+  <p:timing>
+    <p:tnLst>
+      <p:par>
+        <p:cTn id="1" dur="indefinite" restart="never" nodeType="tmRoot">
+          <p:childTnLst>
+            <p:seq concurrent="1" nextAc="seek">
+              <p:cTn id="2" dur="indefinite" nodeType="mainSeq">
+                <p:childTnLst>
+                  <p:par>
+                    <p:cTn id="3" fill="hold">
+                      <p:stCondLst>
+                        <p:cond delay="indefinite"/>
+                      </p:stCondLst>
+                      <p:childTnLst>
+                        <p:par>
+                          <p:cTn id="4" fill="hold">
+                            <p:stCondLst>
+                              <p:cond delay="0"/>
+                            </p:stCondLst>
+                            <p:childTnLst>
+                              <p:par>
+                                <p:cTn id="5" presetID="1" presetClass="entr" presetSubtype="0" fill="hold" grpId="0" nodeType="clickEffect">
+                                  <p:stCondLst>
+                                    <p:cond delay="0"/>
+                                  </p:stCondLst>
+                                  <p:childTnLst>
+                                    <p:set>
+                                      <p:cBhvr>
+                                        <p:cTn id="6" dur="1" fill="hold">
+                                          <p:stCondLst>
+                                            <p:cond delay="0"/>
+                                          </p:stCondLst>
+                                        </p:cTn>
+                                        <p:tgtEl>
+                                          <p:spTgt spid="3">
+                                            <p:txEl>
+                                              <p:pRg st="0" end="0"/>
+                                            </p:txEl>
+                                          </p:spTgt>
+                                        </p:tgtEl>
+                                        <p:attrNameLst>
+                                          <p:attrName>style.visibility</p:attrName>
+                                        </p:attrNameLst>
+                                      </p:cBhvr>
+                                      <p:to>
+                                        <p:strVal val="visible"/>
+                                      </p:to>
+                                    </p:set>
+                                  </p:childTnLst>
+                                </p:cTn>
+                              </p:par>
+                            </p:childTnLst>
+                          </p:cTn>
+                        </p:par>
+                      </p:childTnLst>
+                    </p:cTn>
+                  </p:par>
+                  <p:par>
+                    <p:cTn id="7" fill="hold">
+                      <p:stCondLst>
+                        <p:cond delay="indefinite"/>
+                      </p:stCondLst>
+                      <p:childTnLst>
+                        <p:par>
+                          <p:cTn id="8" fill="hold">
+                            <p:stCondLst>
+                              <p:cond delay="0"/>
+                            </p:stCondLst>
+                            <p:childTnLst>
+                              <p:par>
+                                <p:cTn id="9" presetID="1" presetClass="entr" presetSubtype="0" fill="hold" nodeType="clickEffect">
+                                  <p:stCondLst>
+                                    <p:cond delay="0"/>
+                                  </p:stCondLst>
+                                  <p:childTnLst>
+                                    <p:set>
+                                      <p:cBhvr>
+                                        <p:cTn id="10" dur="1" fill="hold">
+                                          <p:stCondLst>
+                                            <p:cond delay="0"/>
+                                          </p:stCondLst>
+                                        </p:cTn>
+                                        <p:tgtEl>
+                                          <p:spTgt spid="6"/>
+                                        </p:tgtEl>
+                                        <p:attrNameLst>
+                                          <p:attrName>style.visibility</p:attrName>
+                                        </p:attrNameLst>
+                                      </p:cBhvr>
+                                      <p:to>
+                                        <p:strVal val="visible"/>
+                                      </p:to>
+                                    </p:set>
+                                  </p:childTnLst>
+                                </p:cTn>
+                              </p:par>
+                            </p:childTnLst>
+                          </p:cTn>
+                        </p:par>
+                      </p:childTnLst>
+                    </p:cTn>
+                  </p:par>
+                  <p:par>
+                    <p:cTn id="11" fill="hold">
+                      <p:stCondLst>
+                        <p:cond delay="indefinite"/>
+                      </p:stCondLst>
+                      <p:childTnLst>
+                        <p:par>
+                          <p:cTn id="12" fill="hold">
+                            <p:stCondLst>
+                              <p:cond delay="0"/>
+                            </p:stCondLst>
+                            <p:childTnLst>
+                              <p:par>
+                                <p:cTn id="13" presetID="1" presetClass="entr" presetSubtype="0" fill="hold" nodeType="clickEffect">
+                                  <p:stCondLst>
+                                    <p:cond delay="0"/>
+                                  </p:stCondLst>
+                                  <p:childTnLst>
+                                    <p:set>
+                                      <p:cBhvr>
+                                        <p:cTn id="14" dur="1" fill="hold">
+                                          <p:stCondLst>
+                                            <p:cond delay="0"/>
+                                          </p:stCondLst>
+                                        </p:cTn>
+                                        <p:tgtEl>
+                                          <p:spTgt spid="7"/>
+                                        </p:tgtEl>
+                                        <p:attrNameLst>
+                                          <p:attrName>style.visibility</p:attrName>
+                                        </p:attrNameLst>
+                                      </p:cBhvr>
+                                      <p:to>
+                                        <p:strVal val="visible"/>
+                                      </p:to>
+                                    </p:set>
+                                  </p:childTnLst>
+                                </p:cTn>
+                              </p:par>
+                            </p:childTnLst>
+                          </p:cTn>
+                        </p:par>
+                      </p:childTnLst>
+                    </p:cTn>
+                  </p:par>
+                  <p:par>
+                    <p:cTn id="15" fill="hold">
+                      <p:stCondLst>
+                        <p:cond delay="indefinite"/>
+                      </p:stCondLst>
+                      <p:childTnLst>
+                        <p:par>
+                          <p:cTn id="16" fill="hold">
+                            <p:stCondLst>
+                              <p:cond delay="0"/>
+                            </p:stCondLst>
+                            <p:childTnLst>
+                              <p:par>
+                                <p:cTn id="17" presetID="1" presetClass="entr" presetSubtype="0" fill="hold" grpId="0" nodeType="clickEffect">
+                                  <p:stCondLst>
+                                    <p:cond delay="0"/>
+                                  </p:stCondLst>
+                                  <p:childTnLst>
+                                    <p:set>
+                                      <p:cBhvr>
+                                        <p:cTn id="18" dur="1" fill="hold">
+                                          <p:stCondLst>
+                                            <p:cond delay="0"/>
+                                          </p:stCondLst>
+                                        </p:cTn>
+                                        <p:tgtEl>
+                                          <p:spTgt spid="3">
+                                            <p:txEl>
+                                              <p:pRg st="6" end="6"/>
+                                            </p:txEl>
+                                          </p:spTgt>
+                                        </p:tgtEl>
+                                        <p:attrNameLst>
+                                          <p:attrName>style.visibility</p:attrName>
+                                        </p:attrNameLst>
+                                      </p:cBhvr>
+                                      <p:to>
+                                        <p:strVal val="visible"/>
+                                      </p:to>
+                                    </p:set>
+                                  </p:childTnLst>
+                                </p:cTn>
+                              </p:par>
+                            </p:childTnLst>
+                          </p:cTn>
+                        </p:par>
+                      </p:childTnLst>
+                    </p:cTn>
+                  </p:par>
+                  <p:par>
+                    <p:cTn id="19" fill="hold">
+                      <p:stCondLst>
+                        <p:cond delay="indefinite"/>
+                      </p:stCondLst>
+                      <p:childTnLst>
+                        <p:par>
+                          <p:cTn id="20" fill="hold">
+                            <p:stCondLst>
+                              <p:cond delay="0"/>
+                            </p:stCondLst>
+                            <p:childTnLst>
+                              <p:par>
+                                <p:cTn id="21" presetID="1" presetClass="entr" presetSubtype="0" fill="hold" grpId="0" nodeType="clickEffect">
+                                  <p:stCondLst>
+                                    <p:cond delay="0"/>
+                                  </p:stCondLst>
+                                  <p:childTnLst>
+                                    <p:set>
+                                      <p:cBhvr>
+                                        <p:cTn id="22" dur="1" fill="hold">
+                                          <p:stCondLst>
+                                            <p:cond delay="0"/>
+                                          </p:stCondLst>
+                                        </p:cTn>
+                                        <p:tgtEl>
+                                          <p:spTgt spid="3">
+                                            <p:txEl>
+                                              <p:pRg st="7" end="7"/>
+                                            </p:txEl>
+                                          </p:spTgt>
+                                        </p:tgtEl>
+                                        <p:attrNameLst>
+                                          <p:attrName>style.visibility</p:attrName>
+                                        </p:attrNameLst>
+                                      </p:cBhvr>
+                                      <p:to>
+                                        <p:strVal val="visible"/>
+                                      </p:to>
+                                    </p:set>
+                                  </p:childTnLst>
+                                </p:cTn>
+                              </p:par>
+                            </p:childTnLst>
+                          </p:cTn>
+                        </p:par>
+                      </p:childTnLst>
+                    </p:cTn>
+                  </p:par>
+                  <p:par>
+                    <p:cTn id="23" fill="hold">
+                      <p:stCondLst>
+                        <p:cond delay="indefinite"/>
+                      </p:stCondLst>
+                      <p:childTnLst>
+                        <p:par>
+                          <p:cTn id="24" fill="hold">
+                            <p:stCondLst>
+                              <p:cond delay="0"/>
+                            </p:stCondLst>
+                            <p:childTnLst>
+                              <p:par>
+                                <p:cTn id="25" presetID="1" presetClass="entr" presetSubtype="0" fill="hold" grpId="0" nodeType="clickEffect">
+                                  <p:stCondLst>
+                                    <p:cond delay="0"/>
+                                  </p:stCondLst>
+                                  <p:childTnLst>
+                                    <p:set>
+                                      <p:cBhvr>
+                                        <p:cTn id="26" dur="1" fill="hold">
+                                          <p:stCondLst>
+                                            <p:cond delay="0"/>
+                                          </p:stCondLst>
+                                        </p:cTn>
+                                        <p:tgtEl>
+                                          <p:spTgt spid="3">
+                                            <p:txEl>
+                                              <p:pRg st="8" end="8"/>
+                                            </p:txEl>
+                                          </p:spTgt>
+                                        </p:tgtEl>
+                                        <p:attrNameLst>
+                                          <p:attrName>style.visibility</p:attrName>
+                                        </p:attrNameLst>
+                                      </p:cBhvr>
+                                      <p:to>
+                                        <p:strVal val="visible"/>
+                                      </p:to>
+                                    </p:set>
+                                  </p:childTnLst>
+                                </p:cTn>
+                              </p:par>
+                            </p:childTnLst>
+                          </p:cTn>
+                        </p:par>
+                      </p:childTnLst>
+                    </p:cTn>
+                  </p:par>
+                  <p:par>
+                    <p:cTn id="27" fill="hold">
+                      <p:stCondLst>
+                        <p:cond delay="indefinite"/>
+                      </p:stCondLst>
+                      <p:childTnLst>
+                        <p:par>
+                          <p:cTn id="28" fill="hold">
+                            <p:stCondLst>
+                              <p:cond delay="0"/>
+                            </p:stCondLst>
+                            <p:childTnLst>
+                              <p:par>
+                                <p:cTn id="29" presetID="1" presetClass="entr" presetSubtype="0" fill="hold" grpId="0" nodeType="clickEffect">
+                                  <p:stCondLst>
+                                    <p:cond delay="0"/>
+                                  </p:stCondLst>
+                                  <p:childTnLst>
+                                    <p:set>
+                                      <p:cBhvr>
+                                        <p:cTn id="30" dur="1" fill="hold">
+                                          <p:stCondLst>
+                                            <p:cond delay="0"/>
+                                          </p:stCondLst>
+                                        </p:cTn>
+                                        <p:tgtEl>
+                                          <p:spTgt spid="3">
+                                            <p:txEl>
+                                              <p:pRg st="9" end="9"/>
+                                            </p:txEl>
+                                          </p:spTgt>
+                                        </p:tgtEl>
+                                        <p:attrNameLst>
+                                          <p:attrName>style.visibility</p:attrName>
+                                        </p:attrNameLst>
+                                      </p:cBhvr>
+                                      <p:to>
+                                        <p:strVal val="visible"/>
+                                      </p:to>
+                                    </p:set>
+                                  </p:childTnLst>
+                                </p:cTn>
+                              </p:par>
+                            </p:childTnLst>
+                          </p:cTn>
+                        </p:par>
+                      </p:childTnLst>
+                    </p:cTn>
+                  </p:par>
+                </p:childTnLst>
+              </p:cTn>
+              <p:prevCondLst>
+                <p:cond evt="onPrev" delay="0">
+                  <p:tgtEl>
+                    <p:sldTgt/>
+                  </p:tgtEl>
+                </p:cond>
+              </p:prevCondLst>
+              <p:nextCondLst>
+                <p:cond evt="onNext" delay="0">
+                  <p:tgtEl>
+                    <p:sldTgt/>
+                  </p:tgtEl>
+                </p:cond>
+              </p:nextCondLst>
+            </p:seq>
+          </p:childTnLst>
+        </p:cTn>
+      </p:par>
+    </p:tnLst>
+    <p:bldLst>
+      <p:bldP spid="3" grpId="0" uiExpand="1" build="p"/>
+    </p:bldLst>
   </p:timing>
 </p:sld>
 </file>
@@ -37691,7 +38947,7 @@
                             </p:stCondLst>
                             <p:childTnLst>
                               <p:par>
-                                <p:cTn id="33" presetID="1" presetClass="entr" presetSubtype="0" fill="hold" grpId="0" nodeType="clickEffect">
+                                <p:cTn id="33" presetID="1" presetClass="entr" presetSubtype="0" fill="hold" nodeType="clickEffect">
                                   <p:stCondLst>
                                     <p:cond delay="0"/>
                                   </p:stCondLst>
@@ -37704,7 +38960,7 @@
                                           </p:stCondLst>
                                         </p:cTn>
                                         <p:tgtEl>
-                                          <p:spTgt spid="4"/>
+                                          <p:spTgt spid="24"/>
                                         </p:tgtEl>
                                         <p:attrNameLst>
                                           <p:attrName>style.visibility</p:attrName>
@@ -37718,7 +38974,7 @@
                                 </p:cTn>
                               </p:par>
                               <p:par>
-                                <p:cTn id="35" presetID="1" presetClass="entr" presetSubtype="0" fill="hold" nodeType="withEffect">
+                                <p:cTn id="35" presetID="1" presetClass="entr" presetSubtype="0" fill="hold" grpId="0" nodeType="withEffect">
                                   <p:stCondLst>
                                     <p:cond delay="0"/>
                                   </p:stCondLst>
@@ -37731,7 +38987,7 @@
                                           </p:stCondLst>
                                         </p:cTn>
                                         <p:tgtEl>
-                                          <p:spTgt spid="12"/>
+                                          <p:spTgt spid="21"/>
                                         </p:tgtEl>
                                         <p:attrNameLst>
                                           <p:attrName>style.visibility</p:attrName>
@@ -37758,7 +39014,7 @@
                                           </p:stCondLst>
                                         </p:cTn>
                                         <p:tgtEl>
-                                          <p:spTgt spid="13"/>
+                                          <p:spTgt spid="28"/>
                                         </p:tgtEl>
                                         <p:attrNameLst>
                                           <p:attrName>style.visibility</p:attrName>
@@ -37785,7 +39041,7 @@
                                           </p:stCondLst>
                                         </p:cTn>
                                         <p:tgtEl>
-                                          <p:spTgt spid="14"/>
+                                          <p:spTgt spid="22"/>
                                         </p:tgtEl>
                                         <p:attrNameLst>
                                           <p:attrName>style.visibility</p:attrName>
@@ -37817,7 +39073,7 @@
                             </p:stCondLst>
                             <p:childTnLst>
                               <p:par>
-                                <p:cTn id="43" presetID="1" presetClass="entr" presetSubtype="0" fill="hold" nodeType="clickEffect">
+                                <p:cTn id="43" presetID="1" presetClass="entr" presetSubtype="0" fill="hold" grpId="0" nodeType="clickEffect">
                                   <p:stCondLst>
                                     <p:cond delay="0"/>
                                   </p:stCondLst>
@@ -37830,7 +39086,7 @@
                                           </p:stCondLst>
                                         </p:cTn>
                                         <p:tgtEl>
-                                          <p:spTgt spid="15"/>
+                                          <p:spTgt spid="4"/>
                                         </p:tgtEl>
                                         <p:attrNameLst>
                                           <p:attrName>style.visibility</p:attrName>
@@ -37857,7 +39113,7 @@
                                           </p:stCondLst>
                                         </p:cTn>
                                         <p:tgtEl>
-                                          <p:spTgt spid="16"/>
+                                          <p:spTgt spid="12"/>
                                         </p:tgtEl>
                                         <p:attrNameLst>
                                           <p:attrName>style.visibility</p:attrName>
@@ -37884,7 +39140,7 @@
                                           </p:stCondLst>
                                         </p:cTn>
                                         <p:tgtEl>
-                                          <p:spTgt spid="17"/>
+                                          <p:spTgt spid="13"/>
                                         </p:tgtEl>
                                         <p:attrNameLst>
                                           <p:attrName>style.visibility</p:attrName>
@@ -37898,7 +39154,7 @@
                                 </p:cTn>
                               </p:par>
                               <p:par>
-                                <p:cTn id="49" presetID="1" presetClass="entr" presetSubtype="0" fill="hold" grpId="0" nodeType="withEffect">
+                                <p:cTn id="49" presetID="1" presetClass="entr" presetSubtype="0" fill="hold" nodeType="withEffect">
                                   <p:stCondLst>
                                     <p:cond delay="0"/>
                                   </p:stCondLst>
@@ -37911,7 +39167,7 @@
                                           </p:stCondLst>
                                         </p:cTn>
                                         <p:tgtEl>
-                                          <p:spTgt spid="18"/>
+                                          <p:spTgt spid="14"/>
                                         </p:tgtEl>
                                         <p:attrNameLst>
                                           <p:attrName>style.visibility</p:attrName>
@@ -37956,7 +39212,7 @@
                                           </p:stCondLst>
                                         </p:cTn>
                                         <p:tgtEl>
-                                          <p:spTgt spid="24"/>
+                                          <p:spTgt spid="15"/>
                                         </p:tgtEl>
                                         <p:attrNameLst>
                                           <p:attrName>style.visibility</p:attrName>
@@ -37970,7 +39226,7 @@
                                 </p:cTn>
                               </p:par>
                               <p:par>
-                                <p:cTn id="55" presetID="1" presetClass="entr" presetSubtype="0" fill="hold" grpId="0" nodeType="withEffect">
+                                <p:cTn id="55" presetID="1" presetClass="entr" presetSubtype="0" fill="hold" nodeType="withEffect">
                                   <p:stCondLst>
                                     <p:cond delay="0"/>
                                   </p:stCondLst>
@@ -37983,7 +39239,7 @@
                                           </p:stCondLst>
                                         </p:cTn>
                                         <p:tgtEl>
-                                          <p:spTgt spid="21"/>
+                                          <p:spTgt spid="16"/>
                                         </p:tgtEl>
                                         <p:attrNameLst>
                                           <p:attrName>style.visibility</p:attrName>
@@ -38010,7 +39266,7 @@
                                           </p:stCondLst>
                                         </p:cTn>
                                         <p:tgtEl>
-                                          <p:spTgt spid="28"/>
+                                          <p:spTgt spid="17"/>
                                         </p:tgtEl>
                                         <p:attrNameLst>
                                           <p:attrName>style.visibility</p:attrName>
@@ -38024,7 +39280,7 @@
                                 </p:cTn>
                               </p:par>
                               <p:par>
-                                <p:cTn id="59" presetID="1" presetClass="entr" presetSubtype="0" fill="hold" nodeType="withEffect">
+                                <p:cTn id="59" presetID="1" presetClass="entr" presetSubtype="0" fill="hold" grpId="0" nodeType="withEffect">
                                   <p:stCondLst>
                                     <p:cond delay="0"/>
                                   </p:stCondLst>
@@ -38037,7 +39293,7 @@
                                           </p:stCondLst>
                                         </p:cTn>
                                         <p:tgtEl>
-                                          <p:spTgt spid="22"/>
+                                          <p:spTgt spid="18"/>
                                         </p:tgtEl>
                                         <p:attrNameLst>
                                           <p:attrName>style.visibility</p:attrName>
@@ -41863,7 +43119,7 @@
             </a:pPr>
             <a:r>
               <a:rPr lang="en-US" dirty="0"/>
-              <a:t>Since reward for all actions is computed in this diagram, this algorithm is said to use a </a:t>
+              <a:t>Since reward for all actions are computed in this diagram, this algorithm is said to use a </a:t>
             </a:r>
             <a:r>
               <a:rPr lang="en-US" b="1" dirty="0"/>
